--- a/ReleaseProcessScript/CustomGitFlowGraph.pptx
+++ b/ReleaseProcessScript/CustomGitFlowGraph.pptx
@@ -11,6 +11,7 @@
     <p:sldId id="258" r:id="rId5"/>
     <p:sldId id="263" r:id="rId6"/>
     <p:sldId id="264" r:id="rId7"/>
+    <p:sldId id="266" r:id="rId8"/>
   </p:sldIdLst>
   <p:sldSz cx="18288000" cy="14400213"/>
   <p:notesSz cx="6858000" cy="9144000"/>
@@ -124,6 +125,7 @@
           <p14:sldIdLst>
             <p14:sldId id="263"/>
             <p14:sldId id="264"/>
+            <p14:sldId id="266"/>
           </p14:sldIdLst>
         </p14:section>
       </p14:sectionLst>
@@ -894,6 +896,925 @@
 </file>
 
 <file path=ppt/diagrams/colors10.xml><?xml version="1.0" encoding="utf-8"?>
+<dgm:colorsDef xmlns:dgm="http://schemas.openxmlformats.org/drawingml/2006/diagram" xmlns:a="http://schemas.openxmlformats.org/drawingml/2006/main" uniqueId="urn:microsoft.com/office/officeart/2005/8/colors/colorful1">
+  <dgm:title val=""/>
+  <dgm:desc val=""/>
+  <dgm:catLst>
+    <dgm:cat type="colorful" pri="10100"/>
+  </dgm:catLst>
+  <dgm:styleLbl name="node0">
+    <dgm:fillClrLst meth="repeat">
+      <a:schemeClr val="accent1"/>
+    </dgm:fillClrLst>
+    <dgm:linClrLst meth="repeat">
+      <a:schemeClr val="lt1"/>
+    </dgm:linClrLst>
+    <dgm:effectClrLst/>
+    <dgm:txLinClrLst/>
+    <dgm:txFillClrLst/>
+    <dgm:txEffectClrLst/>
+  </dgm:styleLbl>
+  <dgm:styleLbl name="node1">
+    <dgm:fillClrLst meth="repeat">
+      <a:schemeClr val="accent2"/>
+      <a:schemeClr val="accent3"/>
+      <a:schemeClr val="accent4"/>
+      <a:schemeClr val="accent5"/>
+      <a:schemeClr val="accent6"/>
+    </dgm:fillClrLst>
+    <dgm:linClrLst meth="repeat">
+      <a:schemeClr val="lt1"/>
+    </dgm:linClrLst>
+    <dgm:effectClrLst/>
+    <dgm:txLinClrLst/>
+    <dgm:txFillClrLst/>
+    <dgm:txEffectClrLst/>
+  </dgm:styleLbl>
+  <dgm:styleLbl name="alignNode1">
+    <dgm:fillClrLst meth="repeat">
+      <a:schemeClr val="accent2"/>
+      <a:schemeClr val="accent3"/>
+      <a:schemeClr val="accent4"/>
+      <a:schemeClr val="accent5"/>
+      <a:schemeClr val="accent6"/>
+    </dgm:fillClrLst>
+    <dgm:linClrLst meth="repeat">
+      <a:schemeClr val="accent2"/>
+      <a:schemeClr val="accent3"/>
+      <a:schemeClr val="accent4"/>
+      <a:schemeClr val="accent5"/>
+      <a:schemeClr val="accent6"/>
+    </dgm:linClrLst>
+    <dgm:effectClrLst/>
+    <dgm:txLinClrLst/>
+    <dgm:txFillClrLst/>
+    <dgm:txEffectClrLst/>
+  </dgm:styleLbl>
+  <dgm:styleLbl name="lnNode1">
+    <dgm:fillClrLst meth="repeat">
+      <a:schemeClr val="accent2"/>
+      <a:schemeClr val="accent3"/>
+      <a:schemeClr val="accent4"/>
+      <a:schemeClr val="accent5"/>
+      <a:schemeClr val="accent6"/>
+    </dgm:fillClrLst>
+    <dgm:linClrLst meth="repeat">
+      <a:schemeClr val="lt1"/>
+    </dgm:linClrLst>
+    <dgm:effectClrLst/>
+    <dgm:txLinClrLst/>
+    <dgm:txFillClrLst/>
+    <dgm:txEffectClrLst/>
+  </dgm:styleLbl>
+  <dgm:styleLbl name="vennNode1">
+    <dgm:fillClrLst meth="repeat">
+      <a:schemeClr val="accent2">
+        <a:alpha val="50000"/>
+      </a:schemeClr>
+      <a:schemeClr val="accent3">
+        <a:alpha val="50000"/>
+      </a:schemeClr>
+      <a:schemeClr val="accent4">
+        <a:alpha val="50000"/>
+      </a:schemeClr>
+      <a:schemeClr val="accent5">
+        <a:alpha val="50000"/>
+      </a:schemeClr>
+      <a:schemeClr val="accent6">
+        <a:alpha val="50000"/>
+      </a:schemeClr>
+    </dgm:fillClrLst>
+    <dgm:linClrLst meth="repeat">
+      <a:schemeClr val="lt1"/>
+    </dgm:linClrLst>
+    <dgm:effectClrLst/>
+    <dgm:txLinClrLst/>
+    <dgm:txFillClrLst/>
+    <dgm:txEffectClrLst/>
+  </dgm:styleLbl>
+  <dgm:styleLbl name="node2">
+    <dgm:fillClrLst>
+      <a:schemeClr val="accent2"/>
+    </dgm:fillClrLst>
+    <dgm:linClrLst meth="repeat">
+      <a:schemeClr val="lt1"/>
+    </dgm:linClrLst>
+    <dgm:effectClrLst/>
+    <dgm:txLinClrLst/>
+    <dgm:txFillClrLst/>
+    <dgm:txEffectClrLst/>
+  </dgm:styleLbl>
+  <dgm:styleLbl name="node3">
+    <dgm:fillClrLst>
+      <a:schemeClr val="accent3"/>
+    </dgm:fillClrLst>
+    <dgm:linClrLst meth="repeat">
+      <a:schemeClr val="lt1"/>
+    </dgm:linClrLst>
+    <dgm:effectClrLst/>
+    <dgm:txLinClrLst/>
+    <dgm:txFillClrLst/>
+    <dgm:txEffectClrLst/>
+  </dgm:styleLbl>
+  <dgm:styleLbl name="node4">
+    <dgm:fillClrLst>
+      <a:schemeClr val="accent4"/>
+    </dgm:fillClrLst>
+    <dgm:linClrLst meth="repeat">
+      <a:schemeClr val="lt1"/>
+    </dgm:linClrLst>
+    <dgm:effectClrLst/>
+    <dgm:txLinClrLst/>
+    <dgm:txFillClrLst/>
+    <dgm:txEffectClrLst/>
+  </dgm:styleLbl>
+  <dgm:styleLbl name="fgImgPlace1">
+    <dgm:fillClrLst meth="repeat">
+      <a:schemeClr val="accent2">
+        <a:tint val="50000"/>
+      </a:schemeClr>
+      <a:schemeClr val="accent3">
+        <a:tint val="50000"/>
+      </a:schemeClr>
+      <a:schemeClr val="accent4">
+        <a:tint val="50000"/>
+      </a:schemeClr>
+      <a:schemeClr val="accent5">
+        <a:tint val="50000"/>
+      </a:schemeClr>
+      <a:schemeClr val="accent6">
+        <a:tint val="50000"/>
+      </a:schemeClr>
+    </dgm:fillClrLst>
+    <dgm:linClrLst meth="repeat">
+      <a:schemeClr val="lt1"/>
+    </dgm:linClrLst>
+    <dgm:effectClrLst/>
+    <dgm:txLinClrLst/>
+    <dgm:txFillClrLst meth="repeat">
+      <a:schemeClr val="lt1"/>
+    </dgm:txFillClrLst>
+    <dgm:txEffectClrLst/>
+  </dgm:styleLbl>
+  <dgm:styleLbl name="alignImgPlace1">
+    <dgm:fillClrLst>
+      <a:schemeClr val="accent1">
+        <a:tint val="50000"/>
+      </a:schemeClr>
+      <a:schemeClr val="accent2">
+        <a:tint val="20000"/>
+      </a:schemeClr>
+    </dgm:fillClrLst>
+    <dgm:linClrLst meth="repeat">
+      <a:schemeClr val="lt1"/>
+    </dgm:linClrLst>
+    <dgm:effectClrLst/>
+    <dgm:txLinClrLst/>
+    <dgm:txFillClrLst meth="repeat">
+      <a:schemeClr val="lt1"/>
+    </dgm:txFillClrLst>
+    <dgm:txEffectClrLst/>
+  </dgm:styleLbl>
+  <dgm:styleLbl name="bgImgPlace1">
+    <dgm:fillClrLst>
+      <a:schemeClr val="accent1">
+        <a:tint val="50000"/>
+      </a:schemeClr>
+      <a:schemeClr val="accent2">
+        <a:tint val="20000"/>
+      </a:schemeClr>
+    </dgm:fillClrLst>
+    <dgm:linClrLst meth="repeat">
+      <a:schemeClr val="lt1"/>
+    </dgm:linClrLst>
+    <dgm:effectClrLst/>
+    <dgm:txLinClrLst/>
+    <dgm:txFillClrLst meth="repeat">
+      <a:schemeClr val="lt1"/>
+    </dgm:txFillClrLst>
+    <dgm:txEffectClrLst/>
+  </dgm:styleLbl>
+  <dgm:styleLbl name="sibTrans2D1">
+    <dgm:fillClrLst meth="repeat">
+      <a:schemeClr val="accent2"/>
+      <a:schemeClr val="accent3"/>
+      <a:schemeClr val="accent4"/>
+      <a:schemeClr val="accent5"/>
+      <a:schemeClr val="accent6"/>
+    </dgm:fillClrLst>
+    <dgm:linClrLst meth="cycle">
+      <a:schemeClr val="lt1"/>
+    </dgm:linClrLst>
+    <dgm:effectClrLst/>
+    <dgm:txLinClrLst/>
+    <dgm:txFillClrLst/>
+    <dgm:txEffectClrLst/>
+  </dgm:styleLbl>
+  <dgm:styleLbl name="fgSibTrans2D1">
+    <dgm:fillClrLst meth="repeat">
+      <a:schemeClr val="accent2"/>
+      <a:schemeClr val="accent3"/>
+      <a:schemeClr val="accent4"/>
+      <a:schemeClr val="accent5"/>
+      <a:schemeClr val="accent6"/>
+    </dgm:fillClrLst>
+    <dgm:linClrLst meth="cycle">
+      <a:schemeClr val="lt1"/>
+    </dgm:linClrLst>
+    <dgm:effectClrLst/>
+    <dgm:txLinClrLst/>
+    <dgm:txFillClrLst meth="repeat">
+      <a:schemeClr val="lt1"/>
+    </dgm:txFillClrLst>
+    <dgm:txEffectClrLst/>
+  </dgm:styleLbl>
+  <dgm:styleLbl name="bgSibTrans2D1">
+    <dgm:fillClrLst meth="repeat">
+      <a:schemeClr val="accent2"/>
+      <a:schemeClr val="accent3"/>
+      <a:schemeClr val="accent4"/>
+      <a:schemeClr val="accent5"/>
+      <a:schemeClr val="accent6"/>
+    </dgm:fillClrLst>
+    <dgm:linClrLst meth="cycle">
+      <a:schemeClr val="lt1"/>
+    </dgm:linClrLst>
+    <dgm:effectClrLst/>
+    <dgm:txLinClrLst/>
+    <dgm:txFillClrLst meth="repeat">
+      <a:schemeClr val="lt1"/>
+    </dgm:txFillClrLst>
+    <dgm:txEffectClrLst/>
+  </dgm:styleLbl>
+  <dgm:styleLbl name="sibTrans1D1">
+    <dgm:fillClrLst meth="repeat">
+      <a:schemeClr val="accent2"/>
+      <a:schemeClr val="accent3"/>
+      <a:schemeClr val="accent4"/>
+      <a:schemeClr val="accent5"/>
+      <a:schemeClr val="accent6"/>
+    </dgm:fillClrLst>
+    <dgm:linClrLst meth="repeat">
+      <a:schemeClr val="accent2"/>
+      <a:schemeClr val="accent3"/>
+      <a:schemeClr val="accent4"/>
+      <a:schemeClr val="accent5"/>
+      <a:schemeClr val="accent6"/>
+    </dgm:linClrLst>
+    <dgm:effectClrLst/>
+    <dgm:txLinClrLst/>
+    <dgm:txFillClrLst meth="repeat">
+      <a:schemeClr val="tx1"/>
+    </dgm:txFillClrLst>
+    <dgm:txEffectClrLst/>
+  </dgm:styleLbl>
+  <dgm:styleLbl name="callout">
+    <dgm:fillClrLst meth="repeat">
+      <a:schemeClr val="accent2"/>
+    </dgm:fillClrLst>
+    <dgm:linClrLst meth="repeat">
+      <a:schemeClr val="accent2">
+        <a:tint val="50000"/>
+      </a:schemeClr>
+    </dgm:linClrLst>
+    <dgm:effectClrLst/>
+    <dgm:txLinClrLst/>
+    <dgm:txFillClrLst meth="repeat">
+      <a:schemeClr val="tx1"/>
+    </dgm:txFillClrLst>
+    <dgm:txEffectClrLst/>
+  </dgm:styleLbl>
+  <dgm:styleLbl name="asst0">
+    <dgm:fillClrLst meth="repeat">
+      <a:schemeClr val="accent1"/>
+    </dgm:fillClrLst>
+    <dgm:linClrLst meth="repeat">
+      <a:schemeClr val="lt1"/>
+    </dgm:linClrLst>
+    <dgm:effectClrLst/>
+    <dgm:txLinClrLst/>
+    <dgm:txFillClrLst/>
+    <dgm:txEffectClrLst/>
+  </dgm:styleLbl>
+  <dgm:styleLbl name="asst1">
+    <dgm:fillClrLst meth="repeat">
+      <a:schemeClr val="accent2"/>
+    </dgm:fillClrLst>
+    <dgm:linClrLst meth="repeat">
+      <a:schemeClr val="lt1"/>
+    </dgm:linClrLst>
+    <dgm:effectClrLst/>
+    <dgm:txLinClrLst/>
+    <dgm:txFillClrLst/>
+    <dgm:txEffectClrLst/>
+  </dgm:styleLbl>
+  <dgm:styleLbl name="asst2">
+    <dgm:fillClrLst>
+      <a:schemeClr val="accent3"/>
+    </dgm:fillClrLst>
+    <dgm:linClrLst meth="repeat">
+      <a:schemeClr val="lt1"/>
+    </dgm:linClrLst>
+    <dgm:effectClrLst/>
+    <dgm:txLinClrLst/>
+    <dgm:txFillClrLst/>
+    <dgm:txEffectClrLst/>
+  </dgm:styleLbl>
+  <dgm:styleLbl name="asst3">
+    <dgm:fillClrLst>
+      <a:schemeClr val="accent4"/>
+    </dgm:fillClrLst>
+    <dgm:linClrLst meth="repeat">
+      <a:schemeClr val="lt1"/>
+    </dgm:linClrLst>
+    <dgm:effectClrLst/>
+    <dgm:txLinClrLst/>
+    <dgm:txFillClrLst/>
+    <dgm:txEffectClrLst/>
+  </dgm:styleLbl>
+  <dgm:styleLbl name="asst4">
+    <dgm:fillClrLst>
+      <a:schemeClr val="accent5"/>
+    </dgm:fillClrLst>
+    <dgm:linClrLst meth="repeat">
+      <a:schemeClr val="lt1"/>
+    </dgm:linClrLst>
+    <dgm:effectClrLst/>
+    <dgm:txLinClrLst/>
+    <dgm:txFillClrLst/>
+    <dgm:txEffectClrLst/>
+  </dgm:styleLbl>
+  <dgm:styleLbl name="parChTrans2D1">
+    <dgm:fillClrLst meth="repeat">
+      <a:schemeClr val="accent2"/>
+    </dgm:fillClrLst>
+    <dgm:linClrLst meth="repeat">
+      <a:schemeClr val="lt1"/>
+    </dgm:linClrLst>
+    <dgm:effectClrLst/>
+    <dgm:txLinClrLst/>
+    <dgm:txFillClrLst meth="repeat">
+      <a:schemeClr val="lt1"/>
+    </dgm:txFillClrLst>
+    <dgm:txEffectClrLst/>
+  </dgm:styleLbl>
+  <dgm:styleLbl name="parChTrans2D2">
+    <dgm:fillClrLst meth="repeat">
+      <a:schemeClr val="accent3"/>
+    </dgm:fillClrLst>
+    <dgm:linClrLst meth="repeat">
+      <a:schemeClr val="lt1"/>
+    </dgm:linClrLst>
+    <dgm:effectClrLst/>
+    <dgm:txLinClrLst/>
+    <dgm:txFillClrLst/>
+    <dgm:txEffectClrLst/>
+  </dgm:styleLbl>
+  <dgm:styleLbl name="parChTrans2D3">
+    <dgm:fillClrLst meth="repeat">
+      <a:schemeClr val="accent4"/>
+    </dgm:fillClrLst>
+    <dgm:linClrLst meth="repeat">
+      <a:schemeClr val="lt1"/>
+    </dgm:linClrLst>
+    <dgm:effectClrLst/>
+    <dgm:txLinClrLst/>
+    <dgm:txFillClrLst/>
+    <dgm:txEffectClrLst/>
+  </dgm:styleLbl>
+  <dgm:styleLbl name="parChTrans2D4">
+    <dgm:fillClrLst meth="repeat">
+      <a:schemeClr val="accent5"/>
+    </dgm:fillClrLst>
+    <dgm:linClrLst meth="repeat">
+      <a:schemeClr val="lt1"/>
+    </dgm:linClrLst>
+    <dgm:effectClrLst/>
+    <dgm:txLinClrLst/>
+    <dgm:txFillClrLst meth="repeat">
+      <a:schemeClr val="lt1"/>
+    </dgm:txFillClrLst>
+    <dgm:txEffectClrLst/>
+  </dgm:styleLbl>
+  <dgm:styleLbl name="parChTrans1D1">
+    <dgm:fillClrLst meth="repeat">
+      <a:schemeClr val="accent2"/>
+    </dgm:fillClrLst>
+    <dgm:linClrLst meth="repeat">
+      <a:schemeClr val="accent1"/>
+    </dgm:linClrLst>
+    <dgm:effectClrLst/>
+    <dgm:txLinClrLst/>
+    <dgm:txFillClrLst meth="repeat">
+      <a:schemeClr val="tx1"/>
+    </dgm:txFillClrLst>
+    <dgm:txEffectClrLst/>
+  </dgm:styleLbl>
+  <dgm:styleLbl name="parChTrans1D2">
+    <dgm:fillClrLst meth="repeat">
+      <a:schemeClr val="accent3">
+        <a:tint val="90000"/>
+      </a:schemeClr>
+    </dgm:fillClrLst>
+    <dgm:linClrLst meth="repeat">
+      <a:schemeClr val="accent2"/>
+    </dgm:linClrLst>
+    <dgm:effectClrLst/>
+    <dgm:txLinClrLst/>
+    <dgm:txFillClrLst meth="repeat">
+      <a:schemeClr val="tx1"/>
+    </dgm:txFillClrLst>
+    <dgm:txEffectClrLst/>
+  </dgm:styleLbl>
+  <dgm:styleLbl name="parChTrans1D3">
+    <dgm:fillClrLst meth="repeat">
+      <a:schemeClr val="accent4">
+        <a:tint val="70000"/>
+      </a:schemeClr>
+    </dgm:fillClrLst>
+    <dgm:linClrLst meth="repeat">
+      <a:schemeClr val="accent3"/>
+    </dgm:linClrLst>
+    <dgm:effectClrLst/>
+    <dgm:txLinClrLst/>
+    <dgm:txFillClrLst meth="repeat">
+      <a:schemeClr val="tx1"/>
+    </dgm:txFillClrLst>
+    <dgm:txEffectClrLst/>
+  </dgm:styleLbl>
+  <dgm:styleLbl name="parChTrans1D4">
+    <dgm:fillClrLst meth="repeat">
+      <a:schemeClr val="accent5">
+        <a:tint val="50000"/>
+      </a:schemeClr>
+    </dgm:fillClrLst>
+    <dgm:linClrLst meth="repeat">
+      <a:schemeClr val="accent4"/>
+    </dgm:linClrLst>
+    <dgm:effectClrLst/>
+    <dgm:txLinClrLst/>
+    <dgm:txFillClrLst meth="repeat">
+      <a:schemeClr val="tx1"/>
+    </dgm:txFillClrLst>
+    <dgm:txEffectClrLst/>
+  </dgm:styleLbl>
+  <dgm:styleLbl name="fgAcc1">
+    <dgm:fillClrLst meth="repeat">
+      <a:schemeClr val="lt1">
+        <a:alpha val="90000"/>
+      </a:schemeClr>
+    </dgm:fillClrLst>
+    <dgm:linClrLst meth="repeat">
+      <a:schemeClr val="accent2"/>
+      <a:schemeClr val="accent3"/>
+      <a:schemeClr val="accent4"/>
+      <a:schemeClr val="accent5"/>
+      <a:schemeClr val="accent6"/>
+    </dgm:linClrLst>
+    <dgm:effectClrLst/>
+    <dgm:txLinClrLst/>
+    <dgm:txFillClrLst meth="repeat">
+      <a:schemeClr val="dk1"/>
+    </dgm:txFillClrLst>
+    <dgm:txEffectClrLst/>
+  </dgm:styleLbl>
+  <dgm:styleLbl name="conFgAcc1">
+    <dgm:fillClrLst meth="repeat">
+      <a:schemeClr val="lt1">
+        <a:alpha val="90000"/>
+      </a:schemeClr>
+    </dgm:fillClrLst>
+    <dgm:linClrLst meth="repeat">
+      <a:schemeClr val="accent2"/>
+      <a:schemeClr val="accent3"/>
+      <a:schemeClr val="accent4"/>
+      <a:schemeClr val="accent5"/>
+      <a:schemeClr val="accent6"/>
+    </dgm:linClrLst>
+    <dgm:effectClrLst/>
+    <dgm:txLinClrLst/>
+    <dgm:txFillClrLst meth="repeat">
+      <a:schemeClr val="dk1"/>
+    </dgm:txFillClrLst>
+    <dgm:txEffectClrLst/>
+  </dgm:styleLbl>
+  <dgm:styleLbl name="alignAcc1">
+    <dgm:fillClrLst meth="repeat">
+      <a:schemeClr val="lt1">
+        <a:alpha val="90000"/>
+      </a:schemeClr>
+    </dgm:fillClrLst>
+    <dgm:linClrLst meth="repeat">
+      <a:schemeClr val="accent2"/>
+      <a:schemeClr val="accent3"/>
+      <a:schemeClr val="accent4"/>
+      <a:schemeClr val="accent5"/>
+      <a:schemeClr val="accent6"/>
+    </dgm:linClrLst>
+    <dgm:effectClrLst/>
+    <dgm:txLinClrLst/>
+    <dgm:txFillClrLst meth="repeat">
+      <a:schemeClr val="dk1"/>
+    </dgm:txFillClrLst>
+    <dgm:txEffectClrLst/>
+  </dgm:styleLbl>
+  <dgm:styleLbl name="trAlignAcc1">
+    <dgm:fillClrLst meth="repeat">
+      <a:schemeClr val="lt1">
+        <a:alpha val="40000"/>
+      </a:schemeClr>
+    </dgm:fillClrLst>
+    <dgm:linClrLst meth="repeat">
+      <a:schemeClr val="accent1"/>
+    </dgm:linClrLst>
+    <dgm:effectClrLst/>
+    <dgm:txLinClrLst/>
+    <dgm:txFillClrLst meth="repeat">
+      <a:schemeClr val="dk1"/>
+    </dgm:txFillClrLst>
+    <dgm:txEffectClrLst/>
+  </dgm:styleLbl>
+  <dgm:styleLbl name="bgAcc1">
+    <dgm:fillClrLst meth="repeat">
+      <a:schemeClr val="lt1">
+        <a:alpha val="90000"/>
+      </a:schemeClr>
+    </dgm:fillClrLst>
+    <dgm:linClrLst meth="repeat">
+      <a:schemeClr val="accent2"/>
+      <a:schemeClr val="accent3"/>
+      <a:schemeClr val="accent4"/>
+      <a:schemeClr val="accent5"/>
+      <a:schemeClr val="accent6"/>
+    </dgm:linClrLst>
+    <dgm:effectClrLst/>
+    <dgm:txLinClrLst/>
+    <dgm:txFillClrLst meth="repeat">
+      <a:schemeClr val="dk1"/>
+    </dgm:txFillClrLst>
+    <dgm:txEffectClrLst/>
+  </dgm:styleLbl>
+  <dgm:styleLbl name="solidFgAcc1">
+    <dgm:fillClrLst meth="repeat">
+      <a:schemeClr val="lt1"/>
+    </dgm:fillClrLst>
+    <dgm:linClrLst meth="repeat">
+      <a:schemeClr val="accent2"/>
+      <a:schemeClr val="accent3"/>
+      <a:schemeClr val="accent4"/>
+      <a:schemeClr val="accent5"/>
+      <a:schemeClr val="accent6"/>
+    </dgm:linClrLst>
+    <dgm:effectClrLst/>
+    <dgm:txLinClrLst/>
+    <dgm:txFillClrLst meth="repeat">
+      <a:schemeClr val="dk1"/>
+    </dgm:txFillClrLst>
+    <dgm:txEffectClrLst/>
+  </dgm:styleLbl>
+  <dgm:styleLbl name="solidAlignAcc1">
+    <dgm:fillClrLst meth="repeat">
+      <a:schemeClr val="lt1"/>
+    </dgm:fillClrLst>
+    <dgm:linClrLst meth="repeat">
+      <a:schemeClr val="accent2"/>
+      <a:schemeClr val="accent3"/>
+      <a:schemeClr val="accent4"/>
+      <a:schemeClr val="accent5"/>
+      <a:schemeClr val="accent6"/>
+    </dgm:linClrLst>
+    <dgm:effectClrLst/>
+    <dgm:txLinClrLst/>
+    <dgm:txFillClrLst meth="repeat">
+      <a:schemeClr val="dk1"/>
+    </dgm:txFillClrLst>
+    <dgm:txEffectClrLst/>
+  </dgm:styleLbl>
+  <dgm:styleLbl name="solidBgAcc1">
+    <dgm:fillClrLst meth="repeat">
+      <a:schemeClr val="lt1"/>
+    </dgm:fillClrLst>
+    <dgm:linClrLst meth="repeat">
+      <a:schemeClr val="accent2"/>
+      <a:schemeClr val="accent3"/>
+      <a:schemeClr val="accent4"/>
+      <a:schemeClr val="accent5"/>
+      <a:schemeClr val="accent6"/>
+    </dgm:linClrLst>
+    <dgm:effectClrLst/>
+    <dgm:txLinClrLst/>
+    <dgm:txFillClrLst meth="repeat">
+      <a:schemeClr val="dk1"/>
+    </dgm:txFillClrLst>
+    <dgm:txEffectClrLst/>
+  </dgm:styleLbl>
+  <dgm:styleLbl name="fgAccFollowNode1">
+    <dgm:fillClrLst meth="repeat">
+      <a:schemeClr val="accent2">
+        <a:tint val="40000"/>
+        <a:alpha val="90000"/>
+      </a:schemeClr>
+      <a:schemeClr val="accent3">
+        <a:tint val="40000"/>
+        <a:alpha val="90000"/>
+      </a:schemeClr>
+      <a:schemeClr val="accent4">
+        <a:tint val="40000"/>
+        <a:alpha val="90000"/>
+      </a:schemeClr>
+      <a:schemeClr val="accent5">
+        <a:tint val="40000"/>
+        <a:alpha val="90000"/>
+      </a:schemeClr>
+      <a:schemeClr val="accent6">
+        <a:tint val="40000"/>
+        <a:alpha val="90000"/>
+      </a:schemeClr>
+    </dgm:fillClrLst>
+    <dgm:linClrLst meth="repeat">
+      <a:schemeClr val="accent2">
+        <a:tint val="40000"/>
+        <a:alpha val="90000"/>
+      </a:schemeClr>
+      <a:schemeClr val="accent3">
+        <a:tint val="40000"/>
+        <a:alpha val="90000"/>
+      </a:schemeClr>
+      <a:schemeClr val="accent4">
+        <a:tint val="40000"/>
+        <a:alpha val="90000"/>
+      </a:schemeClr>
+      <a:schemeClr val="accent5">
+        <a:tint val="40000"/>
+        <a:alpha val="90000"/>
+      </a:schemeClr>
+      <a:schemeClr val="accent6">
+        <a:tint val="40000"/>
+        <a:alpha val="90000"/>
+      </a:schemeClr>
+    </dgm:linClrLst>
+    <dgm:effectClrLst/>
+    <dgm:txLinClrLst/>
+    <dgm:txFillClrLst meth="repeat">
+      <a:schemeClr val="dk1"/>
+    </dgm:txFillClrLst>
+    <dgm:txEffectClrLst/>
+  </dgm:styleLbl>
+  <dgm:styleLbl name="alignAccFollowNode1">
+    <dgm:fillClrLst meth="repeat">
+      <a:schemeClr val="accent2">
+        <a:tint val="40000"/>
+        <a:alpha val="90000"/>
+      </a:schemeClr>
+      <a:schemeClr val="accent3">
+        <a:tint val="40000"/>
+        <a:alpha val="90000"/>
+      </a:schemeClr>
+      <a:schemeClr val="accent4">
+        <a:tint val="40000"/>
+        <a:alpha val="90000"/>
+      </a:schemeClr>
+      <a:schemeClr val="accent5">
+        <a:tint val="40000"/>
+        <a:alpha val="90000"/>
+      </a:schemeClr>
+      <a:schemeClr val="accent6">
+        <a:tint val="40000"/>
+        <a:alpha val="90000"/>
+      </a:schemeClr>
+    </dgm:fillClrLst>
+    <dgm:linClrLst meth="repeat">
+      <a:schemeClr val="accent2">
+        <a:tint val="40000"/>
+        <a:alpha val="90000"/>
+      </a:schemeClr>
+      <a:schemeClr val="accent3">
+        <a:tint val="40000"/>
+        <a:alpha val="90000"/>
+      </a:schemeClr>
+      <a:schemeClr val="accent4">
+        <a:tint val="40000"/>
+        <a:alpha val="90000"/>
+      </a:schemeClr>
+      <a:schemeClr val="accent5">
+        <a:tint val="40000"/>
+        <a:alpha val="90000"/>
+      </a:schemeClr>
+      <a:schemeClr val="accent6">
+        <a:tint val="40000"/>
+        <a:alpha val="90000"/>
+      </a:schemeClr>
+    </dgm:linClrLst>
+    <dgm:effectClrLst/>
+    <dgm:txLinClrLst/>
+    <dgm:txFillClrLst meth="repeat">
+      <a:schemeClr val="dk1"/>
+    </dgm:txFillClrLst>
+    <dgm:txEffectClrLst/>
+  </dgm:styleLbl>
+  <dgm:styleLbl name="bgAccFollowNode1">
+    <dgm:fillClrLst meth="repeat">
+      <a:schemeClr val="accent2">
+        <a:tint val="40000"/>
+        <a:alpha val="90000"/>
+      </a:schemeClr>
+      <a:schemeClr val="accent3">
+        <a:tint val="40000"/>
+        <a:alpha val="90000"/>
+      </a:schemeClr>
+      <a:schemeClr val="accent4">
+        <a:tint val="40000"/>
+        <a:alpha val="90000"/>
+      </a:schemeClr>
+      <a:schemeClr val="accent5">
+        <a:tint val="40000"/>
+        <a:alpha val="90000"/>
+      </a:schemeClr>
+      <a:schemeClr val="accent6">
+        <a:tint val="40000"/>
+        <a:alpha val="90000"/>
+      </a:schemeClr>
+    </dgm:fillClrLst>
+    <dgm:linClrLst meth="repeat">
+      <a:schemeClr val="accent2">
+        <a:tint val="40000"/>
+        <a:alpha val="90000"/>
+      </a:schemeClr>
+      <a:schemeClr val="accent3">
+        <a:tint val="40000"/>
+        <a:alpha val="90000"/>
+      </a:schemeClr>
+      <a:schemeClr val="accent4">
+        <a:tint val="40000"/>
+        <a:alpha val="90000"/>
+      </a:schemeClr>
+      <a:schemeClr val="accent5">
+        <a:tint val="40000"/>
+        <a:alpha val="90000"/>
+      </a:schemeClr>
+      <a:schemeClr val="accent6">
+        <a:tint val="40000"/>
+        <a:alpha val="90000"/>
+      </a:schemeClr>
+    </dgm:linClrLst>
+    <dgm:effectClrLst/>
+    <dgm:txLinClrLst/>
+    <dgm:txFillClrLst meth="repeat">
+      <a:schemeClr val="dk1"/>
+    </dgm:txFillClrLst>
+    <dgm:txEffectClrLst/>
+  </dgm:styleLbl>
+  <dgm:styleLbl name="fgAcc0">
+    <dgm:fillClrLst meth="repeat">
+      <a:schemeClr val="lt1">
+        <a:alpha val="90000"/>
+      </a:schemeClr>
+    </dgm:fillClrLst>
+    <dgm:linClrLst>
+      <a:schemeClr val="accent1"/>
+    </dgm:linClrLst>
+    <dgm:effectClrLst/>
+    <dgm:txLinClrLst/>
+    <dgm:txFillClrLst meth="repeat">
+      <a:schemeClr val="dk1"/>
+    </dgm:txFillClrLst>
+    <dgm:txEffectClrLst/>
+  </dgm:styleLbl>
+  <dgm:styleLbl name="fgAcc2">
+    <dgm:fillClrLst meth="repeat">
+      <a:schemeClr val="lt1">
+        <a:alpha val="90000"/>
+      </a:schemeClr>
+    </dgm:fillClrLst>
+    <dgm:linClrLst>
+      <a:schemeClr val="accent2"/>
+    </dgm:linClrLst>
+    <dgm:effectClrLst/>
+    <dgm:txLinClrLst/>
+    <dgm:txFillClrLst meth="repeat">
+      <a:schemeClr val="dk1"/>
+    </dgm:txFillClrLst>
+    <dgm:txEffectClrLst/>
+  </dgm:styleLbl>
+  <dgm:styleLbl name="fgAcc3">
+    <dgm:fillClrLst meth="repeat">
+      <a:schemeClr val="lt1">
+        <a:alpha val="90000"/>
+      </a:schemeClr>
+    </dgm:fillClrLst>
+    <dgm:linClrLst>
+      <a:schemeClr val="accent3"/>
+    </dgm:linClrLst>
+    <dgm:effectClrLst/>
+    <dgm:txLinClrLst/>
+    <dgm:txFillClrLst meth="repeat">
+      <a:schemeClr val="dk1"/>
+    </dgm:txFillClrLst>
+    <dgm:txEffectClrLst/>
+  </dgm:styleLbl>
+  <dgm:styleLbl name="fgAcc4">
+    <dgm:fillClrLst meth="repeat">
+      <a:schemeClr val="lt1">
+        <a:alpha val="90000"/>
+      </a:schemeClr>
+    </dgm:fillClrLst>
+    <dgm:linClrLst>
+      <a:schemeClr val="accent4"/>
+    </dgm:linClrLst>
+    <dgm:effectClrLst/>
+    <dgm:txLinClrLst/>
+    <dgm:txFillClrLst meth="repeat">
+      <a:schemeClr val="dk1"/>
+    </dgm:txFillClrLst>
+    <dgm:txEffectClrLst/>
+  </dgm:styleLbl>
+  <dgm:styleLbl name="bgShp">
+    <dgm:fillClrLst meth="repeat">
+      <a:schemeClr val="accent2">
+        <a:tint val="40000"/>
+      </a:schemeClr>
+    </dgm:fillClrLst>
+    <dgm:linClrLst meth="repeat">
+      <a:schemeClr val="dk1"/>
+    </dgm:linClrLst>
+    <dgm:effectClrLst/>
+    <dgm:txLinClrLst/>
+    <dgm:txFillClrLst meth="repeat">
+      <a:schemeClr val="dk1"/>
+    </dgm:txFillClrLst>
+    <dgm:txEffectClrLst/>
+  </dgm:styleLbl>
+  <dgm:styleLbl name="dkBgShp">
+    <dgm:fillClrLst meth="repeat">
+      <a:schemeClr val="accent2">
+        <a:shade val="90000"/>
+      </a:schemeClr>
+    </dgm:fillClrLst>
+    <dgm:linClrLst meth="repeat">
+      <a:schemeClr val="dk1"/>
+    </dgm:linClrLst>
+    <dgm:effectClrLst/>
+    <dgm:txLinClrLst/>
+    <dgm:txFillClrLst meth="repeat">
+      <a:schemeClr val="lt1"/>
+    </dgm:txFillClrLst>
+    <dgm:txEffectClrLst/>
+  </dgm:styleLbl>
+  <dgm:styleLbl name="trBgShp">
+    <dgm:fillClrLst meth="repeat">
+      <a:schemeClr val="accent1">
+        <a:tint val="50000"/>
+        <a:alpha val="40000"/>
+      </a:schemeClr>
+    </dgm:fillClrLst>
+    <dgm:linClrLst meth="repeat">
+      <a:schemeClr val="accent2"/>
+    </dgm:linClrLst>
+    <dgm:effectClrLst/>
+    <dgm:txLinClrLst/>
+    <dgm:txFillClrLst meth="repeat">
+      <a:schemeClr val="lt1"/>
+    </dgm:txFillClrLst>
+    <dgm:txEffectClrLst/>
+  </dgm:styleLbl>
+  <dgm:styleLbl name="fgShp">
+    <dgm:fillClrLst meth="repeat">
+      <a:schemeClr val="accent2">
+        <a:tint val="40000"/>
+      </a:schemeClr>
+    </dgm:fillClrLst>
+    <dgm:linClrLst meth="repeat">
+      <a:schemeClr val="lt1"/>
+    </dgm:linClrLst>
+    <dgm:effectClrLst/>
+    <dgm:txLinClrLst/>
+    <dgm:txFillClrLst meth="repeat">
+      <a:schemeClr val="dk1"/>
+    </dgm:txFillClrLst>
+    <dgm:txEffectClrLst/>
+  </dgm:styleLbl>
+  <dgm:styleLbl name="revTx">
+    <dgm:fillClrLst meth="repeat">
+      <a:schemeClr val="lt1">
+        <a:alpha val="0"/>
+      </a:schemeClr>
+    </dgm:fillClrLst>
+    <dgm:linClrLst meth="repeat">
+      <a:schemeClr val="dk1">
+        <a:alpha val="0"/>
+      </a:schemeClr>
+    </dgm:linClrLst>
+    <dgm:effectClrLst/>
+    <dgm:txLinClrLst/>
+    <dgm:txFillClrLst meth="repeat">
+      <a:schemeClr val="tx1"/>
+    </dgm:txFillClrLst>
+    <dgm:txEffectClrLst/>
+  </dgm:styleLbl>
+</dgm:colorsDef>
+</file>
+
+<file path=ppt/diagrams/colors11.xml><?xml version="1.0" encoding="utf-8"?>
 <dgm:colorsDef xmlns:dgm="http://schemas.openxmlformats.org/drawingml/2006/diagram" xmlns:a="http://schemas.openxmlformats.org/drawingml/2006/main" uniqueId="urn:microsoft.com/office/officeart/2005/8/colors/colorful1">
   <dgm:title val=""/>
   <dgm:desc val=""/>
@@ -9370,6 +10291,44 @@
   <dgm:extLst>
     <a:ext uri="http://schemas.microsoft.com/office/drawing/2008/diagram">
       <dsp:dataModelExt xmlns:dsp="http://schemas.microsoft.com/office/drawing/2008/diagram" relId="rId21" minVer="http://schemas.openxmlformats.org/drawingml/2006/diagram"/>
+    </a:ext>
+  </dgm:extLst>
+</dgm:dataModel>
+</file>
+
+<file path=ppt/diagrams/data11.xml><?xml version="1.0" encoding="utf-8"?>
+<dgm:dataModel xmlns:dgm="http://schemas.openxmlformats.org/drawingml/2006/diagram" xmlns:a="http://schemas.openxmlformats.org/drawingml/2006/main">
+  <dgm:ptLst>
+    <dgm:pt modelId="{85EEBE8F-7CFF-431F-BC88-2EF2D9C6D6D8}" type="doc">
+      <dgm:prSet loTypeId="urn:microsoft.com/office/officeart/2005/8/layout/vList5" loCatId="list" qsTypeId="urn:microsoft.com/office/officeart/2005/8/quickstyle/simple1" qsCatId="simple" csTypeId="urn:microsoft.com/office/officeart/2005/8/colors/colorful1" csCatId="colorful" phldr="1"/>
+      <dgm:spPr/>
+      <dgm:t>
+        <a:bodyPr/>
+        <a:lstStyle/>
+        <a:p>
+          <a:endParaRPr lang="de-AT"/>
+        </a:p>
+      </dgm:t>
+    </dgm:pt>
+    <dgm:pt modelId="{5214DF4F-DFDD-4F72-8D99-13FF081D6419}" type="pres">
+      <dgm:prSet presAssocID="{85EEBE8F-7CFF-431F-BC88-2EF2D9C6D6D8}" presName="Name0" presStyleCnt="0">
+        <dgm:presLayoutVars>
+          <dgm:dir/>
+          <dgm:animLvl val="lvl"/>
+          <dgm:resizeHandles val="exact"/>
+        </dgm:presLayoutVars>
+      </dgm:prSet>
+      <dgm:spPr/>
+    </dgm:pt>
+  </dgm:ptLst>
+  <dgm:cxnLst>
+    <dgm:cxn modelId="{E3A0B15F-FFD0-46FF-9EC5-3AB52BE1C2FE}" type="presOf" srcId="{85EEBE8F-7CFF-431F-BC88-2EF2D9C6D6D8}" destId="{5214DF4F-DFDD-4F72-8D99-13FF081D6419}" srcOrd="0" destOrd="0" presId="urn:microsoft.com/office/officeart/2005/8/layout/vList5"/>
+  </dgm:cxnLst>
+  <dgm:bg/>
+  <dgm:whole/>
+  <dgm:extLst>
+    <a:ext uri="http://schemas.microsoft.com/office/drawing/2008/diagram">
+      <dsp:dataModelExt xmlns:dsp="http://schemas.microsoft.com/office/drawing/2008/diagram" relId="rId6" minVer="http://schemas.openxmlformats.org/drawingml/2006/diagram"/>
     </a:ext>
   </dgm:extLst>
 </dgm:dataModel>
@@ -10378,6 +11337,18 @@
         <a:ext cx="1117007" cy="527257"/>
       </dsp:txXfrm>
     </dsp:sp>
+  </dsp:spTree>
+</dsp:drawing>
+</file>
+
+<file path=ppt/diagrams/drawing11.xml><?xml version="1.0" encoding="utf-8"?>
+<dsp:drawing xmlns:dgm="http://schemas.openxmlformats.org/drawingml/2006/diagram" xmlns:dsp="http://schemas.microsoft.com/office/drawing/2008/diagram" xmlns:a="http://schemas.openxmlformats.org/drawingml/2006/main">
+  <dsp:spTree>
+    <dsp:nvGrpSpPr>
+      <dsp:cNvPr id="0" name=""/>
+      <dsp:cNvGrpSpPr/>
+    </dsp:nvGrpSpPr>
+    <dsp:grpSpPr/>
   </dsp:spTree>
 </dsp:drawing>
 </file>
@@ -11402,6 +12373,239 @@
 </file>
 
 <file path=ppt/diagrams/layout10.xml><?xml version="1.0" encoding="utf-8"?>
+<dgm:layoutDef xmlns:dgm="http://schemas.openxmlformats.org/drawingml/2006/diagram" xmlns:a="http://schemas.openxmlformats.org/drawingml/2006/main" uniqueId="urn:microsoft.com/office/officeart/2005/8/layout/vList5">
+  <dgm:title val=""/>
+  <dgm:desc val=""/>
+  <dgm:catLst>
+    <dgm:cat type="list" pri="15000"/>
+    <dgm:cat type="convert" pri="2000"/>
+  </dgm:catLst>
+  <dgm:sampData>
+    <dgm:dataModel>
+      <dgm:ptLst>
+        <dgm:pt modelId="0" type="doc"/>
+        <dgm:pt modelId="1">
+          <dgm:prSet phldr="1"/>
+        </dgm:pt>
+        <dgm:pt modelId="11">
+          <dgm:prSet phldr="1"/>
+        </dgm:pt>
+        <dgm:pt modelId="12">
+          <dgm:prSet phldr="1"/>
+        </dgm:pt>
+        <dgm:pt modelId="2">
+          <dgm:prSet phldr="1"/>
+        </dgm:pt>
+        <dgm:pt modelId="21">
+          <dgm:prSet phldr="1"/>
+        </dgm:pt>
+        <dgm:pt modelId="22">
+          <dgm:prSet phldr="1"/>
+        </dgm:pt>
+        <dgm:pt modelId="3">
+          <dgm:prSet phldr="1"/>
+        </dgm:pt>
+        <dgm:pt modelId="31">
+          <dgm:prSet phldr="1"/>
+        </dgm:pt>
+        <dgm:pt modelId="32">
+          <dgm:prSet phldr="1"/>
+        </dgm:pt>
+      </dgm:ptLst>
+      <dgm:cxnLst>
+        <dgm:cxn modelId="4" srcId="0" destId="1" srcOrd="0" destOrd="0"/>
+        <dgm:cxn modelId="5" srcId="0" destId="2" srcOrd="1" destOrd="0"/>
+        <dgm:cxn modelId="6" srcId="0" destId="3" srcOrd="2" destOrd="0"/>
+        <dgm:cxn modelId="13" srcId="1" destId="11" srcOrd="0" destOrd="0"/>
+        <dgm:cxn modelId="14" srcId="1" destId="12" srcOrd="1" destOrd="0"/>
+        <dgm:cxn modelId="23" srcId="2" destId="21" srcOrd="0" destOrd="0"/>
+        <dgm:cxn modelId="24" srcId="2" destId="22" srcOrd="1" destOrd="0"/>
+        <dgm:cxn modelId="33" srcId="3" destId="31" srcOrd="0" destOrd="0"/>
+        <dgm:cxn modelId="34" srcId="3" destId="32" srcOrd="1" destOrd="0"/>
+      </dgm:cxnLst>
+      <dgm:bg/>
+      <dgm:whole/>
+    </dgm:dataModel>
+  </dgm:sampData>
+  <dgm:styleData>
+    <dgm:dataModel>
+      <dgm:ptLst>
+        <dgm:pt modelId="0" type="doc"/>
+        <dgm:pt modelId="1"/>
+        <dgm:pt modelId="11"/>
+        <dgm:pt modelId="2"/>
+        <dgm:pt modelId="21"/>
+      </dgm:ptLst>
+      <dgm:cxnLst>
+        <dgm:cxn modelId="4" srcId="0" destId="1" srcOrd="0" destOrd="0"/>
+        <dgm:cxn modelId="5" srcId="0" destId="2" srcOrd="1" destOrd="0"/>
+        <dgm:cxn modelId="13" srcId="1" destId="11" srcOrd="0" destOrd="0"/>
+        <dgm:cxn modelId="23" srcId="2" destId="21" srcOrd="0" destOrd="0"/>
+      </dgm:cxnLst>
+      <dgm:bg/>
+      <dgm:whole/>
+    </dgm:dataModel>
+  </dgm:styleData>
+  <dgm:clrData>
+    <dgm:dataModel>
+      <dgm:ptLst>
+        <dgm:pt modelId="0" type="doc"/>
+        <dgm:pt modelId="1"/>
+        <dgm:pt modelId="11"/>
+        <dgm:pt modelId="2"/>
+        <dgm:pt modelId="21"/>
+        <dgm:pt modelId="3"/>
+        <dgm:pt modelId="31"/>
+        <dgm:pt modelId="4"/>
+        <dgm:pt modelId="41"/>
+      </dgm:ptLst>
+      <dgm:cxnLst>
+        <dgm:cxn modelId="5" srcId="0" destId="1" srcOrd="0" destOrd="0"/>
+        <dgm:cxn modelId="6" srcId="0" destId="2" srcOrd="1" destOrd="0"/>
+        <dgm:cxn modelId="7" srcId="0" destId="3" srcOrd="2" destOrd="0"/>
+        <dgm:cxn modelId="8" srcId="0" destId="4" srcOrd="3" destOrd="0"/>
+        <dgm:cxn modelId="13" srcId="1" destId="11" srcOrd="0" destOrd="0"/>
+        <dgm:cxn modelId="23" srcId="2" destId="21" srcOrd="0" destOrd="0"/>
+        <dgm:cxn modelId="33" srcId="3" destId="31" srcOrd="0" destOrd="0"/>
+        <dgm:cxn modelId="43" srcId="4" destId="41" srcOrd="0" destOrd="0"/>
+      </dgm:cxnLst>
+      <dgm:bg/>
+      <dgm:whole/>
+    </dgm:dataModel>
+  </dgm:clrData>
+  <dgm:layoutNode name="Name0">
+    <dgm:varLst>
+      <dgm:dir/>
+      <dgm:animLvl val="lvl"/>
+      <dgm:resizeHandles val="exact"/>
+    </dgm:varLst>
+    <dgm:choose name="Name1">
+      <dgm:if name="Name2" func="var" arg="dir" op="equ" val="norm">
+        <dgm:alg type="lin">
+          <dgm:param type="linDir" val="fromT"/>
+          <dgm:param type="nodeHorzAlign" val="l"/>
+        </dgm:alg>
+      </dgm:if>
+      <dgm:else name="Name3">
+        <dgm:alg type="lin">
+          <dgm:param type="linDir" val="fromT"/>
+          <dgm:param type="nodeHorzAlign" val="r"/>
+        </dgm:alg>
+      </dgm:else>
+    </dgm:choose>
+    <dgm:shape xmlns:r="http://schemas.openxmlformats.org/officeDocument/2006/relationships" r:blip="">
+      <dgm:adjLst/>
+    </dgm:shape>
+    <dgm:presOf/>
+    <dgm:constrLst>
+      <dgm:constr type="h" for="ch" forName="linNode" refType="h"/>
+      <dgm:constr type="w" for="ch" forName="linNode" refType="w"/>
+      <dgm:constr type="h" for="ch" forName="sp" refType="h" fact="0.05"/>
+      <dgm:constr type="primFontSz" for="des" forName="parentText" op="equ" val="65"/>
+      <dgm:constr type="secFontSz" for="des" forName="descendantText" op="equ"/>
+    </dgm:constrLst>
+    <dgm:ruleLst/>
+    <dgm:forEach name="Name4" axis="ch" ptType="node">
+      <dgm:layoutNode name="linNode">
+        <dgm:choose name="Name5">
+          <dgm:if name="Name6" func="var" arg="dir" op="equ" val="norm">
+            <dgm:alg type="lin">
+              <dgm:param type="linDir" val="fromL"/>
+            </dgm:alg>
+          </dgm:if>
+          <dgm:else name="Name7">
+            <dgm:alg type="lin">
+              <dgm:param type="linDir" val="fromR"/>
+            </dgm:alg>
+          </dgm:else>
+        </dgm:choose>
+        <dgm:shape xmlns:r="http://schemas.openxmlformats.org/officeDocument/2006/relationships" r:blip="">
+          <dgm:adjLst/>
+        </dgm:shape>
+        <dgm:presOf/>
+        <dgm:constrLst>
+          <dgm:constr type="w" for="ch" forName="parentText" refType="w" fact="0.36"/>
+          <dgm:constr type="w" for="ch" forName="descendantText" refType="w" fact="0.64"/>
+          <dgm:constr type="h" for="ch" forName="parentText" refType="h"/>
+          <dgm:constr type="h" for="ch" forName="descendantText" refType="h" refFor="ch" refForName="parentText" fact="0.8"/>
+        </dgm:constrLst>
+        <dgm:ruleLst/>
+        <dgm:layoutNode name="parentText">
+          <dgm:varLst>
+            <dgm:chMax val="1"/>
+            <dgm:bulletEnabled val="1"/>
+          </dgm:varLst>
+          <dgm:alg type="tx"/>
+          <dgm:shape xmlns:r="http://schemas.openxmlformats.org/officeDocument/2006/relationships" type="roundRect" r:blip="" zOrderOff="3">
+            <dgm:adjLst/>
+          </dgm:shape>
+          <dgm:presOf axis="self" ptType="node"/>
+          <dgm:constrLst>
+            <dgm:constr type="tMarg" refType="primFontSz" fact="0.15"/>
+            <dgm:constr type="bMarg" refType="primFontSz" fact="0.15"/>
+            <dgm:constr type="lMarg" refType="primFontSz" fact="0.3"/>
+            <dgm:constr type="rMarg" refType="primFontSz" fact="0.3"/>
+          </dgm:constrLst>
+          <dgm:ruleLst>
+            <dgm:rule type="primFontSz" val="5" fact="NaN" max="NaN"/>
+          </dgm:ruleLst>
+        </dgm:layoutNode>
+        <dgm:choose name="Name8">
+          <dgm:if name="Name9" axis="ch" ptType="node" func="cnt" op="gte" val="1">
+            <dgm:layoutNode name="descendantText" styleLbl="alignAccFollowNode1">
+              <dgm:varLst>
+                <dgm:bulletEnabled val="1"/>
+              </dgm:varLst>
+              <dgm:alg type="tx">
+                <dgm:param type="stBulletLvl" val="1"/>
+                <dgm:param type="txAnchorVertCh" val="mid"/>
+              </dgm:alg>
+              <dgm:choose name="Name10">
+                <dgm:if name="Name11" func="var" arg="dir" op="equ" val="norm">
+                  <dgm:shape xmlns:r="http://schemas.openxmlformats.org/officeDocument/2006/relationships" rot="90" type="round2SameRect" r:blip="">
+                    <dgm:adjLst/>
+                  </dgm:shape>
+                </dgm:if>
+                <dgm:else name="Name12">
+                  <dgm:shape xmlns:r="http://schemas.openxmlformats.org/officeDocument/2006/relationships" rot="-90" type="round2SameRect" r:blip="">
+                    <dgm:adjLst/>
+                  </dgm:shape>
+                </dgm:else>
+              </dgm:choose>
+              <dgm:presOf axis="des" ptType="node"/>
+              <dgm:constrLst>
+                <dgm:constr type="secFontSz" val="65"/>
+                <dgm:constr type="primFontSz" refType="secFontSz"/>
+                <dgm:constr type="lMarg" refType="secFontSz" fact="0.3"/>
+                <dgm:constr type="rMarg" refType="secFontSz" fact="0.3"/>
+                <dgm:constr type="tMarg" refType="secFontSz" fact="0.15"/>
+                <dgm:constr type="bMarg" refType="secFontSz" fact="0.15"/>
+              </dgm:constrLst>
+              <dgm:ruleLst>
+                <dgm:rule type="secFontSz" val="5" fact="NaN" max="NaN"/>
+              </dgm:ruleLst>
+            </dgm:layoutNode>
+          </dgm:if>
+          <dgm:else name="Name13"/>
+        </dgm:choose>
+      </dgm:layoutNode>
+      <dgm:forEach name="Name14" axis="followSib" ptType="sibTrans" cnt="1">
+        <dgm:layoutNode name="sp">
+          <dgm:alg type="sp"/>
+          <dgm:shape xmlns:r="http://schemas.openxmlformats.org/officeDocument/2006/relationships" r:blip="">
+            <dgm:adjLst/>
+          </dgm:shape>
+          <dgm:presOf/>
+          <dgm:constrLst/>
+          <dgm:ruleLst/>
+        </dgm:layoutNode>
+      </dgm:forEach>
+    </dgm:forEach>
+  </dgm:layoutNode>
+</dgm:layoutDef>
+</file>
+
+<file path=ppt/diagrams/layout11.xml><?xml version="1.0" encoding="utf-8"?>
 <dgm:layoutDef xmlns:dgm="http://schemas.openxmlformats.org/drawingml/2006/diagram" xmlns:a="http://schemas.openxmlformats.org/drawingml/2006/main" uniqueId="urn:microsoft.com/office/officeart/2005/8/layout/vList5">
   <dgm:title val=""/>
   <dgm:desc val=""/>
@@ -15566,6 +16770,1040 @@
 </dgm:styleDef>
 </file>
 
+<file path=ppt/diagrams/quickStyle11.xml><?xml version="1.0" encoding="utf-8"?>
+<dgm:styleDef xmlns:dgm="http://schemas.openxmlformats.org/drawingml/2006/diagram" xmlns:a="http://schemas.openxmlformats.org/drawingml/2006/main" uniqueId="urn:microsoft.com/office/officeart/2005/8/quickstyle/simple1">
+  <dgm:title val=""/>
+  <dgm:desc val=""/>
+  <dgm:catLst>
+    <dgm:cat type="simple" pri="10100"/>
+  </dgm:catLst>
+  <dgm:scene3d>
+    <a:camera prst="orthographicFront"/>
+    <a:lightRig rig="threePt" dir="t"/>
+  </dgm:scene3d>
+  <dgm:styleLbl name="node0">
+    <dgm:scene3d>
+      <a:camera prst="orthographicFront"/>
+      <a:lightRig rig="threePt" dir="t"/>
+    </dgm:scene3d>
+    <dgm:sp3d/>
+    <dgm:txPr/>
+    <dgm:style>
+      <a:lnRef idx="2">
+        <a:scrgbClr r="0" g="0" b="0"/>
+      </a:lnRef>
+      <a:fillRef idx="1">
+        <a:scrgbClr r="0" g="0" b="0"/>
+      </a:fillRef>
+      <a:effectRef idx="0">
+        <a:scrgbClr r="0" g="0" b="0"/>
+      </a:effectRef>
+      <a:fontRef idx="minor">
+        <a:schemeClr val="lt1"/>
+      </a:fontRef>
+    </dgm:style>
+  </dgm:styleLbl>
+  <dgm:styleLbl name="lnNode1">
+    <dgm:scene3d>
+      <a:camera prst="orthographicFront"/>
+      <a:lightRig rig="threePt" dir="t"/>
+    </dgm:scene3d>
+    <dgm:sp3d/>
+    <dgm:txPr/>
+    <dgm:style>
+      <a:lnRef idx="2">
+        <a:scrgbClr r="0" g="0" b="0"/>
+      </a:lnRef>
+      <a:fillRef idx="1">
+        <a:scrgbClr r="0" g="0" b="0"/>
+      </a:fillRef>
+      <a:effectRef idx="0">
+        <a:scrgbClr r="0" g="0" b="0"/>
+      </a:effectRef>
+      <a:fontRef idx="minor">
+        <a:schemeClr val="lt1"/>
+      </a:fontRef>
+    </dgm:style>
+  </dgm:styleLbl>
+  <dgm:styleLbl name="vennNode1">
+    <dgm:scene3d>
+      <a:camera prst="orthographicFront"/>
+      <a:lightRig rig="threePt" dir="t"/>
+    </dgm:scene3d>
+    <dgm:sp3d/>
+    <dgm:txPr/>
+    <dgm:style>
+      <a:lnRef idx="2">
+        <a:scrgbClr r="0" g="0" b="0"/>
+      </a:lnRef>
+      <a:fillRef idx="1">
+        <a:scrgbClr r="0" g="0" b="0"/>
+      </a:fillRef>
+      <a:effectRef idx="0">
+        <a:scrgbClr r="0" g="0" b="0"/>
+      </a:effectRef>
+      <a:fontRef idx="minor">
+        <a:schemeClr val="tx1"/>
+      </a:fontRef>
+    </dgm:style>
+  </dgm:styleLbl>
+  <dgm:styleLbl name="alignNode1">
+    <dgm:scene3d>
+      <a:camera prst="orthographicFront"/>
+      <a:lightRig rig="threePt" dir="t"/>
+    </dgm:scene3d>
+    <dgm:sp3d/>
+    <dgm:txPr/>
+    <dgm:style>
+      <a:lnRef idx="2">
+        <a:scrgbClr r="0" g="0" b="0"/>
+      </a:lnRef>
+      <a:fillRef idx="1">
+        <a:scrgbClr r="0" g="0" b="0"/>
+      </a:fillRef>
+      <a:effectRef idx="0">
+        <a:scrgbClr r="0" g="0" b="0"/>
+      </a:effectRef>
+      <a:fontRef idx="minor">
+        <a:schemeClr val="lt1"/>
+      </a:fontRef>
+    </dgm:style>
+  </dgm:styleLbl>
+  <dgm:styleLbl name="node1">
+    <dgm:scene3d>
+      <a:camera prst="orthographicFront"/>
+      <a:lightRig rig="threePt" dir="t"/>
+    </dgm:scene3d>
+    <dgm:sp3d/>
+    <dgm:txPr/>
+    <dgm:style>
+      <a:lnRef idx="2">
+        <a:scrgbClr r="0" g="0" b="0"/>
+      </a:lnRef>
+      <a:fillRef idx="1">
+        <a:scrgbClr r="0" g="0" b="0"/>
+      </a:fillRef>
+      <a:effectRef idx="0">
+        <a:scrgbClr r="0" g="0" b="0"/>
+      </a:effectRef>
+      <a:fontRef idx="minor">
+        <a:schemeClr val="lt1"/>
+      </a:fontRef>
+    </dgm:style>
+  </dgm:styleLbl>
+  <dgm:styleLbl name="node2">
+    <dgm:scene3d>
+      <a:camera prst="orthographicFront"/>
+      <a:lightRig rig="threePt" dir="t"/>
+    </dgm:scene3d>
+    <dgm:sp3d/>
+    <dgm:txPr/>
+    <dgm:style>
+      <a:lnRef idx="2">
+        <a:scrgbClr r="0" g="0" b="0"/>
+      </a:lnRef>
+      <a:fillRef idx="1">
+        <a:scrgbClr r="0" g="0" b="0"/>
+      </a:fillRef>
+      <a:effectRef idx="0">
+        <a:scrgbClr r="0" g="0" b="0"/>
+      </a:effectRef>
+      <a:fontRef idx="minor">
+        <a:schemeClr val="lt1"/>
+      </a:fontRef>
+    </dgm:style>
+  </dgm:styleLbl>
+  <dgm:styleLbl name="node3">
+    <dgm:scene3d>
+      <a:camera prst="orthographicFront"/>
+      <a:lightRig rig="threePt" dir="t"/>
+    </dgm:scene3d>
+    <dgm:sp3d/>
+    <dgm:txPr/>
+    <dgm:style>
+      <a:lnRef idx="2">
+        <a:scrgbClr r="0" g="0" b="0"/>
+      </a:lnRef>
+      <a:fillRef idx="1">
+        <a:scrgbClr r="0" g="0" b="0"/>
+      </a:fillRef>
+      <a:effectRef idx="0">
+        <a:scrgbClr r="0" g="0" b="0"/>
+      </a:effectRef>
+      <a:fontRef idx="minor">
+        <a:schemeClr val="lt1"/>
+      </a:fontRef>
+    </dgm:style>
+  </dgm:styleLbl>
+  <dgm:styleLbl name="node4">
+    <dgm:scene3d>
+      <a:camera prst="orthographicFront"/>
+      <a:lightRig rig="threePt" dir="t"/>
+    </dgm:scene3d>
+    <dgm:sp3d/>
+    <dgm:txPr/>
+    <dgm:style>
+      <a:lnRef idx="2">
+        <a:scrgbClr r="0" g="0" b="0"/>
+      </a:lnRef>
+      <a:fillRef idx="1">
+        <a:scrgbClr r="0" g="0" b="0"/>
+      </a:fillRef>
+      <a:effectRef idx="0">
+        <a:scrgbClr r="0" g="0" b="0"/>
+      </a:effectRef>
+      <a:fontRef idx="minor">
+        <a:schemeClr val="lt1"/>
+      </a:fontRef>
+    </dgm:style>
+  </dgm:styleLbl>
+  <dgm:styleLbl name="fgImgPlace1">
+    <dgm:scene3d>
+      <a:camera prst="orthographicFront"/>
+      <a:lightRig rig="threePt" dir="t"/>
+    </dgm:scene3d>
+    <dgm:sp3d/>
+    <dgm:txPr/>
+    <dgm:style>
+      <a:lnRef idx="2">
+        <a:scrgbClr r="0" g="0" b="0"/>
+      </a:lnRef>
+      <a:fillRef idx="1">
+        <a:scrgbClr r="0" g="0" b="0"/>
+      </a:fillRef>
+      <a:effectRef idx="0">
+        <a:scrgbClr r="0" g="0" b="0"/>
+      </a:effectRef>
+      <a:fontRef idx="minor"/>
+    </dgm:style>
+  </dgm:styleLbl>
+  <dgm:styleLbl name="alignImgPlace1">
+    <dgm:scene3d>
+      <a:camera prst="orthographicFront"/>
+      <a:lightRig rig="threePt" dir="t"/>
+    </dgm:scene3d>
+    <dgm:sp3d/>
+    <dgm:txPr/>
+    <dgm:style>
+      <a:lnRef idx="2">
+        <a:scrgbClr r="0" g="0" b="0"/>
+      </a:lnRef>
+      <a:fillRef idx="1">
+        <a:scrgbClr r="0" g="0" b="0"/>
+      </a:fillRef>
+      <a:effectRef idx="0">
+        <a:scrgbClr r="0" g="0" b="0"/>
+      </a:effectRef>
+      <a:fontRef idx="minor"/>
+    </dgm:style>
+  </dgm:styleLbl>
+  <dgm:styleLbl name="bgImgPlace1">
+    <dgm:scene3d>
+      <a:camera prst="orthographicFront"/>
+      <a:lightRig rig="threePt" dir="t"/>
+    </dgm:scene3d>
+    <dgm:sp3d/>
+    <dgm:txPr/>
+    <dgm:style>
+      <a:lnRef idx="2">
+        <a:scrgbClr r="0" g="0" b="0"/>
+      </a:lnRef>
+      <a:fillRef idx="1">
+        <a:scrgbClr r="0" g="0" b="0"/>
+      </a:fillRef>
+      <a:effectRef idx="0">
+        <a:scrgbClr r="0" g="0" b="0"/>
+      </a:effectRef>
+      <a:fontRef idx="minor"/>
+    </dgm:style>
+  </dgm:styleLbl>
+  <dgm:styleLbl name="sibTrans2D1">
+    <dgm:scene3d>
+      <a:camera prst="orthographicFront"/>
+      <a:lightRig rig="threePt" dir="t"/>
+    </dgm:scene3d>
+    <dgm:sp3d/>
+    <dgm:txPr/>
+    <dgm:style>
+      <a:lnRef idx="0">
+        <a:scrgbClr r="0" g="0" b="0"/>
+      </a:lnRef>
+      <a:fillRef idx="1">
+        <a:scrgbClr r="0" g="0" b="0"/>
+      </a:fillRef>
+      <a:effectRef idx="0">
+        <a:scrgbClr r="0" g="0" b="0"/>
+      </a:effectRef>
+      <a:fontRef idx="minor">
+        <a:schemeClr val="lt1"/>
+      </a:fontRef>
+    </dgm:style>
+  </dgm:styleLbl>
+  <dgm:styleLbl name="fgSibTrans2D1">
+    <dgm:scene3d>
+      <a:camera prst="orthographicFront"/>
+      <a:lightRig rig="threePt" dir="t"/>
+    </dgm:scene3d>
+    <dgm:sp3d/>
+    <dgm:txPr/>
+    <dgm:style>
+      <a:lnRef idx="0">
+        <a:scrgbClr r="0" g="0" b="0"/>
+      </a:lnRef>
+      <a:fillRef idx="1">
+        <a:scrgbClr r="0" g="0" b="0"/>
+      </a:fillRef>
+      <a:effectRef idx="0">
+        <a:scrgbClr r="0" g="0" b="0"/>
+      </a:effectRef>
+      <a:fontRef idx="minor">
+        <a:schemeClr val="lt1"/>
+      </a:fontRef>
+    </dgm:style>
+  </dgm:styleLbl>
+  <dgm:styleLbl name="bgSibTrans2D1">
+    <dgm:scene3d>
+      <a:camera prst="orthographicFront"/>
+      <a:lightRig rig="threePt" dir="t"/>
+    </dgm:scene3d>
+    <dgm:sp3d/>
+    <dgm:txPr/>
+    <dgm:style>
+      <a:lnRef idx="0">
+        <a:scrgbClr r="0" g="0" b="0"/>
+      </a:lnRef>
+      <a:fillRef idx="1">
+        <a:scrgbClr r="0" g="0" b="0"/>
+      </a:fillRef>
+      <a:effectRef idx="0">
+        <a:scrgbClr r="0" g="0" b="0"/>
+      </a:effectRef>
+      <a:fontRef idx="minor">
+        <a:schemeClr val="lt1"/>
+      </a:fontRef>
+    </dgm:style>
+  </dgm:styleLbl>
+  <dgm:styleLbl name="sibTrans1D1">
+    <dgm:scene3d>
+      <a:camera prst="orthographicFront"/>
+      <a:lightRig rig="threePt" dir="t"/>
+    </dgm:scene3d>
+    <dgm:sp3d/>
+    <dgm:txPr/>
+    <dgm:style>
+      <a:lnRef idx="1">
+        <a:scrgbClr r="0" g="0" b="0"/>
+      </a:lnRef>
+      <a:fillRef idx="0">
+        <a:scrgbClr r="0" g="0" b="0"/>
+      </a:fillRef>
+      <a:effectRef idx="0">
+        <a:scrgbClr r="0" g="0" b="0"/>
+      </a:effectRef>
+      <a:fontRef idx="minor"/>
+    </dgm:style>
+  </dgm:styleLbl>
+  <dgm:styleLbl name="callout">
+    <dgm:scene3d>
+      <a:camera prst="orthographicFront"/>
+      <a:lightRig rig="threePt" dir="t"/>
+    </dgm:scene3d>
+    <dgm:sp3d/>
+    <dgm:txPr/>
+    <dgm:style>
+      <a:lnRef idx="2">
+        <a:scrgbClr r="0" g="0" b="0"/>
+      </a:lnRef>
+      <a:fillRef idx="1">
+        <a:scrgbClr r="0" g="0" b="0"/>
+      </a:fillRef>
+      <a:effectRef idx="0">
+        <a:scrgbClr r="0" g="0" b="0"/>
+      </a:effectRef>
+      <a:fontRef idx="minor"/>
+    </dgm:style>
+  </dgm:styleLbl>
+  <dgm:styleLbl name="asst0">
+    <dgm:scene3d>
+      <a:camera prst="orthographicFront"/>
+      <a:lightRig rig="threePt" dir="t"/>
+    </dgm:scene3d>
+    <dgm:sp3d/>
+    <dgm:txPr/>
+    <dgm:style>
+      <a:lnRef idx="2">
+        <a:scrgbClr r="0" g="0" b="0"/>
+      </a:lnRef>
+      <a:fillRef idx="1">
+        <a:scrgbClr r="0" g="0" b="0"/>
+      </a:fillRef>
+      <a:effectRef idx="0">
+        <a:scrgbClr r="0" g="0" b="0"/>
+      </a:effectRef>
+      <a:fontRef idx="minor">
+        <a:schemeClr val="lt1"/>
+      </a:fontRef>
+    </dgm:style>
+  </dgm:styleLbl>
+  <dgm:styleLbl name="asst1">
+    <dgm:scene3d>
+      <a:camera prst="orthographicFront"/>
+      <a:lightRig rig="threePt" dir="t"/>
+    </dgm:scene3d>
+    <dgm:sp3d/>
+    <dgm:txPr/>
+    <dgm:style>
+      <a:lnRef idx="2">
+        <a:scrgbClr r="0" g="0" b="0"/>
+      </a:lnRef>
+      <a:fillRef idx="1">
+        <a:scrgbClr r="0" g="0" b="0"/>
+      </a:fillRef>
+      <a:effectRef idx="0">
+        <a:scrgbClr r="0" g="0" b="0"/>
+      </a:effectRef>
+      <a:fontRef idx="minor">
+        <a:schemeClr val="lt1"/>
+      </a:fontRef>
+    </dgm:style>
+  </dgm:styleLbl>
+  <dgm:styleLbl name="asst2">
+    <dgm:scene3d>
+      <a:camera prst="orthographicFront"/>
+      <a:lightRig rig="threePt" dir="t"/>
+    </dgm:scene3d>
+    <dgm:sp3d/>
+    <dgm:txPr/>
+    <dgm:style>
+      <a:lnRef idx="2">
+        <a:scrgbClr r="0" g="0" b="0"/>
+      </a:lnRef>
+      <a:fillRef idx="1">
+        <a:scrgbClr r="0" g="0" b="0"/>
+      </a:fillRef>
+      <a:effectRef idx="0">
+        <a:scrgbClr r="0" g="0" b="0"/>
+      </a:effectRef>
+      <a:fontRef idx="minor">
+        <a:schemeClr val="lt1"/>
+      </a:fontRef>
+    </dgm:style>
+  </dgm:styleLbl>
+  <dgm:styleLbl name="asst3">
+    <dgm:scene3d>
+      <a:camera prst="orthographicFront"/>
+      <a:lightRig rig="threePt" dir="t"/>
+    </dgm:scene3d>
+    <dgm:sp3d/>
+    <dgm:txPr/>
+    <dgm:style>
+      <a:lnRef idx="2">
+        <a:scrgbClr r="0" g="0" b="0"/>
+      </a:lnRef>
+      <a:fillRef idx="1">
+        <a:scrgbClr r="0" g="0" b="0"/>
+      </a:fillRef>
+      <a:effectRef idx="0">
+        <a:scrgbClr r="0" g="0" b="0"/>
+      </a:effectRef>
+      <a:fontRef idx="minor">
+        <a:schemeClr val="lt1"/>
+      </a:fontRef>
+    </dgm:style>
+  </dgm:styleLbl>
+  <dgm:styleLbl name="asst4">
+    <dgm:scene3d>
+      <a:camera prst="orthographicFront"/>
+      <a:lightRig rig="threePt" dir="t"/>
+    </dgm:scene3d>
+    <dgm:sp3d/>
+    <dgm:txPr/>
+    <dgm:style>
+      <a:lnRef idx="2">
+        <a:scrgbClr r="0" g="0" b="0"/>
+      </a:lnRef>
+      <a:fillRef idx="1">
+        <a:scrgbClr r="0" g="0" b="0"/>
+      </a:fillRef>
+      <a:effectRef idx="0">
+        <a:scrgbClr r="0" g="0" b="0"/>
+      </a:effectRef>
+      <a:fontRef idx="minor">
+        <a:schemeClr val="lt1"/>
+      </a:fontRef>
+    </dgm:style>
+  </dgm:styleLbl>
+  <dgm:styleLbl name="parChTrans2D1">
+    <dgm:scene3d>
+      <a:camera prst="orthographicFront"/>
+      <a:lightRig rig="threePt" dir="t"/>
+    </dgm:scene3d>
+    <dgm:sp3d/>
+    <dgm:txPr/>
+    <dgm:style>
+      <a:lnRef idx="2">
+        <a:scrgbClr r="0" g="0" b="0"/>
+      </a:lnRef>
+      <a:fillRef idx="1">
+        <a:scrgbClr r="0" g="0" b="0"/>
+      </a:fillRef>
+      <a:effectRef idx="0">
+        <a:scrgbClr r="0" g="0" b="0"/>
+      </a:effectRef>
+      <a:fontRef idx="minor">
+        <a:schemeClr val="lt1"/>
+      </a:fontRef>
+    </dgm:style>
+  </dgm:styleLbl>
+  <dgm:styleLbl name="parChTrans2D2">
+    <dgm:scene3d>
+      <a:camera prst="orthographicFront"/>
+      <a:lightRig rig="threePt" dir="t"/>
+    </dgm:scene3d>
+    <dgm:sp3d/>
+    <dgm:txPr/>
+    <dgm:style>
+      <a:lnRef idx="2">
+        <a:scrgbClr r="0" g="0" b="0"/>
+      </a:lnRef>
+      <a:fillRef idx="1">
+        <a:scrgbClr r="0" g="0" b="0"/>
+      </a:fillRef>
+      <a:effectRef idx="0">
+        <a:scrgbClr r="0" g="0" b="0"/>
+      </a:effectRef>
+      <a:fontRef idx="minor">
+        <a:schemeClr val="lt1"/>
+      </a:fontRef>
+    </dgm:style>
+  </dgm:styleLbl>
+  <dgm:styleLbl name="parChTrans2D3">
+    <dgm:scene3d>
+      <a:camera prst="orthographicFront"/>
+      <a:lightRig rig="threePt" dir="t"/>
+    </dgm:scene3d>
+    <dgm:sp3d/>
+    <dgm:txPr/>
+    <dgm:style>
+      <a:lnRef idx="2">
+        <a:scrgbClr r="0" g="0" b="0"/>
+      </a:lnRef>
+      <a:fillRef idx="1">
+        <a:scrgbClr r="0" g="0" b="0"/>
+      </a:fillRef>
+      <a:effectRef idx="0">
+        <a:scrgbClr r="0" g="0" b="0"/>
+      </a:effectRef>
+      <a:fontRef idx="minor">
+        <a:schemeClr val="lt1"/>
+      </a:fontRef>
+    </dgm:style>
+  </dgm:styleLbl>
+  <dgm:styleLbl name="parChTrans2D4">
+    <dgm:scene3d>
+      <a:camera prst="orthographicFront"/>
+      <a:lightRig rig="threePt" dir="t"/>
+    </dgm:scene3d>
+    <dgm:sp3d/>
+    <dgm:txPr/>
+    <dgm:style>
+      <a:lnRef idx="2">
+        <a:scrgbClr r="0" g="0" b="0"/>
+      </a:lnRef>
+      <a:fillRef idx="1">
+        <a:scrgbClr r="0" g="0" b="0"/>
+      </a:fillRef>
+      <a:effectRef idx="0">
+        <a:scrgbClr r="0" g="0" b="0"/>
+      </a:effectRef>
+      <a:fontRef idx="minor">
+        <a:schemeClr val="lt1"/>
+      </a:fontRef>
+    </dgm:style>
+  </dgm:styleLbl>
+  <dgm:styleLbl name="parChTrans1D1">
+    <dgm:scene3d>
+      <a:camera prst="orthographicFront"/>
+      <a:lightRig rig="threePt" dir="t"/>
+    </dgm:scene3d>
+    <dgm:sp3d/>
+    <dgm:txPr/>
+    <dgm:style>
+      <a:lnRef idx="2">
+        <a:scrgbClr r="0" g="0" b="0"/>
+      </a:lnRef>
+      <a:fillRef idx="0">
+        <a:scrgbClr r="0" g="0" b="0"/>
+      </a:fillRef>
+      <a:effectRef idx="0">
+        <a:scrgbClr r="0" g="0" b="0"/>
+      </a:effectRef>
+      <a:fontRef idx="minor"/>
+    </dgm:style>
+  </dgm:styleLbl>
+  <dgm:styleLbl name="parChTrans1D2">
+    <dgm:scene3d>
+      <a:camera prst="orthographicFront"/>
+      <a:lightRig rig="threePt" dir="t"/>
+    </dgm:scene3d>
+    <dgm:sp3d/>
+    <dgm:txPr/>
+    <dgm:style>
+      <a:lnRef idx="2">
+        <a:scrgbClr r="0" g="0" b="0"/>
+      </a:lnRef>
+      <a:fillRef idx="0">
+        <a:scrgbClr r="0" g="0" b="0"/>
+      </a:fillRef>
+      <a:effectRef idx="0">
+        <a:scrgbClr r="0" g="0" b="0"/>
+      </a:effectRef>
+      <a:fontRef idx="minor"/>
+    </dgm:style>
+  </dgm:styleLbl>
+  <dgm:styleLbl name="parChTrans1D3">
+    <dgm:scene3d>
+      <a:camera prst="orthographicFront"/>
+      <a:lightRig rig="threePt" dir="t"/>
+    </dgm:scene3d>
+    <dgm:sp3d/>
+    <dgm:txPr/>
+    <dgm:style>
+      <a:lnRef idx="2">
+        <a:scrgbClr r="0" g="0" b="0"/>
+      </a:lnRef>
+      <a:fillRef idx="0">
+        <a:scrgbClr r="0" g="0" b="0"/>
+      </a:fillRef>
+      <a:effectRef idx="0">
+        <a:scrgbClr r="0" g="0" b="0"/>
+      </a:effectRef>
+      <a:fontRef idx="minor"/>
+    </dgm:style>
+  </dgm:styleLbl>
+  <dgm:styleLbl name="parChTrans1D4">
+    <dgm:scene3d>
+      <a:camera prst="orthographicFront"/>
+      <a:lightRig rig="threePt" dir="t"/>
+    </dgm:scene3d>
+    <dgm:sp3d/>
+    <dgm:txPr/>
+    <dgm:style>
+      <a:lnRef idx="2">
+        <a:scrgbClr r="0" g="0" b="0"/>
+      </a:lnRef>
+      <a:fillRef idx="0">
+        <a:scrgbClr r="0" g="0" b="0"/>
+      </a:fillRef>
+      <a:effectRef idx="0">
+        <a:scrgbClr r="0" g="0" b="0"/>
+      </a:effectRef>
+      <a:fontRef idx="minor"/>
+    </dgm:style>
+  </dgm:styleLbl>
+  <dgm:styleLbl name="fgAcc1">
+    <dgm:scene3d>
+      <a:camera prst="orthographicFront"/>
+      <a:lightRig rig="threePt" dir="t"/>
+    </dgm:scene3d>
+    <dgm:sp3d/>
+    <dgm:txPr/>
+    <dgm:style>
+      <a:lnRef idx="2">
+        <a:scrgbClr r="0" g="0" b="0"/>
+      </a:lnRef>
+      <a:fillRef idx="1">
+        <a:scrgbClr r="0" g="0" b="0"/>
+      </a:fillRef>
+      <a:effectRef idx="0">
+        <a:scrgbClr r="0" g="0" b="0"/>
+      </a:effectRef>
+      <a:fontRef idx="minor"/>
+    </dgm:style>
+  </dgm:styleLbl>
+  <dgm:styleLbl name="conFgAcc1">
+    <dgm:scene3d>
+      <a:camera prst="orthographicFront"/>
+      <a:lightRig rig="threePt" dir="t"/>
+    </dgm:scene3d>
+    <dgm:sp3d/>
+    <dgm:txPr/>
+    <dgm:style>
+      <a:lnRef idx="2">
+        <a:scrgbClr r="0" g="0" b="0"/>
+      </a:lnRef>
+      <a:fillRef idx="1">
+        <a:scrgbClr r="0" g="0" b="0"/>
+      </a:fillRef>
+      <a:effectRef idx="0">
+        <a:scrgbClr r="0" g="0" b="0"/>
+      </a:effectRef>
+      <a:fontRef idx="minor"/>
+    </dgm:style>
+  </dgm:styleLbl>
+  <dgm:styleLbl name="alignAcc1">
+    <dgm:scene3d>
+      <a:camera prst="orthographicFront"/>
+      <a:lightRig rig="threePt" dir="t"/>
+    </dgm:scene3d>
+    <dgm:sp3d/>
+    <dgm:txPr/>
+    <dgm:style>
+      <a:lnRef idx="2">
+        <a:scrgbClr r="0" g="0" b="0"/>
+      </a:lnRef>
+      <a:fillRef idx="1">
+        <a:scrgbClr r="0" g="0" b="0"/>
+      </a:fillRef>
+      <a:effectRef idx="0">
+        <a:scrgbClr r="0" g="0" b="0"/>
+      </a:effectRef>
+      <a:fontRef idx="minor"/>
+    </dgm:style>
+  </dgm:styleLbl>
+  <dgm:styleLbl name="trAlignAcc1">
+    <dgm:scene3d>
+      <a:camera prst="orthographicFront"/>
+      <a:lightRig rig="threePt" dir="t"/>
+    </dgm:scene3d>
+    <dgm:sp3d/>
+    <dgm:txPr/>
+    <dgm:style>
+      <a:lnRef idx="1">
+        <a:scrgbClr r="0" g="0" b="0"/>
+      </a:lnRef>
+      <a:fillRef idx="1">
+        <a:scrgbClr r="0" g="0" b="0"/>
+      </a:fillRef>
+      <a:effectRef idx="0">
+        <a:scrgbClr r="0" g="0" b="0"/>
+      </a:effectRef>
+      <a:fontRef idx="minor"/>
+    </dgm:style>
+  </dgm:styleLbl>
+  <dgm:styleLbl name="bgAcc1">
+    <dgm:scene3d>
+      <a:camera prst="orthographicFront"/>
+      <a:lightRig rig="threePt" dir="t"/>
+    </dgm:scene3d>
+    <dgm:sp3d/>
+    <dgm:txPr/>
+    <dgm:style>
+      <a:lnRef idx="2">
+        <a:scrgbClr r="0" g="0" b="0"/>
+      </a:lnRef>
+      <a:fillRef idx="1">
+        <a:scrgbClr r="0" g="0" b="0"/>
+      </a:fillRef>
+      <a:effectRef idx="0">
+        <a:scrgbClr r="0" g="0" b="0"/>
+      </a:effectRef>
+      <a:fontRef idx="minor"/>
+    </dgm:style>
+  </dgm:styleLbl>
+  <dgm:styleLbl name="solidFgAcc1">
+    <dgm:scene3d>
+      <a:camera prst="orthographicFront"/>
+      <a:lightRig rig="threePt" dir="t"/>
+    </dgm:scene3d>
+    <dgm:sp3d/>
+    <dgm:txPr/>
+    <dgm:style>
+      <a:lnRef idx="2">
+        <a:scrgbClr r="0" g="0" b="0"/>
+      </a:lnRef>
+      <a:fillRef idx="1">
+        <a:scrgbClr r="0" g="0" b="0"/>
+      </a:fillRef>
+      <a:effectRef idx="0">
+        <a:scrgbClr r="0" g="0" b="0"/>
+      </a:effectRef>
+      <a:fontRef idx="minor"/>
+    </dgm:style>
+  </dgm:styleLbl>
+  <dgm:styleLbl name="solidAlignAcc1">
+    <dgm:scene3d>
+      <a:camera prst="orthographicFront"/>
+      <a:lightRig rig="threePt" dir="t"/>
+    </dgm:scene3d>
+    <dgm:sp3d/>
+    <dgm:txPr/>
+    <dgm:style>
+      <a:lnRef idx="2">
+        <a:scrgbClr r="0" g="0" b="0"/>
+      </a:lnRef>
+      <a:fillRef idx="1">
+        <a:scrgbClr r="0" g="0" b="0"/>
+      </a:fillRef>
+      <a:effectRef idx="0">
+        <a:scrgbClr r="0" g="0" b="0"/>
+      </a:effectRef>
+      <a:fontRef idx="minor"/>
+    </dgm:style>
+  </dgm:styleLbl>
+  <dgm:styleLbl name="solidBgAcc1">
+    <dgm:scene3d>
+      <a:camera prst="orthographicFront"/>
+      <a:lightRig rig="threePt" dir="t"/>
+    </dgm:scene3d>
+    <dgm:sp3d/>
+    <dgm:txPr/>
+    <dgm:style>
+      <a:lnRef idx="2">
+        <a:scrgbClr r="0" g="0" b="0"/>
+      </a:lnRef>
+      <a:fillRef idx="1">
+        <a:scrgbClr r="0" g="0" b="0"/>
+      </a:fillRef>
+      <a:effectRef idx="0">
+        <a:scrgbClr r="0" g="0" b="0"/>
+      </a:effectRef>
+      <a:fontRef idx="minor"/>
+    </dgm:style>
+  </dgm:styleLbl>
+  <dgm:styleLbl name="fgAccFollowNode1">
+    <dgm:scene3d>
+      <a:camera prst="orthographicFront"/>
+      <a:lightRig rig="threePt" dir="t"/>
+    </dgm:scene3d>
+    <dgm:sp3d/>
+    <dgm:txPr/>
+    <dgm:style>
+      <a:lnRef idx="2">
+        <a:scrgbClr r="0" g="0" b="0"/>
+      </a:lnRef>
+      <a:fillRef idx="1">
+        <a:scrgbClr r="0" g="0" b="0"/>
+      </a:fillRef>
+      <a:effectRef idx="0">
+        <a:scrgbClr r="0" g="0" b="0"/>
+      </a:effectRef>
+      <a:fontRef idx="minor"/>
+    </dgm:style>
+  </dgm:styleLbl>
+  <dgm:styleLbl name="alignAccFollowNode1">
+    <dgm:scene3d>
+      <a:camera prst="orthographicFront"/>
+      <a:lightRig rig="threePt" dir="t"/>
+    </dgm:scene3d>
+    <dgm:sp3d/>
+    <dgm:txPr/>
+    <dgm:style>
+      <a:lnRef idx="2">
+        <a:scrgbClr r="0" g="0" b="0"/>
+      </a:lnRef>
+      <a:fillRef idx="1">
+        <a:scrgbClr r="0" g="0" b="0"/>
+      </a:fillRef>
+      <a:effectRef idx="0">
+        <a:scrgbClr r="0" g="0" b="0"/>
+      </a:effectRef>
+      <a:fontRef idx="minor"/>
+    </dgm:style>
+  </dgm:styleLbl>
+  <dgm:styleLbl name="bgAccFollowNode1">
+    <dgm:scene3d>
+      <a:camera prst="orthographicFront"/>
+      <a:lightRig rig="threePt" dir="t"/>
+    </dgm:scene3d>
+    <dgm:sp3d/>
+    <dgm:txPr/>
+    <dgm:style>
+      <a:lnRef idx="2">
+        <a:scrgbClr r="0" g="0" b="0"/>
+      </a:lnRef>
+      <a:fillRef idx="1">
+        <a:scrgbClr r="0" g="0" b="0"/>
+      </a:fillRef>
+      <a:effectRef idx="0">
+        <a:scrgbClr r="0" g="0" b="0"/>
+      </a:effectRef>
+      <a:fontRef idx="minor"/>
+    </dgm:style>
+  </dgm:styleLbl>
+  <dgm:styleLbl name="fgAcc0">
+    <dgm:scene3d>
+      <a:camera prst="orthographicFront"/>
+      <a:lightRig rig="threePt" dir="t"/>
+    </dgm:scene3d>
+    <dgm:sp3d/>
+    <dgm:txPr/>
+    <dgm:style>
+      <a:lnRef idx="2">
+        <a:scrgbClr r="0" g="0" b="0"/>
+      </a:lnRef>
+      <a:fillRef idx="1">
+        <a:scrgbClr r="0" g="0" b="0"/>
+      </a:fillRef>
+      <a:effectRef idx="0">
+        <a:scrgbClr r="0" g="0" b="0"/>
+      </a:effectRef>
+      <a:fontRef idx="minor"/>
+    </dgm:style>
+  </dgm:styleLbl>
+  <dgm:styleLbl name="fgAcc2">
+    <dgm:scene3d>
+      <a:camera prst="orthographicFront"/>
+      <a:lightRig rig="threePt" dir="t"/>
+    </dgm:scene3d>
+    <dgm:sp3d/>
+    <dgm:txPr/>
+    <dgm:style>
+      <a:lnRef idx="2">
+        <a:scrgbClr r="0" g="0" b="0"/>
+      </a:lnRef>
+      <a:fillRef idx="1">
+        <a:scrgbClr r="0" g="0" b="0"/>
+      </a:fillRef>
+      <a:effectRef idx="0">
+        <a:scrgbClr r="0" g="0" b="0"/>
+      </a:effectRef>
+      <a:fontRef idx="minor"/>
+    </dgm:style>
+  </dgm:styleLbl>
+  <dgm:styleLbl name="fgAcc3">
+    <dgm:scene3d>
+      <a:camera prst="orthographicFront"/>
+      <a:lightRig rig="threePt" dir="t"/>
+    </dgm:scene3d>
+    <dgm:sp3d/>
+    <dgm:txPr/>
+    <dgm:style>
+      <a:lnRef idx="2">
+        <a:scrgbClr r="0" g="0" b="0"/>
+      </a:lnRef>
+      <a:fillRef idx="1">
+        <a:scrgbClr r="0" g="0" b="0"/>
+      </a:fillRef>
+      <a:effectRef idx="0">
+        <a:scrgbClr r="0" g="0" b="0"/>
+      </a:effectRef>
+      <a:fontRef idx="minor"/>
+    </dgm:style>
+  </dgm:styleLbl>
+  <dgm:styleLbl name="fgAcc4">
+    <dgm:scene3d>
+      <a:camera prst="orthographicFront"/>
+      <a:lightRig rig="threePt" dir="t"/>
+    </dgm:scene3d>
+    <dgm:sp3d/>
+    <dgm:txPr/>
+    <dgm:style>
+      <a:lnRef idx="2">
+        <a:scrgbClr r="0" g="0" b="0"/>
+      </a:lnRef>
+      <a:fillRef idx="1">
+        <a:scrgbClr r="0" g="0" b="0"/>
+      </a:fillRef>
+      <a:effectRef idx="0">
+        <a:scrgbClr r="0" g="0" b="0"/>
+      </a:effectRef>
+      <a:fontRef idx="minor"/>
+    </dgm:style>
+  </dgm:styleLbl>
+  <dgm:styleLbl name="bgShp">
+    <dgm:scene3d>
+      <a:camera prst="orthographicFront"/>
+      <a:lightRig rig="threePt" dir="t"/>
+    </dgm:scene3d>
+    <dgm:sp3d/>
+    <dgm:txPr/>
+    <dgm:style>
+      <a:lnRef idx="0">
+        <a:scrgbClr r="0" g="0" b="0"/>
+      </a:lnRef>
+      <a:fillRef idx="1">
+        <a:scrgbClr r="0" g="0" b="0"/>
+      </a:fillRef>
+      <a:effectRef idx="0">
+        <a:scrgbClr r="0" g="0" b="0"/>
+      </a:effectRef>
+      <a:fontRef idx="minor"/>
+    </dgm:style>
+  </dgm:styleLbl>
+  <dgm:styleLbl name="dkBgShp">
+    <dgm:scene3d>
+      <a:camera prst="orthographicFront"/>
+      <a:lightRig rig="threePt" dir="t"/>
+    </dgm:scene3d>
+    <dgm:sp3d/>
+    <dgm:txPr/>
+    <dgm:style>
+      <a:lnRef idx="0">
+        <a:scrgbClr r="0" g="0" b="0"/>
+      </a:lnRef>
+      <a:fillRef idx="1">
+        <a:scrgbClr r="0" g="0" b="0"/>
+      </a:fillRef>
+      <a:effectRef idx="0">
+        <a:scrgbClr r="0" g="0" b="0"/>
+      </a:effectRef>
+      <a:fontRef idx="minor"/>
+    </dgm:style>
+  </dgm:styleLbl>
+  <dgm:styleLbl name="trBgShp">
+    <dgm:scene3d>
+      <a:camera prst="orthographicFront"/>
+      <a:lightRig rig="threePt" dir="t"/>
+    </dgm:scene3d>
+    <dgm:sp3d/>
+    <dgm:txPr/>
+    <dgm:style>
+      <a:lnRef idx="0">
+        <a:scrgbClr r="0" g="0" b="0"/>
+      </a:lnRef>
+      <a:fillRef idx="1">
+        <a:scrgbClr r="0" g="0" b="0"/>
+      </a:fillRef>
+      <a:effectRef idx="0">
+        <a:scrgbClr r="0" g="0" b="0"/>
+      </a:effectRef>
+      <a:fontRef idx="minor"/>
+    </dgm:style>
+  </dgm:styleLbl>
+  <dgm:styleLbl name="fgShp">
+    <dgm:scene3d>
+      <a:camera prst="orthographicFront"/>
+      <a:lightRig rig="threePt" dir="t"/>
+    </dgm:scene3d>
+    <dgm:sp3d/>
+    <dgm:txPr/>
+    <dgm:style>
+      <a:lnRef idx="2">
+        <a:scrgbClr r="0" g="0" b="0"/>
+      </a:lnRef>
+      <a:fillRef idx="1">
+        <a:scrgbClr r="0" g="0" b="0"/>
+      </a:fillRef>
+      <a:effectRef idx="0">
+        <a:scrgbClr r="0" g="0" b="0"/>
+      </a:effectRef>
+      <a:fontRef idx="minor"/>
+    </dgm:style>
+  </dgm:styleLbl>
+  <dgm:styleLbl name="revTx">
+    <dgm:scene3d>
+      <a:camera prst="orthographicFront"/>
+      <a:lightRig rig="threePt" dir="t"/>
+    </dgm:scene3d>
+    <dgm:sp3d/>
+    <dgm:txPr/>
+    <dgm:style>
+      <a:lnRef idx="0">
+        <a:scrgbClr r="0" g="0" b="0"/>
+      </a:lnRef>
+      <a:fillRef idx="0">
+        <a:scrgbClr r="0" g="0" b="0"/>
+      </a:fillRef>
+      <a:effectRef idx="0">
+        <a:scrgbClr r="0" g="0" b="0"/>
+      </a:effectRef>
+      <a:fontRef idx="minor"/>
+    </dgm:style>
+  </dgm:styleLbl>
+</dgm:styleDef>
+</file>
+
 <file path=ppt/diagrams/quickStyle2.xml><?xml version="1.0" encoding="utf-8"?>
 <dgm:styleDef xmlns:dgm="http://schemas.openxmlformats.org/drawingml/2006/diagram" xmlns:a="http://schemas.openxmlformats.org/drawingml/2006/main" uniqueId="urn:microsoft.com/office/officeart/2005/8/quickstyle/simple1">
   <dgm:title val=""/>
@@ -23969,7 +26207,7 @@
           <a:p>
             <a:fld id="{E6199132-E3E8-458B-8827-76030787F4E4}" type="datetimeFigureOut">
               <a:rPr lang="de-AT" smtClean="0"/>
-              <a:t>18.03.2020</a:t>
+              <a:t>12.02.2021</a:t>
             </a:fld>
             <a:endParaRPr lang="de-AT"/>
           </a:p>
@@ -24139,7 +26377,7 @@
           <a:p>
             <a:fld id="{E6199132-E3E8-458B-8827-76030787F4E4}" type="datetimeFigureOut">
               <a:rPr lang="de-AT" smtClean="0"/>
-              <a:t>18.03.2020</a:t>
+              <a:t>12.02.2021</a:t>
             </a:fld>
             <a:endParaRPr lang="de-AT"/>
           </a:p>
@@ -24319,7 +26557,7 @@
           <a:p>
             <a:fld id="{E6199132-E3E8-458B-8827-76030787F4E4}" type="datetimeFigureOut">
               <a:rPr lang="de-AT" smtClean="0"/>
-              <a:t>18.03.2020</a:t>
+              <a:t>12.02.2021</a:t>
             </a:fld>
             <a:endParaRPr lang="de-AT"/>
           </a:p>
@@ -24489,7 +26727,7 @@
           <a:p>
             <a:fld id="{E6199132-E3E8-458B-8827-76030787F4E4}" type="datetimeFigureOut">
               <a:rPr lang="de-AT" smtClean="0"/>
-              <a:t>18.03.2020</a:t>
+              <a:t>12.02.2021</a:t>
             </a:fld>
             <a:endParaRPr lang="de-AT"/>
           </a:p>
@@ -24733,7 +26971,7 @@
           <a:p>
             <a:fld id="{E6199132-E3E8-458B-8827-76030787F4E4}" type="datetimeFigureOut">
               <a:rPr lang="de-AT" smtClean="0"/>
-              <a:t>18.03.2020</a:t>
+              <a:t>12.02.2021</a:t>
             </a:fld>
             <a:endParaRPr lang="de-AT"/>
           </a:p>
@@ -24965,7 +27203,7 @@
           <a:p>
             <a:fld id="{E6199132-E3E8-458B-8827-76030787F4E4}" type="datetimeFigureOut">
               <a:rPr lang="de-AT" smtClean="0"/>
-              <a:t>18.03.2020</a:t>
+              <a:t>12.02.2021</a:t>
             </a:fld>
             <a:endParaRPr lang="de-AT"/>
           </a:p>
@@ -25332,7 +27570,7 @@
           <a:p>
             <a:fld id="{E6199132-E3E8-458B-8827-76030787F4E4}" type="datetimeFigureOut">
               <a:rPr lang="de-AT" smtClean="0"/>
-              <a:t>18.03.2020</a:t>
+              <a:t>12.02.2021</a:t>
             </a:fld>
             <a:endParaRPr lang="de-AT"/>
           </a:p>
@@ -25450,7 +27688,7 @@
           <a:p>
             <a:fld id="{E6199132-E3E8-458B-8827-76030787F4E4}" type="datetimeFigureOut">
               <a:rPr lang="de-AT" smtClean="0"/>
-              <a:t>18.03.2020</a:t>
+              <a:t>12.02.2021</a:t>
             </a:fld>
             <a:endParaRPr lang="de-AT"/>
           </a:p>
@@ -25545,7 +27783,7 @@
           <a:p>
             <a:fld id="{E6199132-E3E8-458B-8827-76030787F4E4}" type="datetimeFigureOut">
               <a:rPr lang="de-AT" smtClean="0"/>
-              <a:t>18.03.2020</a:t>
+              <a:t>12.02.2021</a:t>
             </a:fld>
             <a:endParaRPr lang="de-AT"/>
           </a:p>
@@ -25822,7 +28060,7 @@
           <a:p>
             <a:fld id="{E6199132-E3E8-458B-8827-76030787F4E4}" type="datetimeFigureOut">
               <a:rPr lang="de-AT" smtClean="0"/>
-              <a:t>18.03.2020</a:t>
+              <a:t>12.02.2021</a:t>
             </a:fld>
             <a:endParaRPr lang="de-AT"/>
           </a:p>
@@ -26079,7 +28317,7 @@
           <a:p>
             <a:fld id="{E6199132-E3E8-458B-8827-76030787F4E4}" type="datetimeFigureOut">
               <a:rPr lang="de-AT" smtClean="0"/>
-              <a:t>18.03.2020</a:t>
+              <a:t>12.02.2021</a:t>
             </a:fld>
             <a:endParaRPr lang="de-AT"/>
           </a:p>
@@ -26292,7 +28530,7 @@
           <a:p>
             <a:fld id="{E6199132-E3E8-458B-8827-76030787F4E4}" type="datetimeFigureOut">
               <a:rPr lang="de-AT" smtClean="0"/>
-              <a:t>18.03.2020</a:t>
+              <a:t>12.02.2021</a:t>
             </a:fld>
             <a:endParaRPr lang="de-AT"/>
           </a:p>
@@ -35376,8 +37614,12 @@
           <a:lstStyle/>
           <a:p>
             <a:r>
+              <a:rPr lang="de-AT" sz="1200" dirty="0" err="1"/>
+              <a:t>prerelease</a:t>
+            </a:r>
+            <a:r>
               <a:rPr lang="de-AT" sz="1200" dirty="0"/>
-              <a:t>prerelease/v1.2.1-rc.1</a:t>
+              <a:t>/v1.2.1-rc.1</a:t>
             </a:r>
           </a:p>
         </p:txBody>
@@ -40516,12 +42758,8 @@
           <a:lstStyle/>
           <a:p>
             <a:r>
-              <a:rPr lang="de-AT" sz="1400" dirty="0" err="1"/>
-              <a:t>support</a:t>
-            </a:r>
-            <a:r>
               <a:rPr lang="de-AT" sz="1400" dirty="0"/>
-              <a:t>/v1.2</a:t>
+              <a:t>support/v1.2</a:t>
             </a:r>
           </a:p>
         </p:txBody>
@@ -42885,9 +45123,7 @@
           <p:cNvGraphicFramePr>
             <a:graphicFrameLocks noGrp="1"/>
           </p:cNvGraphicFramePr>
-          <p:nvPr>
-            <p:extLst/>
-          </p:nvPr>
+          <p:nvPr/>
         </p:nvGraphicFramePr>
         <p:xfrm>
           <a:off x="12388186" y="12830377"/>
@@ -44171,9 +46407,7 @@
         <p:nvGraphicFramePr>
           <p:cNvPr id="186" name="Diagram 185"/>
           <p:cNvGraphicFramePr/>
-          <p:nvPr>
-            <p:extLst/>
-          </p:nvPr>
+          <p:nvPr/>
         </p:nvGraphicFramePr>
         <p:xfrm>
           <a:off x="14723684" y="2874589"/>
@@ -44189,9 +46423,7 @@
         <p:nvGraphicFramePr>
           <p:cNvPr id="205" name="Diagram 204"/>
           <p:cNvGraphicFramePr/>
-          <p:nvPr>
-            <p:extLst/>
-          </p:nvPr>
+          <p:nvPr/>
         </p:nvGraphicFramePr>
         <p:xfrm>
           <a:off x="14676378" y="2908964"/>
@@ -45917,12 +48149,8 @@
           <a:lstStyle/>
           <a:p>
             <a:r>
-              <a:rPr lang="de-AT" sz="1400" dirty="0" err="1"/>
-              <a:t>release</a:t>
-            </a:r>
-            <a:r>
               <a:rPr lang="de-AT" sz="1400" dirty="0"/>
-              <a:t>/v1.2.1</a:t>
+              <a:t>release/v1.2.1</a:t>
             </a:r>
           </a:p>
         </p:txBody>
@@ -46735,6 +48963,7064 @@
     <p:extLst>
       <p:ext uri="{BB962C8B-B14F-4D97-AF65-F5344CB8AC3E}">
         <p14:creationId xmlns:p14="http://schemas.microsoft.com/office/powerpoint/2010/main" val="2397340305"/>
+      </p:ext>
+    </p:extLst>
+  </p:cSld>
+  <p:clrMapOvr>
+    <a:masterClrMapping/>
+  </p:clrMapOvr>
+</p:sld>
+</file>
+
+<file path=ppt/slides/slide7.xml><?xml version="1.0" encoding="utf-8"?>
+<p:sld xmlns:a="http://schemas.openxmlformats.org/drawingml/2006/main" xmlns:r="http://schemas.openxmlformats.org/officeDocument/2006/relationships" xmlns:p="http://schemas.openxmlformats.org/presentationml/2006/main">
+  <p:cSld>
+    <p:spTree>
+      <p:nvGrpSpPr>
+        <p:cNvPr id="1" name=""/>
+        <p:cNvGrpSpPr/>
+        <p:nvPr/>
+      </p:nvGrpSpPr>
+      <p:grpSpPr>
+        <a:xfrm>
+          <a:off x="0" y="0"/>
+          <a:ext cx="0" cy="0"/>
+          <a:chOff x="0" y="0"/>
+          <a:chExt cx="0" cy="0"/>
+        </a:xfrm>
+      </p:grpSpPr>
+      <p:sp>
+        <p:nvSpPr>
+          <p:cNvPr id="23" name="TextBox 22"/>
+          <p:cNvSpPr txBox="1"/>
+          <p:nvPr/>
+        </p:nvSpPr>
+        <p:spPr>
+          <a:xfrm>
+            <a:off x="14778173" y="1891063"/>
+            <a:ext cx="1135247" cy="307777"/>
+          </a:xfrm>
+          <a:prstGeom prst="rect">
+            <a:avLst/>
+          </a:prstGeom>
+          <a:noFill/>
+        </p:spPr>
+        <p:txBody>
+          <a:bodyPr wrap="none" rtlCol="0">
+            <a:spAutoFit/>
+          </a:bodyPr>
+          <a:lstStyle/>
+          <a:p>
+            <a:r>
+              <a:rPr lang="de-AT" sz="1400" dirty="0"/>
+              <a:t>support/v2.0</a:t>
+            </a:r>
+          </a:p>
+        </p:txBody>
+      </p:sp>
+      <p:cxnSp>
+        <p:nvCxnSpPr>
+          <p:cNvPr id="26" name="Straight Arrow Connector 25"/>
+          <p:cNvCxnSpPr>
+            <a:cxnSpLocks/>
+            <a:stCxn id="36" idx="4"/>
+            <a:endCxn id="64" idx="0"/>
+          </p:cNvCxnSpPr>
+          <p:nvPr/>
+        </p:nvCxnSpPr>
+        <p:spPr>
+          <a:xfrm flipH="1">
+            <a:off x="15716272" y="2351533"/>
+            <a:ext cx="22317" cy="3155696"/>
+          </a:xfrm>
+          <a:prstGeom prst="straightConnector1">
+            <a:avLst/>
+          </a:prstGeom>
+          <a:ln>
+            <a:tailEnd type="triangle"/>
+          </a:ln>
+        </p:spPr>
+        <p:style>
+          <a:lnRef idx="2">
+            <a:schemeClr val="dk1"/>
+          </a:lnRef>
+          <a:fillRef idx="0">
+            <a:schemeClr val="dk1"/>
+          </a:fillRef>
+          <a:effectRef idx="1">
+            <a:schemeClr val="dk1"/>
+          </a:effectRef>
+          <a:fontRef idx="minor">
+            <a:schemeClr val="tx1"/>
+          </a:fontRef>
+        </p:style>
+      </p:cxnSp>
+      <p:cxnSp>
+        <p:nvCxnSpPr>
+          <p:cNvPr id="33" name="Straight Arrow Connector 32"/>
+          <p:cNvCxnSpPr>
+            <a:stCxn id="129" idx="3"/>
+            <a:endCxn id="36" idx="7"/>
+          </p:cNvCxnSpPr>
+          <p:nvPr/>
+        </p:nvCxnSpPr>
+        <p:spPr>
+          <a:xfrm flipH="1">
+            <a:off x="15803967" y="1341203"/>
+            <a:ext cx="1158269" cy="870989"/>
+          </a:xfrm>
+          <a:prstGeom prst="straightConnector1">
+            <a:avLst/>
+          </a:prstGeom>
+          <a:ln>
+            <a:tailEnd type="triangle"/>
+          </a:ln>
+        </p:spPr>
+        <p:style>
+          <a:lnRef idx="2">
+            <a:schemeClr val="dk1"/>
+          </a:lnRef>
+          <a:fillRef idx="0">
+            <a:schemeClr val="dk1"/>
+          </a:fillRef>
+          <a:effectRef idx="1">
+            <a:schemeClr val="dk1"/>
+          </a:effectRef>
+          <a:fontRef idx="minor">
+            <a:schemeClr val="tx1"/>
+          </a:fontRef>
+        </p:style>
+      </p:cxnSp>
+      <p:sp>
+        <p:nvSpPr>
+          <p:cNvPr id="36" name="Oval 35"/>
+          <p:cNvSpPr/>
+          <p:nvPr/>
+        </p:nvSpPr>
+        <p:spPr>
+          <a:xfrm>
+            <a:off x="15646130" y="2188285"/>
+            <a:ext cx="184918" cy="163248"/>
+          </a:xfrm>
+          <a:prstGeom prst="ellipse">
+            <a:avLst/>
+          </a:prstGeom>
+          <a:solidFill>
+            <a:schemeClr val="bg1"/>
+          </a:solidFill>
+          <a:ln>
+            <a:solidFill>
+              <a:schemeClr val="accent6">
+                <a:lumMod val="40000"/>
+                <a:lumOff val="60000"/>
+              </a:schemeClr>
+            </a:solidFill>
+          </a:ln>
+        </p:spPr>
+        <p:style>
+          <a:lnRef idx="2">
+            <a:schemeClr val="accent1">
+              <a:shade val="50000"/>
+            </a:schemeClr>
+          </a:lnRef>
+          <a:fillRef idx="1">
+            <a:schemeClr val="accent1"/>
+          </a:fillRef>
+          <a:effectRef idx="0">
+            <a:schemeClr val="accent1"/>
+          </a:effectRef>
+          <a:fontRef idx="minor">
+            <a:schemeClr val="lt1"/>
+          </a:fontRef>
+        </p:style>
+        <p:txBody>
+          <a:bodyPr rtlCol="0" anchor="ctr"/>
+          <a:lstStyle/>
+          <a:p>
+            <a:pPr algn="ctr"/>
+            <a:endParaRPr lang="de-AT"/>
+          </a:p>
+        </p:txBody>
+      </p:sp>
+      <p:cxnSp>
+        <p:nvCxnSpPr>
+          <p:cNvPr id="45" name="Straight Arrow Connector 44"/>
+          <p:cNvCxnSpPr>
+            <a:stCxn id="36" idx="3"/>
+            <a:endCxn id="46" idx="6"/>
+          </p:cNvCxnSpPr>
+          <p:nvPr/>
+        </p:nvCxnSpPr>
+        <p:spPr>
+          <a:xfrm flipH="1">
+            <a:off x="13509987" y="2327626"/>
+            <a:ext cx="2163224" cy="210667"/>
+          </a:xfrm>
+          <a:prstGeom prst="straightConnector1">
+            <a:avLst/>
+          </a:prstGeom>
+          <a:ln>
+            <a:tailEnd type="triangle"/>
+          </a:ln>
+        </p:spPr>
+        <p:style>
+          <a:lnRef idx="2">
+            <a:schemeClr val="dk1"/>
+          </a:lnRef>
+          <a:fillRef idx="0">
+            <a:schemeClr val="dk1"/>
+          </a:fillRef>
+          <a:effectRef idx="1">
+            <a:schemeClr val="dk1"/>
+          </a:effectRef>
+          <a:fontRef idx="minor">
+            <a:schemeClr val="tx1"/>
+          </a:fontRef>
+        </p:style>
+      </p:cxnSp>
+      <p:sp>
+        <p:nvSpPr>
+          <p:cNvPr id="46" name="Oval 45"/>
+          <p:cNvSpPr/>
+          <p:nvPr/>
+        </p:nvSpPr>
+        <p:spPr>
+          <a:xfrm>
+            <a:off x="13325069" y="2456669"/>
+            <a:ext cx="184918" cy="163248"/>
+          </a:xfrm>
+          <a:prstGeom prst="ellipse">
+            <a:avLst/>
+          </a:prstGeom>
+          <a:solidFill>
+            <a:schemeClr val="bg1"/>
+          </a:solidFill>
+          <a:ln>
+            <a:solidFill>
+              <a:srgbClr val="ED7D31"/>
+            </a:solidFill>
+          </a:ln>
+        </p:spPr>
+        <p:style>
+          <a:lnRef idx="2">
+            <a:schemeClr val="accent1">
+              <a:shade val="50000"/>
+            </a:schemeClr>
+          </a:lnRef>
+          <a:fillRef idx="1">
+            <a:schemeClr val="accent1"/>
+          </a:fillRef>
+          <a:effectRef idx="0">
+            <a:schemeClr val="accent1"/>
+          </a:effectRef>
+          <a:fontRef idx="minor">
+            <a:schemeClr val="lt1"/>
+          </a:fontRef>
+        </p:style>
+        <p:txBody>
+          <a:bodyPr rtlCol="0" anchor="ctr"/>
+          <a:lstStyle/>
+          <a:p>
+            <a:pPr algn="ctr"/>
+            <a:endParaRPr lang="de-AT"/>
+          </a:p>
+        </p:txBody>
+      </p:sp>
+      <p:sp>
+        <p:nvSpPr>
+          <p:cNvPr id="48" name="TextBox 47"/>
+          <p:cNvSpPr txBox="1"/>
+          <p:nvPr/>
+        </p:nvSpPr>
+        <p:spPr>
+          <a:xfrm>
+            <a:off x="12814180" y="2087671"/>
+            <a:ext cx="1236158" cy="307777"/>
+          </a:xfrm>
+          <a:prstGeom prst="rect">
+            <a:avLst/>
+          </a:prstGeom>
+          <a:noFill/>
+        </p:spPr>
+        <p:txBody>
+          <a:bodyPr wrap="square" rtlCol="0">
+            <a:spAutoFit/>
+          </a:bodyPr>
+          <a:lstStyle/>
+          <a:p>
+            <a:r>
+              <a:rPr lang="de-AT" sz="1400" dirty="0" err="1"/>
+              <a:t>hotfix</a:t>
+            </a:r>
+            <a:r>
+              <a:rPr lang="de-AT" sz="1400" dirty="0"/>
+              <a:t>/v2.0.1</a:t>
+            </a:r>
+          </a:p>
+        </p:txBody>
+      </p:sp>
+      <p:sp>
+        <p:nvSpPr>
+          <p:cNvPr id="59" name="Rectangular Callout 58"/>
+          <p:cNvSpPr/>
+          <p:nvPr/>
+        </p:nvSpPr>
+        <p:spPr>
+          <a:xfrm>
+            <a:off x="15894450" y="5130879"/>
+            <a:ext cx="725532" cy="299530"/>
+          </a:xfrm>
+          <a:prstGeom prst="wedgeRectCallout">
+            <a:avLst>
+              <a:gd name="adj1" fmla="val -53759"/>
+              <a:gd name="adj2" fmla="val 93627"/>
+            </a:avLst>
+          </a:prstGeom>
+        </p:spPr>
+        <p:style>
+          <a:lnRef idx="2">
+            <a:schemeClr val="dk1"/>
+          </a:lnRef>
+          <a:fillRef idx="1">
+            <a:schemeClr val="lt1"/>
+          </a:fillRef>
+          <a:effectRef idx="0">
+            <a:schemeClr val="dk1"/>
+          </a:effectRef>
+          <a:fontRef idx="minor">
+            <a:schemeClr val="dk1"/>
+          </a:fontRef>
+        </p:style>
+        <p:txBody>
+          <a:bodyPr rtlCol="0" anchor="ctr"/>
+          <a:lstStyle/>
+          <a:p>
+            <a:pPr algn="ctr"/>
+            <a:r>
+              <a:rPr lang="de-AT" sz="1400" dirty="0">
+                <a:solidFill>
+                  <a:schemeClr val="tx1"/>
+                </a:solidFill>
+              </a:rPr>
+              <a:t>v2.0.1</a:t>
+            </a:r>
+            <a:endParaRPr lang="de-AT" sz="1100" dirty="0">
+              <a:solidFill>
+                <a:schemeClr val="tx1"/>
+              </a:solidFill>
+            </a:endParaRPr>
+          </a:p>
+        </p:txBody>
+      </p:sp>
+      <p:sp>
+        <p:nvSpPr>
+          <p:cNvPr id="64" name="Oval 63"/>
+          <p:cNvSpPr/>
+          <p:nvPr/>
+        </p:nvSpPr>
+        <p:spPr>
+          <a:xfrm>
+            <a:off x="15623813" y="5507229"/>
+            <a:ext cx="184918" cy="163248"/>
+          </a:xfrm>
+          <a:prstGeom prst="ellipse">
+            <a:avLst/>
+          </a:prstGeom>
+          <a:solidFill>
+            <a:schemeClr val="accent6">
+              <a:lumMod val="40000"/>
+              <a:lumOff val="60000"/>
+            </a:schemeClr>
+          </a:solidFill>
+          <a:ln>
+            <a:solidFill>
+              <a:schemeClr val="accent6">
+                <a:lumMod val="40000"/>
+                <a:lumOff val="60000"/>
+              </a:schemeClr>
+            </a:solidFill>
+          </a:ln>
+        </p:spPr>
+        <p:style>
+          <a:lnRef idx="2">
+            <a:schemeClr val="accent1">
+              <a:shade val="50000"/>
+            </a:schemeClr>
+          </a:lnRef>
+          <a:fillRef idx="1">
+            <a:schemeClr val="accent1"/>
+          </a:fillRef>
+          <a:effectRef idx="0">
+            <a:schemeClr val="accent1"/>
+          </a:effectRef>
+          <a:fontRef idx="minor">
+            <a:schemeClr val="lt1"/>
+          </a:fontRef>
+        </p:style>
+        <p:txBody>
+          <a:bodyPr rtlCol="0" anchor="ctr"/>
+          <a:lstStyle/>
+          <a:p>
+            <a:pPr algn="ctr"/>
+            <a:endParaRPr lang="de-AT"/>
+          </a:p>
+        </p:txBody>
+      </p:sp>
+      <p:sp>
+        <p:nvSpPr>
+          <p:cNvPr id="127" name="TextBox 126"/>
+          <p:cNvSpPr txBox="1"/>
+          <p:nvPr/>
+        </p:nvSpPr>
+        <p:spPr>
+          <a:xfrm>
+            <a:off x="16611587" y="412892"/>
+            <a:ext cx="1092397" cy="427681"/>
+          </a:xfrm>
+          <a:prstGeom prst="rect">
+            <a:avLst/>
+          </a:prstGeom>
+          <a:noFill/>
+        </p:spPr>
+        <p:txBody>
+          <a:bodyPr wrap="square" rtlCol="0">
+            <a:spAutoFit/>
+          </a:bodyPr>
+          <a:lstStyle/>
+          <a:p>
+            <a:r>
+              <a:rPr lang="de-AT" dirty="0"/>
+              <a:t>master</a:t>
+            </a:r>
+          </a:p>
+        </p:txBody>
+      </p:sp>
+      <p:cxnSp>
+        <p:nvCxnSpPr>
+          <p:cNvPr id="128" name="Straight Arrow Connector 127"/>
+          <p:cNvCxnSpPr>
+            <a:stCxn id="129" idx="4"/>
+            <a:endCxn id="165" idx="0"/>
+          </p:cNvCxnSpPr>
+          <p:nvPr/>
+        </p:nvCxnSpPr>
+        <p:spPr>
+          <a:xfrm>
+            <a:off x="17027614" y="1365110"/>
+            <a:ext cx="3" cy="10393135"/>
+          </a:xfrm>
+          <a:prstGeom prst="straightConnector1">
+            <a:avLst/>
+          </a:prstGeom>
+          <a:ln>
+            <a:tailEnd type="triangle"/>
+          </a:ln>
+        </p:spPr>
+        <p:style>
+          <a:lnRef idx="2">
+            <a:schemeClr val="dk1"/>
+          </a:lnRef>
+          <a:fillRef idx="0">
+            <a:schemeClr val="dk1"/>
+          </a:fillRef>
+          <a:effectRef idx="1">
+            <a:schemeClr val="dk1"/>
+          </a:effectRef>
+          <a:fontRef idx="minor">
+            <a:schemeClr val="tx1"/>
+          </a:fontRef>
+        </p:style>
+      </p:cxnSp>
+      <p:sp>
+        <p:nvSpPr>
+          <p:cNvPr id="129" name="Oval 128"/>
+          <p:cNvSpPr/>
+          <p:nvPr/>
+        </p:nvSpPr>
+        <p:spPr>
+          <a:xfrm>
+            <a:off x="16935155" y="1201862"/>
+            <a:ext cx="184918" cy="163248"/>
+          </a:xfrm>
+          <a:prstGeom prst="ellipse">
+            <a:avLst/>
+          </a:prstGeom>
+        </p:spPr>
+        <p:style>
+          <a:lnRef idx="2">
+            <a:schemeClr val="dk1">
+              <a:shade val="50000"/>
+            </a:schemeClr>
+          </a:lnRef>
+          <a:fillRef idx="1">
+            <a:schemeClr val="dk1"/>
+          </a:fillRef>
+          <a:effectRef idx="0">
+            <a:schemeClr val="dk1"/>
+          </a:effectRef>
+          <a:fontRef idx="minor">
+            <a:schemeClr val="lt1"/>
+          </a:fontRef>
+        </p:style>
+        <p:txBody>
+          <a:bodyPr rtlCol="0" anchor="ctr"/>
+          <a:lstStyle/>
+          <a:p>
+            <a:pPr algn="ctr"/>
+            <a:endParaRPr lang="de-AT"/>
+          </a:p>
+        </p:txBody>
+      </p:sp>
+      <p:sp>
+        <p:nvSpPr>
+          <p:cNvPr id="130" name="Rectangular Callout 129"/>
+          <p:cNvSpPr/>
+          <p:nvPr/>
+        </p:nvSpPr>
+        <p:spPr>
+          <a:xfrm>
+            <a:off x="16078156" y="759790"/>
+            <a:ext cx="707533" cy="347484"/>
+          </a:xfrm>
+          <a:prstGeom prst="wedgeRectCallout">
+            <a:avLst>
+              <a:gd name="adj1" fmla="val 66487"/>
+              <a:gd name="adj2" fmla="val 83736"/>
+            </a:avLst>
+          </a:prstGeom>
+        </p:spPr>
+        <p:style>
+          <a:lnRef idx="2">
+            <a:schemeClr val="dk1"/>
+          </a:lnRef>
+          <a:fillRef idx="1">
+            <a:schemeClr val="lt1"/>
+          </a:fillRef>
+          <a:effectRef idx="0">
+            <a:schemeClr val="dk1"/>
+          </a:effectRef>
+          <a:fontRef idx="minor">
+            <a:schemeClr val="dk1"/>
+          </a:fontRef>
+        </p:style>
+        <p:txBody>
+          <a:bodyPr rtlCol="0" anchor="ctr"/>
+          <a:lstStyle/>
+          <a:p>
+            <a:pPr algn="ctr"/>
+            <a:r>
+              <a:rPr lang="de-AT" sz="1400" dirty="0">
+                <a:solidFill>
+                  <a:schemeClr val="tx1"/>
+                </a:solidFill>
+              </a:rPr>
+              <a:t>v2.0.0</a:t>
+            </a:r>
+            <a:endParaRPr lang="de-AT" sz="1100" dirty="0">
+              <a:solidFill>
+                <a:schemeClr val="tx1"/>
+              </a:solidFill>
+            </a:endParaRPr>
+          </a:p>
+        </p:txBody>
+      </p:sp>
+      <p:sp>
+        <p:nvSpPr>
+          <p:cNvPr id="165" name="Oval 164"/>
+          <p:cNvSpPr/>
+          <p:nvPr/>
+        </p:nvSpPr>
+        <p:spPr>
+          <a:xfrm>
+            <a:off x="16935158" y="11758245"/>
+            <a:ext cx="184918" cy="163248"/>
+          </a:xfrm>
+          <a:prstGeom prst="ellipse">
+            <a:avLst/>
+          </a:prstGeom>
+        </p:spPr>
+        <p:style>
+          <a:lnRef idx="2">
+            <a:schemeClr val="dk1">
+              <a:shade val="50000"/>
+            </a:schemeClr>
+          </a:lnRef>
+          <a:fillRef idx="1">
+            <a:schemeClr val="dk1"/>
+          </a:fillRef>
+          <a:effectRef idx="0">
+            <a:schemeClr val="dk1"/>
+          </a:effectRef>
+          <a:fontRef idx="minor">
+            <a:schemeClr val="lt1"/>
+          </a:fontRef>
+        </p:style>
+        <p:txBody>
+          <a:bodyPr rtlCol="0" anchor="ctr"/>
+          <a:lstStyle/>
+          <a:p>
+            <a:pPr algn="ctr"/>
+            <a:endParaRPr lang="de-AT"/>
+          </a:p>
+        </p:txBody>
+      </p:sp>
+      <p:sp>
+        <p:nvSpPr>
+          <p:cNvPr id="189" name="Rectangular Callout 188"/>
+          <p:cNvSpPr/>
+          <p:nvPr/>
+        </p:nvSpPr>
+        <p:spPr>
+          <a:xfrm>
+            <a:off x="16315197" y="11346041"/>
+            <a:ext cx="601885" cy="333677"/>
+          </a:xfrm>
+          <a:prstGeom prst="wedgeRectCallout">
+            <a:avLst>
+              <a:gd name="adj1" fmla="val 51894"/>
+              <a:gd name="adj2" fmla="val 73724"/>
+            </a:avLst>
+          </a:prstGeom>
+        </p:spPr>
+        <p:style>
+          <a:lnRef idx="2">
+            <a:schemeClr val="dk1"/>
+          </a:lnRef>
+          <a:fillRef idx="1">
+            <a:schemeClr val="lt1"/>
+          </a:fillRef>
+          <a:effectRef idx="0">
+            <a:schemeClr val="dk1"/>
+          </a:effectRef>
+          <a:fontRef idx="minor">
+            <a:schemeClr val="dk1"/>
+          </a:fontRef>
+        </p:style>
+        <p:txBody>
+          <a:bodyPr rtlCol="0" anchor="ctr"/>
+          <a:lstStyle/>
+          <a:p>
+            <a:pPr algn="ctr"/>
+            <a:r>
+              <a:rPr lang="de-AT" sz="1100" dirty="0">
+                <a:solidFill>
+                  <a:schemeClr val="tx1"/>
+                </a:solidFill>
+              </a:rPr>
+              <a:t>v3.0.0</a:t>
+            </a:r>
+          </a:p>
+        </p:txBody>
+      </p:sp>
+      <p:cxnSp>
+        <p:nvCxnSpPr>
+          <p:cNvPr id="109" name="Straight Connector 108"/>
+          <p:cNvCxnSpPr>
+            <a:stCxn id="129" idx="0"/>
+          </p:cNvCxnSpPr>
+          <p:nvPr/>
+        </p:nvCxnSpPr>
+        <p:spPr>
+          <a:xfrm flipV="1">
+            <a:off x="17027614" y="855500"/>
+            <a:ext cx="3" cy="346362"/>
+          </a:xfrm>
+          <a:prstGeom prst="line">
+            <a:avLst/>
+          </a:prstGeom>
+          <a:ln w="15875">
+            <a:solidFill>
+              <a:schemeClr val="bg2">
+                <a:alpha val="86000"/>
+              </a:schemeClr>
+            </a:solidFill>
+            <a:prstDash val="sysDash"/>
+          </a:ln>
+          <a:effectLst/>
+        </p:spPr>
+        <p:style>
+          <a:lnRef idx="2">
+            <a:schemeClr val="accent3"/>
+          </a:lnRef>
+          <a:fillRef idx="0">
+            <a:schemeClr val="accent3"/>
+          </a:fillRef>
+          <a:effectRef idx="1">
+            <a:schemeClr val="accent3"/>
+          </a:effectRef>
+          <a:fontRef idx="minor">
+            <a:schemeClr val="tx1"/>
+          </a:fontRef>
+        </p:style>
+      </p:cxnSp>
+      <p:sp>
+        <p:nvSpPr>
+          <p:cNvPr id="298" name="Rectangular Callout 297"/>
+          <p:cNvSpPr/>
+          <p:nvPr/>
+        </p:nvSpPr>
+        <p:spPr>
+          <a:xfrm>
+            <a:off x="16694223" y="13741988"/>
+            <a:ext cx="743727" cy="428977"/>
+          </a:xfrm>
+          <a:prstGeom prst="wedgeRectCallout">
+            <a:avLst>
+              <a:gd name="adj1" fmla="val -69904"/>
+              <a:gd name="adj2" fmla="val 8200"/>
+            </a:avLst>
+          </a:prstGeom>
+        </p:spPr>
+        <p:style>
+          <a:lnRef idx="2">
+            <a:schemeClr val="dk1"/>
+          </a:lnRef>
+          <a:fillRef idx="1">
+            <a:schemeClr val="lt1"/>
+          </a:fillRef>
+          <a:effectRef idx="0">
+            <a:schemeClr val="dk1"/>
+          </a:effectRef>
+          <a:fontRef idx="minor">
+            <a:schemeClr val="dk1"/>
+          </a:fontRef>
+        </p:style>
+        <p:txBody>
+          <a:bodyPr rtlCol="0" anchor="ctr"/>
+          <a:lstStyle/>
+          <a:p>
+            <a:pPr algn="ctr"/>
+            <a:r>
+              <a:rPr lang="de-AT" sz="1600" dirty="0">
+                <a:solidFill>
+                  <a:schemeClr val="tx1"/>
+                </a:solidFill>
+              </a:rPr>
+              <a:t>Tag</a:t>
+            </a:r>
+            <a:endParaRPr lang="de-AT" sz="1100" dirty="0">
+              <a:solidFill>
+                <a:schemeClr val="tx1"/>
+              </a:solidFill>
+            </a:endParaRPr>
+          </a:p>
+        </p:txBody>
+      </p:sp>
+      <p:graphicFrame>
+        <p:nvGraphicFramePr>
+          <p:cNvPr id="187" name="Diagram 186"/>
+          <p:cNvGraphicFramePr/>
+          <p:nvPr>
+            <p:extLst/>
+          </p:nvPr>
+        </p:nvGraphicFramePr>
+        <p:xfrm>
+          <a:off x="11098708" y="7075295"/>
+          <a:ext cx="1165791" cy="799411"/>
+        </p:xfrm>
+        <a:graphic>
+          <a:graphicData uri="http://schemas.openxmlformats.org/drawingml/2006/diagram">
+            <dgm:relIds xmlns:dgm="http://schemas.openxmlformats.org/drawingml/2006/diagram" xmlns:r="http://schemas.openxmlformats.org/officeDocument/2006/relationships" r:dm="rId2" r:lo="rId3" r:qs="rId4" r:cs="rId5"/>
+          </a:graphicData>
+        </a:graphic>
+      </p:graphicFrame>
+      <p:sp>
+        <p:nvSpPr>
+          <p:cNvPr id="284" name="Oval 35"/>
+          <p:cNvSpPr/>
+          <p:nvPr/>
+        </p:nvSpPr>
+        <p:spPr>
+          <a:xfrm>
+            <a:off x="13320744" y="2842120"/>
+            <a:ext cx="184918" cy="163248"/>
+          </a:xfrm>
+          <a:prstGeom prst="ellipse">
+            <a:avLst/>
+          </a:prstGeom>
+          <a:solidFill>
+            <a:schemeClr val="accent2"/>
+          </a:solidFill>
+          <a:ln>
+            <a:solidFill>
+              <a:schemeClr val="accent6">
+                <a:lumMod val="40000"/>
+                <a:lumOff val="60000"/>
+              </a:schemeClr>
+            </a:solidFill>
+          </a:ln>
+        </p:spPr>
+        <p:style>
+          <a:lnRef idx="2">
+            <a:schemeClr val="accent1">
+              <a:shade val="50000"/>
+            </a:schemeClr>
+          </a:lnRef>
+          <a:fillRef idx="1">
+            <a:schemeClr val="accent1"/>
+          </a:fillRef>
+          <a:effectRef idx="0">
+            <a:schemeClr val="accent1"/>
+          </a:effectRef>
+          <a:fontRef idx="minor">
+            <a:schemeClr val="lt1"/>
+          </a:fontRef>
+        </p:style>
+        <p:txBody>
+          <a:bodyPr rtlCol="0" anchor="ctr"/>
+          <a:lstStyle/>
+          <a:p>
+            <a:pPr algn="ctr"/>
+            <a:endParaRPr lang="de-AT"/>
+          </a:p>
+        </p:txBody>
+      </p:sp>
+      <p:cxnSp>
+        <p:nvCxnSpPr>
+          <p:cNvPr id="295" name="Straight Arrow Connector 433"/>
+          <p:cNvCxnSpPr>
+            <a:stCxn id="46" idx="4"/>
+            <a:endCxn id="284" idx="0"/>
+          </p:cNvCxnSpPr>
+          <p:nvPr/>
+        </p:nvCxnSpPr>
+        <p:spPr>
+          <a:xfrm flipH="1">
+            <a:off x="13413203" y="2619917"/>
+            <a:ext cx="4325" cy="222203"/>
+          </a:xfrm>
+          <a:prstGeom prst="straightConnector1">
+            <a:avLst/>
+          </a:prstGeom>
+          <a:ln>
+            <a:tailEnd type="triangle"/>
+          </a:ln>
+        </p:spPr>
+        <p:style>
+          <a:lnRef idx="2">
+            <a:schemeClr val="dk1"/>
+          </a:lnRef>
+          <a:fillRef idx="0">
+            <a:schemeClr val="dk1"/>
+          </a:fillRef>
+          <a:effectRef idx="1">
+            <a:schemeClr val="dk1"/>
+          </a:effectRef>
+          <a:fontRef idx="minor">
+            <a:schemeClr val="tx1"/>
+          </a:fontRef>
+        </p:style>
+      </p:cxnSp>
+      <p:cxnSp>
+        <p:nvCxnSpPr>
+          <p:cNvPr id="335" name="Straight Arrow Connector 206"/>
+          <p:cNvCxnSpPr>
+            <a:stCxn id="165" idx="4"/>
+          </p:cNvCxnSpPr>
+          <p:nvPr/>
+        </p:nvCxnSpPr>
+        <p:spPr>
+          <a:xfrm flipH="1">
+            <a:off x="17027614" y="11921493"/>
+            <a:ext cx="3" cy="469739"/>
+          </a:xfrm>
+          <a:prstGeom prst="straightConnector1">
+            <a:avLst/>
+          </a:prstGeom>
+          <a:ln>
+            <a:prstDash val="dashDot"/>
+            <a:tailEnd type="triangle"/>
+          </a:ln>
+        </p:spPr>
+        <p:style>
+          <a:lnRef idx="2">
+            <a:schemeClr val="dk1"/>
+          </a:lnRef>
+          <a:fillRef idx="0">
+            <a:schemeClr val="dk1"/>
+          </a:fillRef>
+          <a:effectRef idx="1">
+            <a:schemeClr val="dk1"/>
+          </a:effectRef>
+          <a:fontRef idx="minor">
+            <a:schemeClr val="tx1"/>
+          </a:fontRef>
+        </p:style>
+      </p:cxnSp>
+      <p:cxnSp>
+        <p:nvCxnSpPr>
+          <p:cNvPr id="337" name="Straight Arrow Connector 206"/>
+          <p:cNvCxnSpPr>
+            <a:cxnSpLocks/>
+            <a:stCxn id="326" idx="4"/>
+          </p:cNvCxnSpPr>
+          <p:nvPr/>
+        </p:nvCxnSpPr>
+        <p:spPr>
+          <a:xfrm>
+            <a:off x="15732531" y="9248855"/>
+            <a:ext cx="0" cy="394626"/>
+          </a:xfrm>
+          <a:prstGeom prst="straightConnector1">
+            <a:avLst/>
+          </a:prstGeom>
+          <a:ln>
+            <a:prstDash val="dashDot"/>
+            <a:tailEnd type="triangle"/>
+          </a:ln>
+        </p:spPr>
+        <p:style>
+          <a:lnRef idx="2">
+            <a:schemeClr val="dk1"/>
+          </a:lnRef>
+          <a:fillRef idx="0">
+            <a:schemeClr val="dk1"/>
+          </a:fillRef>
+          <a:effectRef idx="1">
+            <a:schemeClr val="dk1"/>
+          </a:effectRef>
+          <a:fontRef idx="minor">
+            <a:schemeClr val="tx1"/>
+          </a:fontRef>
+        </p:style>
+      </p:cxnSp>
+      <p:cxnSp>
+        <p:nvCxnSpPr>
+          <p:cNvPr id="228" name="Straight Arrow Connector 438"/>
+          <p:cNvCxnSpPr>
+            <a:cxnSpLocks/>
+            <a:stCxn id="308" idx="6"/>
+            <a:endCxn id="64" idx="2"/>
+          </p:cNvCxnSpPr>
+          <p:nvPr/>
+        </p:nvCxnSpPr>
+        <p:spPr>
+          <a:xfrm>
+            <a:off x="13832102" y="5402725"/>
+            <a:ext cx="1791711" cy="186128"/>
+          </a:xfrm>
+          <a:prstGeom prst="straightConnector1">
+            <a:avLst/>
+          </a:prstGeom>
+          <a:ln>
+            <a:tailEnd type="triangle"/>
+          </a:ln>
+        </p:spPr>
+        <p:style>
+          <a:lnRef idx="2">
+            <a:schemeClr val="dk1"/>
+          </a:lnRef>
+          <a:fillRef idx="0">
+            <a:schemeClr val="dk1"/>
+          </a:fillRef>
+          <a:effectRef idx="1">
+            <a:schemeClr val="dk1"/>
+          </a:effectRef>
+          <a:fontRef idx="minor">
+            <a:schemeClr val="tx1"/>
+          </a:fontRef>
+        </p:style>
+      </p:cxnSp>
+      <p:sp>
+        <p:nvSpPr>
+          <p:cNvPr id="150" name="TextBox 149">
+            <a:extLst>
+              <a:ext uri="{FF2B5EF4-FFF2-40B4-BE49-F238E27FC236}">
+                <a16:creationId xmlns:a16="http://schemas.microsoft.com/office/drawing/2014/main" id="{B43B1EA8-56A7-4948-8CDF-4592C04163E9}"/>
+              </a:ext>
+            </a:extLst>
+          </p:cNvPr>
+          <p:cNvSpPr txBox="1"/>
+          <p:nvPr/>
+        </p:nvSpPr>
+        <p:spPr>
+          <a:xfrm>
+            <a:off x="13452932" y="2787625"/>
+            <a:ext cx="1270132" cy="307777"/>
+          </a:xfrm>
+          <a:prstGeom prst="rect">
+            <a:avLst/>
+          </a:prstGeom>
+          <a:noFill/>
+        </p:spPr>
+        <p:txBody>
+          <a:bodyPr wrap="square" rtlCol="0">
+            <a:spAutoFit/>
+          </a:bodyPr>
+          <a:lstStyle/>
+          <a:p>
+            <a:r>
+              <a:rPr lang="de-AT" sz="1400" dirty="0"/>
+              <a:t>Feature-A</a:t>
+            </a:r>
+          </a:p>
+        </p:txBody>
+      </p:sp>
+      <p:sp>
+        <p:nvSpPr>
+          <p:cNvPr id="151" name="Oval 35">
+            <a:extLst>
+              <a:ext uri="{FF2B5EF4-FFF2-40B4-BE49-F238E27FC236}">
+                <a16:creationId xmlns:a16="http://schemas.microsoft.com/office/drawing/2014/main" id="{8ACD48FE-7919-4D71-ADB9-2843A5B3CEF9}"/>
+              </a:ext>
+            </a:extLst>
+          </p:cNvPr>
+          <p:cNvSpPr/>
+          <p:nvPr/>
+        </p:nvSpPr>
+        <p:spPr>
+          <a:xfrm>
+            <a:off x="13310305" y="3245041"/>
+            <a:ext cx="184918" cy="163248"/>
+          </a:xfrm>
+          <a:prstGeom prst="ellipse">
+            <a:avLst/>
+          </a:prstGeom>
+          <a:solidFill>
+            <a:schemeClr val="accent2"/>
+          </a:solidFill>
+          <a:ln>
+            <a:solidFill>
+              <a:schemeClr val="accent6">
+                <a:lumMod val="40000"/>
+                <a:lumOff val="60000"/>
+              </a:schemeClr>
+            </a:solidFill>
+          </a:ln>
+        </p:spPr>
+        <p:style>
+          <a:lnRef idx="2">
+            <a:schemeClr val="accent1">
+              <a:shade val="50000"/>
+            </a:schemeClr>
+          </a:lnRef>
+          <a:fillRef idx="1">
+            <a:schemeClr val="accent1"/>
+          </a:fillRef>
+          <a:effectRef idx="0">
+            <a:schemeClr val="accent1"/>
+          </a:effectRef>
+          <a:fontRef idx="minor">
+            <a:schemeClr val="lt1"/>
+          </a:fontRef>
+        </p:style>
+        <p:txBody>
+          <a:bodyPr rtlCol="0" anchor="ctr"/>
+          <a:lstStyle/>
+          <a:p>
+            <a:pPr algn="ctr"/>
+            <a:endParaRPr lang="de-AT"/>
+          </a:p>
+        </p:txBody>
+      </p:sp>
+      <p:cxnSp>
+        <p:nvCxnSpPr>
+          <p:cNvPr id="160" name="Straight Arrow Connector 433">
+            <a:extLst>
+              <a:ext uri="{FF2B5EF4-FFF2-40B4-BE49-F238E27FC236}">
+                <a16:creationId xmlns:a16="http://schemas.microsoft.com/office/drawing/2014/main" id="{085CC208-FFC3-4DD5-A0F0-3FC571D1AAF3}"/>
+              </a:ext>
+            </a:extLst>
+          </p:cNvPr>
+          <p:cNvCxnSpPr>
+            <a:cxnSpLocks/>
+            <a:stCxn id="284" idx="4"/>
+            <a:endCxn id="151" idx="0"/>
+          </p:cNvCxnSpPr>
+          <p:nvPr/>
+        </p:nvCxnSpPr>
+        <p:spPr>
+          <a:xfrm flipH="1">
+            <a:off x="13402764" y="3005368"/>
+            <a:ext cx="10439" cy="239673"/>
+          </a:xfrm>
+          <a:prstGeom prst="straightConnector1">
+            <a:avLst/>
+          </a:prstGeom>
+          <a:ln>
+            <a:tailEnd type="triangle"/>
+          </a:ln>
+        </p:spPr>
+        <p:style>
+          <a:lnRef idx="2">
+            <a:schemeClr val="dk1"/>
+          </a:lnRef>
+          <a:fillRef idx="0">
+            <a:schemeClr val="dk1"/>
+          </a:fillRef>
+          <a:effectRef idx="1">
+            <a:schemeClr val="dk1"/>
+          </a:effectRef>
+          <a:fontRef idx="minor">
+            <a:schemeClr val="tx1"/>
+          </a:fontRef>
+        </p:style>
+      </p:cxnSp>
+      <p:sp>
+        <p:nvSpPr>
+          <p:cNvPr id="161" name="Oval 35">
+            <a:extLst>
+              <a:ext uri="{FF2B5EF4-FFF2-40B4-BE49-F238E27FC236}">
+                <a16:creationId xmlns:a16="http://schemas.microsoft.com/office/drawing/2014/main" id="{BDC28C61-51A4-4616-B7A6-887239B14370}"/>
+              </a:ext>
+            </a:extLst>
+          </p:cNvPr>
+          <p:cNvSpPr/>
+          <p:nvPr/>
+        </p:nvSpPr>
+        <p:spPr>
+          <a:xfrm>
+            <a:off x="13304285" y="3635436"/>
+            <a:ext cx="184918" cy="163248"/>
+          </a:xfrm>
+          <a:prstGeom prst="ellipse">
+            <a:avLst/>
+          </a:prstGeom>
+          <a:solidFill>
+            <a:schemeClr val="accent2"/>
+          </a:solidFill>
+          <a:ln>
+            <a:solidFill>
+              <a:schemeClr val="accent6">
+                <a:lumMod val="40000"/>
+                <a:lumOff val="60000"/>
+              </a:schemeClr>
+            </a:solidFill>
+          </a:ln>
+        </p:spPr>
+        <p:style>
+          <a:lnRef idx="2">
+            <a:schemeClr val="accent1">
+              <a:shade val="50000"/>
+            </a:schemeClr>
+          </a:lnRef>
+          <a:fillRef idx="1">
+            <a:schemeClr val="accent1"/>
+          </a:fillRef>
+          <a:effectRef idx="0">
+            <a:schemeClr val="accent1"/>
+          </a:effectRef>
+          <a:fontRef idx="minor">
+            <a:schemeClr val="lt1"/>
+          </a:fontRef>
+        </p:style>
+        <p:txBody>
+          <a:bodyPr rtlCol="0" anchor="ctr"/>
+          <a:lstStyle/>
+          <a:p>
+            <a:pPr algn="ctr"/>
+            <a:endParaRPr lang="de-AT"/>
+          </a:p>
+        </p:txBody>
+      </p:sp>
+      <p:cxnSp>
+        <p:nvCxnSpPr>
+          <p:cNvPr id="166" name="Straight Arrow Connector 433">
+            <a:extLst>
+              <a:ext uri="{FF2B5EF4-FFF2-40B4-BE49-F238E27FC236}">
+                <a16:creationId xmlns:a16="http://schemas.microsoft.com/office/drawing/2014/main" id="{8D7DDA82-A0CC-4550-A209-09DF5CC28869}"/>
+              </a:ext>
+            </a:extLst>
+          </p:cNvPr>
+          <p:cNvCxnSpPr>
+            <a:cxnSpLocks/>
+            <a:stCxn id="151" idx="4"/>
+            <a:endCxn id="161" idx="0"/>
+          </p:cNvCxnSpPr>
+          <p:nvPr/>
+        </p:nvCxnSpPr>
+        <p:spPr>
+          <a:xfrm flipH="1">
+            <a:off x="13396744" y="3408289"/>
+            <a:ext cx="6020" cy="227147"/>
+          </a:xfrm>
+          <a:prstGeom prst="straightConnector1">
+            <a:avLst/>
+          </a:prstGeom>
+          <a:ln>
+            <a:tailEnd type="triangle"/>
+          </a:ln>
+        </p:spPr>
+        <p:style>
+          <a:lnRef idx="2">
+            <a:schemeClr val="dk1"/>
+          </a:lnRef>
+          <a:fillRef idx="0">
+            <a:schemeClr val="dk1"/>
+          </a:fillRef>
+          <a:effectRef idx="1">
+            <a:schemeClr val="dk1"/>
+          </a:effectRef>
+          <a:fontRef idx="minor">
+            <a:schemeClr val="tx1"/>
+          </a:fontRef>
+        </p:style>
+      </p:cxnSp>
+      <p:sp>
+        <p:nvSpPr>
+          <p:cNvPr id="167" name="TextBox 166">
+            <a:extLst>
+              <a:ext uri="{FF2B5EF4-FFF2-40B4-BE49-F238E27FC236}">
+                <a16:creationId xmlns:a16="http://schemas.microsoft.com/office/drawing/2014/main" id="{9A2B66E7-7BAC-4A9B-AE03-EB3768E693FF}"/>
+              </a:ext>
+            </a:extLst>
+          </p:cNvPr>
+          <p:cNvSpPr txBox="1"/>
+          <p:nvPr/>
+        </p:nvSpPr>
+        <p:spPr>
+          <a:xfrm>
+            <a:off x="13467546" y="3190545"/>
+            <a:ext cx="1270132" cy="307777"/>
+          </a:xfrm>
+          <a:prstGeom prst="rect">
+            <a:avLst/>
+          </a:prstGeom>
+          <a:noFill/>
+        </p:spPr>
+        <p:txBody>
+          <a:bodyPr wrap="square" rtlCol="0">
+            <a:spAutoFit/>
+          </a:bodyPr>
+          <a:lstStyle/>
+          <a:p>
+            <a:r>
+              <a:rPr lang="de-AT" sz="1400" dirty="0"/>
+              <a:t>Feature-B</a:t>
+            </a:r>
+          </a:p>
+        </p:txBody>
+      </p:sp>
+      <p:sp>
+        <p:nvSpPr>
+          <p:cNvPr id="168" name="TextBox 167">
+            <a:extLst>
+              <a:ext uri="{FF2B5EF4-FFF2-40B4-BE49-F238E27FC236}">
+                <a16:creationId xmlns:a16="http://schemas.microsoft.com/office/drawing/2014/main" id="{4BFA3A19-D386-4AEC-A7A4-C6F723E44724}"/>
+              </a:ext>
+            </a:extLst>
+          </p:cNvPr>
+          <p:cNvSpPr txBox="1"/>
+          <p:nvPr/>
+        </p:nvSpPr>
+        <p:spPr>
+          <a:xfrm>
+            <a:off x="13494685" y="3593466"/>
+            <a:ext cx="1270132" cy="307777"/>
+          </a:xfrm>
+          <a:prstGeom prst="rect">
+            <a:avLst/>
+          </a:prstGeom>
+          <a:noFill/>
+        </p:spPr>
+        <p:txBody>
+          <a:bodyPr wrap="square" rtlCol="0">
+            <a:spAutoFit/>
+          </a:bodyPr>
+          <a:lstStyle/>
+          <a:p>
+            <a:r>
+              <a:rPr lang="de-AT" sz="1400" dirty="0"/>
+              <a:t>Feature-C</a:t>
+            </a:r>
+          </a:p>
+        </p:txBody>
+      </p:sp>
+      <p:cxnSp>
+        <p:nvCxnSpPr>
+          <p:cNvPr id="169" name="Straight Arrow Connector 168">
+            <a:extLst>
+              <a:ext uri="{FF2B5EF4-FFF2-40B4-BE49-F238E27FC236}">
+                <a16:creationId xmlns:a16="http://schemas.microsoft.com/office/drawing/2014/main" id="{32F4E4A4-1BC8-4004-AB0A-5C299499E776}"/>
+              </a:ext>
+            </a:extLst>
+          </p:cNvPr>
+          <p:cNvCxnSpPr>
+            <a:cxnSpLocks/>
+            <a:stCxn id="161" idx="4"/>
+            <a:endCxn id="174" idx="0"/>
+          </p:cNvCxnSpPr>
+          <p:nvPr/>
+        </p:nvCxnSpPr>
+        <p:spPr>
+          <a:xfrm>
+            <a:off x="13396744" y="3798684"/>
+            <a:ext cx="0" cy="209180"/>
+          </a:xfrm>
+          <a:prstGeom prst="straightConnector1">
+            <a:avLst/>
+          </a:prstGeom>
+          <a:ln>
+            <a:tailEnd type="triangle"/>
+          </a:ln>
+        </p:spPr>
+        <p:style>
+          <a:lnRef idx="2">
+            <a:schemeClr val="dk1"/>
+          </a:lnRef>
+          <a:fillRef idx="0">
+            <a:schemeClr val="dk1"/>
+          </a:fillRef>
+          <a:effectRef idx="1">
+            <a:schemeClr val="dk1"/>
+          </a:effectRef>
+          <a:fontRef idx="minor">
+            <a:schemeClr val="tx1"/>
+          </a:fontRef>
+        </p:style>
+      </p:cxnSp>
+      <p:sp>
+        <p:nvSpPr>
+          <p:cNvPr id="174" name="Oval 173">
+            <a:extLst>
+              <a:ext uri="{FF2B5EF4-FFF2-40B4-BE49-F238E27FC236}">
+                <a16:creationId xmlns:a16="http://schemas.microsoft.com/office/drawing/2014/main" id="{470FE70C-2315-4DCD-926C-30E8023201F4}"/>
+              </a:ext>
+            </a:extLst>
+          </p:cNvPr>
+          <p:cNvSpPr/>
+          <p:nvPr/>
+        </p:nvSpPr>
+        <p:spPr>
+          <a:xfrm>
+            <a:off x="13304286" y="4007864"/>
+            <a:ext cx="184916" cy="168442"/>
+          </a:xfrm>
+          <a:prstGeom prst="ellipse">
+            <a:avLst/>
+          </a:prstGeom>
+          <a:solidFill>
+            <a:srgbClr val="FFC000"/>
+          </a:solidFill>
+        </p:spPr>
+        <p:style>
+          <a:lnRef idx="2">
+            <a:schemeClr val="accent1">
+              <a:shade val="50000"/>
+            </a:schemeClr>
+          </a:lnRef>
+          <a:fillRef idx="1">
+            <a:schemeClr val="accent1"/>
+          </a:fillRef>
+          <a:effectRef idx="0">
+            <a:schemeClr val="accent1"/>
+          </a:effectRef>
+          <a:fontRef idx="minor">
+            <a:schemeClr val="lt1"/>
+          </a:fontRef>
+        </p:style>
+        <p:txBody>
+          <a:bodyPr rtlCol="0" anchor="ctr"/>
+          <a:lstStyle/>
+          <a:p>
+            <a:pPr algn="ctr"/>
+            <a:endParaRPr lang="de-AT"/>
+          </a:p>
+        </p:txBody>
+      </p:sp>
+      <p:sp>
+        <p:nvSpPr>
+          <p:cNvPr id="184" name="TextBox 183">
+            <a:extLst>
+              <a:ext uri="{FF2B5EF4-FFF2-40B4-BE49-F238E27FC236}">
+                <a16:creationId xmlns:a16="http://schemas.microsoft.com/office/drawing/2014/main" id="{8668C4DC-AC1A-4583-AF8E-C3232A8AD6A1}"/>
+              </a:ext>
+            </a:extLst>
+          </p:cNvPr>
+          <p:cNvSpPr txBox="1"/>
+          <p:nvPr/>
+        </p:nvSpPr>
+        <p:spPr>
+          <a:xfrm>
+            <a:off x="13455323" y="3923337"/>
+            <a:ext cx="1797098" cy="276999"/>
+          </a:xfrm>
+          <a:prstGeom prst="rect">
+            <a:avLst/>
+          </a:prstGeom>
+          <a:noFill/>
+        </p:spPr>
+        <p:txBody>
+          <a:bodyPr wrap="square" rtlCol="0">
+            <a:spAutoFit/>
+          </a:bodyPr>
+          <a:lstStyle/>
+          <a:p>
+            <a:r>
+              <a:rPr lang="de-AT" sz="1200" dirty="0"/>
+              <a:t>prerelease/v2.0.1-alpha.1</a:t>
+            </a:r>
+          </a:p>
+        </p:txBody>
+      </p:sp>
+      <p:sp>
+        <p:nvSpPr>
+          <p:cNvPr id="185" name="Oval 35">
+            <a:extLst>
+              <a:ext uri="{FF2B5EF4-FFF2-40B4-BE49-F238E27FC236}">
+                <a16:creationId xmlns:a16="http://schemas.microsoft.com/office/drawing/2014/main" id="{1CE95844-9F1D-4E2D-84F9-F1041B85A98A}"/>
+              </a:ext>
+            </a:extLst>
+          </p:cNvPr>
+          <p:cNvSpPr/>
+          <p:nvPr/>
+        </p:nvSpPr>
+        <p:spPr>
+          <a:xfrm>
+            <a:off x="13290264" y="4388980"/>
+            <a:ext cx="184918" cy="163248"/>
+          </a:xfrm>
+          <a:prstGeom prst="ellipse">
+            <a:avLst/>
+          </a:prstGeom>
+          <a:solidFill>
+            <a:schemeClr val="accent2"/>
+          </a:solidFill>
+          <a:ln>
+            <a:solidFill>
+              <a:schemeClr val="accent6">
+                <a:lumMod val="40000"/>
+                <a:lumOff val="60000"/>
+              </a:schemeClr>
+            </a:solidFill>
+          </a:ln>
+        </p:spPr>
+        <p:style>
+          <a:lnRef idx="2">
+            <a:schemeClr val="accent1">
+              <a:shade val="50000"/>
+            </a:schemeClr>
+          </a:lnRef>
+          <a:fillRef idx="1">
+            <a:schemeClr val="accent1"/>
+          </a:fillRef>
+          <a:effectRef idx="0">
+            <a:schemeClr val="accent1"/>
+          </a:effectRef>
+          <a:fontRef idx="minor">
+            <a:schemeClr val="lt1"/>
+          </a:fontRef>
+        </p:style>
+        <p:txBody>
+          <a:bodyPr rtlCol="0" anchor="ctr"/>
+          <a:lstStyle/>
+          <a:p>
+            <a:pPr algn="ctr"/>
+            <a:endParaRPr lang="de-AT"/>
+          </a:p>
+        </p:txBody>
+      </p:sp>
+      <p:cxnSp>
+        <p:nvCxnSpPr>
+          <p:cNvPr id="193" name="Straight Arrow Connector 433">
+            <a:extLst>
+              <a:ext uri="{FF2B5EF4-FFF2-40B4-BE49-F238E27FC236}">
+                <a16:creationId xmlns:a16="http://schemas.microsoft.com/office/drawing/2014/main" id="{950FACDB-E925-4B79-A4AC-0159E7BBBEED}"/>
+              </a:ext>
+            </a:extLst>
+          </p:cNvPr>
+          <p:cNvCxnSpPr>
+            <a:cxnSpLocks/>
+            <a:stCxn id="174" idx="4"/>
+            <a:endCxn id="185" idx="0"/>
+          </p:cNvCxnSpPr>
+          <p:nvPr/>
+        </p:nvCxnSpPr>
+        <p:spPr>
+          <a:xfrm flipH="1">
+            <a:off x="13382723" y="4176306"/>
+            <a:ext cx="14021" cy="212674"/>
+          </a:xfrm>
+          <a:prstGeom prst="straightConnector1">
+            <a:avLst/>
+          </a:prstGeom>
+          <a:ln>
+            <a:tailEnd type="triangle"/>
+          </a:ln>
+        </p:spPr>
+        <p:style>
+          <a:lnRef idx="2">
+            <a:schemeClr val="dk1"/>
+          </a:lnRef>
+          <a:fillRef idx="0">
+            <a:schemeClr val="dk1"/>
+          </a:fillRef>
+          <a:effectRef idx="1">
+            <a:schemeClr val="dk1"/>
+          </a:effectRef>
+          <a:fontRef idx="minor">
+            <a:schemeClr val="tx1"/>
+          </a:fontRef>
+        </p:style>
+      </p:cxnSp>
+      <p:sp>
+        <p:nvSpPr>
+          <p:cNvPr id="196" name="TextBox 195">
+            <a:extLst>
+              <a:ext uri="{FF2B5EF4-FFF2-40B4-BE49-F238E27FC236}">
+                <a16:creationId xmlns:a16="http://schemas.microsoft.com/office/drawing/2014/main" id="{A25997EB-CCDD-4CD8-8CF5-DCC4F267AB3B}"/>
+              </a:ext>
+            </a:extLst>
+          </p:cNvPr>
+          <p:cNvSpPr txBox="1"/>
+          <p:nvPr/>
+        </p:nvSpPr>
+        <p:spPr>
+          <a:xfrm>
+            <a:off x="13422452" y="4334485"/>
+            <a:ext cx="1270132" cy="307777"/>
+          </a:xfrm>
+          <a:prstGeom prst="rect">
+            <a:avLst/>
+          </a:prstGeom>
+          <a:noFill/>
+        </p:spPr>
+        <p:txBody>
+          <a:bodyPr wrap="square" rtlCol="0">
+            <a:spAutoFit/>
+          </a:bodyPr>
+          <a:lstStyle/>
+          <a:p>
+            <a:r>
+              <a:rPr lang="de-AT" sz="1400" dirty="0"/>
+              <a:t>Feature-D</a:t>
+            </a:r>
+          </a:p>
+        </p:txBody>
+      </p:sp>
+      <p:sp>
+        <p:nvSpPr>
+          <p:cNvPr id="199" name="Oval 35">
+            <a:extLst>
+              <a:ext uri="{FF2B5EF4-FFF2-40B4-BE49-F238E27FC236}">
+                <a16:creationId xmlns:a16="http://schemas.microsoft.com/office/drawing/2014/main" id="{1272EF16-5D2D-4F4E-9216-290285806592}"/>
+              </a:ext>
+            </a:extLst>
+          </p:cNvPr>
+          <p:cNvSpPr/>
+          <p:nvPr/>
+        </p:nvSpPr>
+        <p:spPr>
+          <a:xfrm>
+            <a:off x="13279825" y="4791901"/>
+            <a:ext cx="184918" cy="163248"/>
+          </a:xfrm>
+          <a:prstGeom prst="ellipse">
+            <a:avLst/>
+          </a:prstGeom>
+          <a:solidFill>
+            <a:schemeClr val="accent2"/>
+          </a:solidFill>
+          <a:ln>
+            <a:solidFill>
+              <a:schemeClr val="accent6">
+                <a:lumMod val="40000"/>
+                <a:lumOff val="60000"/>
+              </a:schemeClr>
+            </a:solidFill>
+          </a:ln>
+        </p:spPr>
+        <p:style>
+          <a:lnRef idx="2">
+            <a:schemeClr val="accent1">
+              <a:shade val="50000"/>
+            </a:schemeClr>
+          </a:lnRef>
+          <a:fillRef idx="1">
+            <a:schemeClr val="accent1"/>
+          </a:fillRef>
+          <a:effectRef idx="0">
+            <a:schemeClr val="accent1"/>
+          </a:effectRef>
+          <a:fontRef idx="minor">
+            <a:schemeClr val="lt1"/>
+          </a:fontRef>
+        </p:style>
+        <p:txBody>
+          <a:bodyPr rtlCol="0" anchor="ctr"/>
+          <a:lstStyle/>
+          <a:p>
+            <a:pPr algn="ctr"/>
+            <a:endParaRPr lang="de-AT"/>
+          </a:p>
+        </p:txBody>
+      </p:sp>
+      <p:cxnSp>
+        <p:nvCxnSpPr>
+          <p:cNvPr id="200" name="Straight Arrow Connector 433">
+            <a:extLst>
+              <a:ext uri="{FF2B5EF4-FFF2-40B4-BE49-F238E27FC236}">
+                <a16:creationId xmlns:a16="http://schemas.microsoft.com/office/drawing/2014/main" id="{05DEC887-1BFB-4C69-B9DD-37CC4885E752}"/>
+              </a:ext>
+            </a:extLst>
+          </p:cNvPr>
+          <p:cNvCxnSpPr>
+            <a:cxnSpLocks/>
+            <a:stCxn id="185" idx="4"/>
+            <a:endCxn id="199" idx="0"/>
+          </p:cNvCxnSpPr>
+          <p:nvPr/>
+        </p:nvCxnSpPr>
+        <p:spPr>
+          <a:xfrm flipH="1">
+            <a:off x="13372284" y="4552228"/>
+            <a:ext cx="10439" cy="239673"/>
+          </a:xfrm>
+          <a:prstGeom prst="straightConnector1">
+            <a:avLst/>
+          </a:prstGeom>
+          <a:ln>
+            <a:tailEnd type="triangle"/>
+          </a:ln>
+        </p:spPr>
+        <p:style>
+          <a:lnRef idx="2">
+            <a:schemeClr val="dk1"/>
+          </a:lnRef>
+          <a:fillRef idx="0">
+            <a:schemeClr val="dk1"/>
+          </a:fillRef>
+          <a:effectRef idx="1">
+            <a:schemeClr val="dk1"/>
+          </a:effectRef>
+          <a:fontRef idx="minor">
+            <a:schemeClr val="tx1"/>
+          </a:fontRef>
+        </p:style>
+      </p:cxnSp>
+      <p:sp>
+        <p:nvSpPr>
+          <p:cNvPr id="208" name="Oval 35">
+            <a:extLst>
+              <a:ext uri="{FF2B5EF4-FFF2-40B4-BE49-F238E27FC236}">
+                <a16:creationId xmlns:a16="http://schemas.microsoft.com/office/drawing/2014/main" id="{69446CC6-00E0-4928-84F3-42C5322AA164}"/>
+              </a:ext>
+            </a:extLst>
+          </p:cNvPr>
+          <p:cNvSpPr/>
+          <p:nvPr/>
+        </p:nvSpPr>
+        <p:spPr>
+          <a:xfrm>
+            <a:off x="13273805" y="6454208"/>
+            <a:ext cx="184918" cy="163248"/>
+          </a:xfrm>
+          <a:prstGeom prst="ellipse">
+            <a:avLst/>
+          </a:prstGeom>
+          <a:solidFill>
+            <a:schemeClr val="accent2"/>
+          </a:solidFill>
+          <a:ln>
+            <a:solidFill>
+              <a:schemeClr val="accent6">
+                <a:lumMod val="40000"/>
+                <a:lumOff val="60000"/>
+              </a:schemeClr>
+            </a:solidFill>
+          </a:ln>
+        </p:spPr>
+        <p:style>
+          <a:lnRef idx="2">
+            <a:schemeClr val="accent1">
+              <a:shade val="50000"/>
+            </a:schemeClr>
+          </a:lnRef>
+          <a:fillRef idx="1">
+            <a:schemeClr val="accent1"/>
+          </a:fillRef>
+          <a:effectRef idx="0">
+            <a:schemeClr val="accent1"/>
+          </a:effectRef>
+          <a:fontRef idx="minor">
+            <a:schemeClr val="lt1"/>
+          </a:fontRef>
+        </p:style>
+        <p:txBody>
+          <a:bodyPr rtlCol="0" anchor="ctr"/>
+          <a:lstStyle/>
+          <a:p>
+            <a:pPr algn="ctr"/>
+            <a:endParaRPr lang="de-AT"/>
+          </a:p>
+        </p:txBody>
+      </p:sp>
+      <p:cxnSp>
+        <p:nvCxnSpPr>
+          <p:cNvPr id="210" name="Straight Arrow Connector 433">
+            <a:extLst>
+              <a:ext uri="{FF2B5EF4-FFF2-40B4-BE49-F238E27FC236}">
+                <a16:creationId xmlns:a16="http://schemas.microsoft.com/office/drawing/2014/main" id="{2C370A33-993F-4CB8-8123-65C1347F30BC}"/>
+              </a:ext>
+            </a:extLst>
+          </p:cNvPr>
+          <p:cNvCxnSpPr>
+            <a:cxnSpLocks/>
+            <a:stCxn id="229" idx="4"/>
+            <a:endCxn id="208" idx="0"/>
+          </p:cNvCxnSpPr>
+          <p:nvPr/>
+        </p:nvCxnSpPr>
+        <p:spPr>
+          <a:xfrm>
+            <a:off x="13353529" y="5292853"/>
+            <a:ext cx="12735" cy="1161355"/>
+          </a:xfrm>
+          <a:prstGeom prst="straightConnector1">
+            <a:avLst/>
+          </a:prstGeom>
+          <a:ln>
+            <a:tailEnd type="triangle"/>
+          </a:ln>
+        </p:spPr>
+        <p:style>
+          <a:lnRef idx="2">
+            <a:schemeClr val="dk1"/>
+          </a:lnRef>
+          <a:fillRef idx="0">
+            <a:schemeClr val="dk1"/>
+          </a:fillRef>
+          <a:effectRef idx="1">
+            <a:schemeClr val="dk1"/>
+          </a:effectRef>
+          <a:fontRef idx="minor">
+            <a:schemeClr val="tx1"/>
+          </a:fontRef>
+        </p:style>
+      </p:cxnSp>
+      <p:sp>
+        <p:nvSpPr>
+          <p:cNvPr id="215" name="TextBox 214">
+            <a:extLst>
+              <a:ext uri="{FF2B5EF4-FFF2-40B4-BE49-F238E27FC236}">
+                <a16:creationId xmlns:a16="http://schemas.microsoft.com/office/drawing/2014/main" id="{E1604250-1270-4307-B82B-43AB7DD7CF9F}"/>
+              </a:ext>
+            </a:extLst>
+          </p:cNvPr>
+          <p:cNvSpPr txBox="1"/>
+          <p:nvPr/>
+        </p:nvSpPr>
+        <p:spPr>
+          <a:xfrm>
+            <a:off x="13437066" y="4737405"/>
+            <a:ext cx="1270132" cy="307777"/>
+          </a:xfrm>
+          <a:prstGeom prst="rect">
+            <a:avLst/>
+          </a:prstGeom>
+          <a:noFill/>
+        </p:spPr>
+        <p:txBody>
+          <a:bodyPr wrap="square" rtlCol="0">
+            <a:spAutoFit/>
+          </a:bodyPr>
+          <a:lstStyle/>
+          <a:p>
+            <a:r>
+              <a:rPr lang="de-AT" sz="1400" dirty="0"/>
+              <a:t>Feature-E</a:t>
+            </a:r>
+          </a:p>
+        </p:txBody>
+      </p:sp>
+      <p:sp>
+        <p:nvSpPr>
+          <p:cNvPr id="216" name="TextBox 215">
+            <a:extLst>
+              <a:ext uri="{FF2B5EF4-FFF2-40B4-BE49-F238E27FC236}">
+                <a16:creationId xmlns:a16="http://schemas.microsoft.com/office/drawing/2014/main" id="{D06F0FA1-0958-469D-B0B7-3573CBDE1774}"/>
+              </a:ext>
+            </a:extLst>
+          </p:cNvPr>
+          <p:cNvSpPr txBox="1"/>
+          <p:nvPr/>
+        </p:nvSpPr>
+        <p:spPr>
+          <a:xfrm>
+            <a:off x="13441345" y="6358898"/>
+            <a:ext cx="1270132" cy="307777"/>
+          </a:xfrm>
+          <a:prstGeom prst="rect">
+            <a:avLst/>
+          </a:prstGeom>
+          <a:noFill/>
+        </p:spPr>
+        <p:txBody>
+          <a:bodyPr wrap="square" rtlCol="0">
+            <a:spAutoFit/>
+          </a:bodyPr>
+          <a:lstStyle/>
+          <a:p>
+            <a:r>
+              <a:rPr lang="de-AT" sz="1400" dirty="0"/>
+              <a:t>Feature-F</a:t>
+            </a:r>
+          </a:p>
+        </p:txBody>
+      </p:sp>
+      <p:cxnSp>
+        <p:nvCxnSpPr>
+          <p:cNvPr id="217" name="Straight Arrow Connector 216">
+            <a:extLst>
+              <a:ext uri="{FF2B5EF4-FFF2-40B4-BE49-F238E27FC236}">
+                <a16:creationId xmlns:a16="http://schemas.microsoft.com/office/drawing/2014/main" id="{A497DC3C-7EDB-430A-8697-8F42424F7734}"/>
+              </a:ext>
+            </a:extLst>
+          </p:cNvPr>
+          <p:cNvCxnSpPr>
+            <a:cxnSpLocks/>
+            <a:stCxn id="208" idx="4"/>
+            <a:endCxn id="222" idx="0"/>
+          </p:cNvCxnSpPr>
+          <p:nvPr/>
+        </p:nvCxnSpPr>
+        <p:spPr>
+          <a:xfrm>
+            <a:off x="13366264" y="6617456"/>
+            <a:ext cx="0" cy="193940"/>
+          </a:xfrm>
+          <a:prstGeom prst="straightConnector1">
+            <a:avLst/>
+          </a:prstGeom>
+          <a:ln>
+            <a:tailEnd type="triangle"/>
+          </a:ln>
+        </p:spPr>
+        <p:style>
+          <a:lnRef idx="2">
+            <a:schemeClr val="dk1"/>
+          </a:lnRef>
+          <a:fillRef idx="0">
+            <a:schemeClr val="dk1"/>
+          </a:fillRef>
+          <a:effectRef idx="1">
+            <a:schemeClr val="dk1"/>
+          </a:effectRef>
+          <a:fontRef idx="minor">
+            <a:schemeClr val="tx1"/>
+          </a:fontRef>
+        </p:style>
+      </p:cxnSp>
+      <p:sp>
+        <p:nvSpPr>
+          <p:cNvPr id="222" name="Oval 221">
+            <a:extLst>
+              <a:ext uri="{FF2B5EF4-FFF2-40B4-BE49-F238E27FC236}">
+                <a16:creationId xmlns:a16="http://schemas.microsoft.com/office/drawing/2014/main" id="{EA827D54-BC38-4065-9FA8-69E536C8E3E0}"/>
+              </a:ext>
+            </a:extLst>
+          </p:cNvPr>
+          <p:cNvSpPr/>
+          <p:nvPr/>
+        </p:nvSpPr>
+        <p:spPr>
+          <a:xfrm>
+            <a:off x="13273806" y="6811396"/>
+            <a:ext cx="184916" cy="168442"/>
+          </a:xfrm>
+          <a:prstGeom prst="ellipse">
+            <a:avLst/>
+          </a:prstGeom>
+          <a:solidFill>
+            <a:srgbClr val="FFC000"/>
+          </a:solidFill>
+        </p:spPr>
+        <p:style>
+          <a:lnRef idx="2">
+            <a:schemeClr val="accent1">
+              <a:shade val="50000"/>
+            </a:schemeClr>
+          </a:lnRef>
+          <a:fillRef idx="1">
+            <a:schemeClr val="accent1"/>
+          </a:fillRef>
+          <a:effectRef idx="0">
+            <a:schemeClr val="accent1"/>
+          </a:effectRef>
+          <a:fontRef idx="minor">
+            <a:schemeClr val="lt1"/>
+          </a:fontRef>
+        </p:style>
+        <p:txBody>
+          <a:bodyPr rtlCol="0" anchor="ctr"/>
+          <a:lstStyle/>
+          <a:p>
+            <a:pPr algn="ctr"/>
+            <a:endParaRPr lang="de-AT"/>
+          </a:p>
+        </p:txBody>
+      </p:sp>
+      <p:sp>
+        <p:nvSpPr>
+          <p:cNvPr id="223" name="TextBox 222">
+            <a:extLst>
+              <a:ext uri="{FF2B5EF4-FFF2-40B4-BE49-F238E27FC236}">
+                <a16:creationId xmlns:a16="http://schemas.microsoft.com/office/drawing/2014/main" id="{809F0A1F-5DC4-4147-B84B-0A201C0CE2A1}"/>
+              </a:ext>
+            </a:extLst>
+          </p:cNvPr>
+          <p:cNvSpPr txBox="1"/>
+          <p:nvPr/>
+        </p:nvSpPr>
+        <p:spPr>
+          <a:xfrm>
+            <a:off x="13447703" y="6734489"/>
+            <a:ext cx="1797098" cy="276999"/>
+          </a:xfrm>
+          <a:prstGeom prst="rect">
+            <a:avLst/>
+          </a:prstGeom>
+          <a:noFill/>
+        </p:spPr>
+        <p:txBody>
+          <a:bodyPr wrap="square" rtlCol="0">
+            <a:spAutoFit/>
+          </a:bodyPr>
+          <a:lstStyle/>
+          <a:p>
+            <a:r>
+              <a:rPr lang="de-AT" sz="1200" dirty="0"/>
+              <a:t>prerelease/v2.0.1-alpha.2</a:t>
+            </a:r>
+          </a:p>
+        </p:txBody>
+      </p:sp>
+      <p:sp>
+        <p:nvSpPr>
+          <p:cNvPr id="229" name="Oval 228">
+            <a:extLst>
+              <a:ext uri="{FF2B5EF4-FFF2-40B4-BE49-F238E27FC236}">
+                <a16:creationId xmlns:a16="http://schemas.microsoft.com/office/drawing/2014/main" id="{711B0E19-AAB1-497D-8C30-5EF19A9FB12F}"/>
+              </a:ext>
+            </a:extLst>
+          </p:cNvPr>
+          <p:cNvSpPr/>
+          <p:nvPr/>
+        </p:nvSpPr>
+        <p:spPr>
+          <a:xfrm>
+            <a:off x="13261070" y="5129605"/>
+            <a:ext cx="184918" cy="163248"/>
+          </a:xfrm>
+          <a:prstGeom prst="ellipse">
+            <a:avLst/>
+          </a:prstGeom>
+          <a:solidFill>
+            <a:schemeClr val="bg1"/>
+          </a:solidFill>
+          <a:ln>
+            <a:solidFill>
+              <a:schemeClr val="accent6">
+                <a:lumMod val="40000"/>
+                <a:lumOff val="60000"/>
+              </a:schemeClr>
+            </a:solidFill>
+          </a:ln>
+        </p:spPr>
+        <p:style>
+          <a:lnRef idx="2">
+            <a:schemeClr val="accent1">
+              <a:shade val="50000"/>
+            </a:schemeClr>
+          </a:lnRef>
+          <a:fillRef idx="1">
+            <a:schemeClr val="accent1"/>
+          </a:fillRef>
+          <a:effectRef idx="0">
+            <a:schemeClr val="accent1"/>
+          </a:effectRef>
+          <a:fontRef idx="minor">
+            <a:schemeClr val="lt1"/>
+          </a:fontRef>
+        </p:style>
+        <p:txBody>
+          <a:bodyPr rtlCol="0" anchor="ctr"/>
+          <a:lstStyle/>
+          <a:p>
+            <a:pPr algn="ctr"/>
+            <a:endParaRPr lang="de-AT"/>
+          </a:p>
+        </p:txBody>
+      </p:sp>
+      <p:cxnSp>
+        <p:nvCxnSpPr>
+          <p:cNvPr id="230" name="Straight Arrow Connector 433">
+            <a:extLst>
+              <a:ext uri="{FF2B5EF4-FFF2-40B4-BE49-F238E27FC236}">
+                <a16:creationId xmlns:a16="http://schemas.microsoft.com/office/drawing/2014/main" id="{416DF99A-03C4-4811-9BBE-C4AC8D53D0CA}"/>
+              </a:ext>
+            </a:extLst>
+          </p:cNvPr>
+          <p:cNvCxnSpPr>
+            <a:cxnSpLocks/>
+            <a:stCxn id="199" idx="4"/>
+            <a:endCxn id="229" idx="0"/>
+          </p:cNvCxnSpPr>
+          <p:nvPr/>
+        </p:nvCxnSpPr>
+        <p:spPr>
+          <a:xfrm flipH="1">
+            <a:off x="13353529" y="4955149"/>
+            <a:ext cx="18755" cy="174456"/>
+          </a:xfrm>
+          <a:prstGeom prst="straightConnector1">
+            <a:avLst/>
+          </a:prstGeom>
+          <a:ln>
+            <a:tailEnd type="triangle"/>
+          </a:ln>
+        </p:spPr>
+        <p:style>
+          <a:lnRef idx="2">
+            <a:schemeClr val="dk1"/>
+          </a:lnRef>
+          <a:fillRef idx="0">
+            <a:schemeClr val="dk1"/>
+          </a:fillRef>
+          <a:effectRef idx="1">
+            <a:schemeClr val="dk1"/>
+          </a:effectRef>
+          <a:fontRef idx="minor">
+            <a:schemeClr val="tx1"/>
+          </a:fontRef>
+        </p:style>
+      </p:cxnSp>
+      <p:sp>
+        <p:nvSpPr>
+          <p:cNvPr id="233" name="TextBox 232">
+            <a:extLst>
+              <a:ext uri="{FF2B5EF4-FFF2-40B4-BE49-F238E27FC236}">
+                <a16:creationId xmlns:a16="http://schemas.microsoft.com/office/drawing/2014/main" id="{6AF591C9-8766-4BC6-A7FB-A82DDAC750F3}"/>
+              </a:ext>
+            </a:extLst>
+          </p:cNvPr>
+          <p:cNvSpPr txBox="1"/>
+          <p:nvPr/>
+        </p:nvSpPr>
+        <p:spPr>
+          <a:xfrm>
+            <a:off x="11653973" y="5588745"/>
+            <a:ext cx="1135247" cy="307777"/>
+          </a:xfrm>
+          <a:prstGeom prst="rect">
+            <a:avLst/>
+          </a:prstGeom>
+          <a:noFill/>
+        </p:spPr>
+        <p:txBody>
+          <a:bodyPr wrap="none" rtlCol="0">
+            <a:spAutoFit/>
+          </a:bodyPr>
+          <a:lstStyle/>
+          <a:p>
+            <a:r>
+              <a:rPr lang="de-AT" sz="1400" dirty="0"/>
+              <a:t>support/v2.1</a:t>
+            </a:r>
+          </a:p>
+        </p:txBody>
+      </p:sp>
+      <p:cxnSp>
+        <p:nvCxnSpPr>
+          <p:cNvPr id="234" name="Straight Arrow Connector 233">
+            <a:extLst>
+              <a:ext uri="{FF2B5EF4-FFF2-40B4-BE49-F238E27FC236}">
+                <a16:creationId xmlns:a16="http://schemas.microsoft.com/office/drawing/2014/main" id="{314395C9-EF98-43D2-899A-5E4D4BE4B3AE}"/>
+              </a:ext>
+            </a:extLst>
+          </p:cNvPr>
+          <p:cNvCxnSpPr>
+            <a:stCxn id="236" idx="4"/>
+            <a:endCxn id="246" idx="0"/>
+          </p:cNvCxnSpPr>
+          <p:nvPr/>
+        </p:nvCxnSpPr>
+        <p:spPr>
+          <a:xfrm flipH="1">
+            <a:off x="12470152" y="6049215"/>
+            <a:ext cx="22317" cy="2559354"/>
+          </a:xfrm>
+          <a:prstGeom prst="straightConnector1">
+            <a:avLst/>
+          </a:prstGeom>
+          <a:ln>
+            <a:tailEnd type="triangle"/>
+          </a:ln>
+        </p:spPr>
+        <p:style>
+          <a:lnRef idx="2">
+            <a:schemeClr val="dk1"/>
+          </a:lnRef>
+          <a:fillRef idx="0">
+            <a:schemeClr val="dk1"/>
+          </a:fillRef>
+          <a:effectRef idx="1">
+            <a:schemeClr val="dk1"/>
+          </a:effectRef>
+          <a:fontRef idx="minor">
+            <a:schemeClr val="tx1"/>
+          </a:fontRef>
+        </p:style>
+      </p:cxnSp>
+      <p:sp>
+        <p:nvSpPr>
+          <p:cNvPr id="236" name="Oval 235">
+            <a:extLst>
+              <a:ext uri="{FF2B5EF4-FFF2-40B4-BE49-F238E27FC236}">
+                <a16:creationId xmlns:a16="http://schemas.microsoft.com/office/drawing/2014/main" id="{71210478-8FC8-4189-9D04-96BE426C264E}"/>
+              </a:ext>
+            </a:extLst>
+          </p:cNvPr>
+          <p:cNvSpPr/>
+          <p:nvPr/>
+        </p:nvSpPr>
+        <p:spPr>
+          <a:xfrm>
+            <a:off x="12400010" y="5885967"/>
+            <a:ext cx="184918" cy="163248"/>
+          </a:xfrm>
+          <a:prstGeom prst="ellipse">
+            <a:avLst/>
+          </a:prstGeom>
+          <a:solidFill>
+            <a:schemeClr val="bg1"/>
+          </a:solidFill>
+          <a:ln>
+            <a:solidFill>
+              <a:schemeClr val="accent6">
+                <a:lumMod val="40000"/>
+                <a:lumOff val="60000"/>
+              </a:schemeClr>
+            </a:solidFill>
+          </a:ln>
+        </p:spPr>
+        <p:style>
+          <a:lnRef idx="2">
+            <a:schemeClr val="accent1">
+              <a:shade val="50000"/>
+            </a:schemeClr>
+          </a:lnRef>
+          <a:fillRef idx="1">
+            <a:schemeClr val="accent1"/>
+          </a:fillRef>
+          <a:effectRef idx="0">
+            <a:schemeClr val="accent1"/>
+          </a:effectRef>
+          <a:fontRef idx="minor">
+            <a:schemeClr val="lt1"/>
+          </a:fontRef>
+        </p:style>
+        <p:txBody>
+          <a:bodyPr rtlCol="0" anchor="ctr"/>
+          <a:lstStyle/>
+          <a:p>
+            <a:pPr algn="ctr"/>
+            <a:endParaRPr lang="de-AT"/>
+          </a:p>
+        </p:txBody>
+      </p:sp>
+      <p:cxnSp>
+        <p:nvCxnSpPr>
+          <p:cNvPr id="237" name="Straight Arrow Connector 236">
+            <a:extLst>
+              <a:ext uri="{FF2B5EF4-FFF2-40B4-BE49-F238E27FC236}">
+                <a16:creationId xmlns:a16="http://schemas.microsoft.com/office/drawing/2014/main" id="{62D9B6CA-37E2-4130-A860-F26D5537F901}"/>
+              </a:ext>
+            </a:extLst>
+          </p:cNvPr>
+          <p:cNvCxnSpPr>
+            <a:stCxn id="236" idx="3"/>
+            <a:endCxn id="240" idx="6"/>
+          </p:cNvCxnSpPr>
+          <p:nvPr/>
+        </p:nvCxnSpPr>
+        <p:spPr>
+          <a:xfrm flipH="1">
+            <a:off x="10614387" y="6025308"/>
+            <a:ext cx="1812704" cy="210667"/>
+          </a:xfrm>
+          <a:prstGeom prst="straightConnector1">
+            <a:avLst/>
+          </a:prstGeom>
+          <a:ln>
+            <a:tailEnd type="triangle"/>
+          </a:ln>
+        </p:spPr>
+        <p:style>
+          <a:lnRef idx="2">
+            <a:schemeClr val="dk1"/>
+          </a:lnRef>
+          <a:fillRef idx="0">
+            <a:schemeClr val="dk1"/>
+          </a:fillRef>
+          <a:effectRef idx="1">
+            <a:schemeClr val="dk1"/>
+          </a:effectRef>
+          <a:fontRef idx="minor">
+            <a:schemeClr val="tx1"/>
+          </a:fontRef>
+        </p:style>
+      </p:cxnSp>
+      <p:sp>
+        <p:nvSpPr>
+          <p:cNvPr id="240" name="Oval 239">
+            <a:extLst>
+              <a:ext uri="{FF2B5EF4-FFF2-40B4-BE49-F238E27FC236}">
+                <a16:creationId xmlns:a16="http://schemas.microsoft.com/office/drawing/2014/main" id="{C97F5D07-40E6-4EB6-97F9-120EAA738449}"/>
+              </a:ext>
+            </a:extLst>
+          </p:cNvPr>
+          <p:cNvSpPr/>
+          <p:nvPr/>
+        </p:nvSpPr>
+        <p:spPr>
+          <a:xfrm>
+            <a:off x="10429469" y="6154351"/>
+            <a:ext cx="184918" cy="163248"/>
+          </a:xfrm>
+          <a:prstGeom prst="ellipse">
+            <a:avLst/>
+          </a:prstGeom>
+          <a:solidFill>
+            <a:schemeClr val="bg1"/>
+          </a:solidFill>
+          <a:ln>
+            <a:solidFill>
+              <a:srgbClr val="ED7D31"/>
+            </a:solidFill>
+          </a:ln>
+        </p:spPr>
+        <p:style>
+          <a:lnRef idx="2">
+            <a:schemeClr val="accent1">
+              <a:shade val="50000"/>
+            </a:schemeClr>
+          </a:lnRef>
+          <a:fillRef idx="1">
+            <a:schemeClr val="accent1"/>
+          </a:fillRef>
+          <a:effectRef idx="0">
+            <a:schemeClr val="accent1"/>
+          </a:effectRef>
+          <a:fontRef idx="minor">
+            <a:schemeClr val="lt1"/>
+          </a:fontRef>
+        </p:style>
+        <p:txBody>
+          <a:bodyPr rtlCol="0" anchor="ctr"/>
+          <a:lstStyle/>
+          <a:p>
+            <a:pPr algn="ctr"/>
+            <a:endParaRPr lang="de-AT"/>
+          </a:p>
+        </p:txBody>
+      </p:sp>
+      <p:sp>
+        <p:nvSpPr>
+          <p:cNvPr id="241" name="TextBox 240">
+            <a:extLst>
+              <a:ext uri="{FF2B5EF4-FFF2-40B4-BE49-F238E27FC236}">
+                <a16:creationId xmlns:a16="http://schemas.microsoft.com/office/drawing/2014/main" id="{14677D69-F0AA-4487-9832-1C833359559E}"/>
+              </a:ext>
+            </a:extLst>
+          </p:cNvPr>
+          <p:cNvSpPr txBox="1"/>
+          <p:nvPr/>
+        </p:nvSpPr>
+        <p:spPr>
+          <a:xfrm>
+            <a:off x="10208140" y="5853933"/>
+            <a:ext cx="1236158" cy="307777"/>
+          </a:xfrm>
+          <a:prstGeom prst="rect">
+            <a:avLst/>
+          </a:prstGeom>
+          <a:noFill/>
+        </p:spPr>
+        <p:txBody>
+          <a:bodyPr wrap="square" rtlCol="0">
+            <a:spAutoFit/>
+          </a:bodyPr>
+          <a:lstStyle/>
+          <a:p>
+            <a:r>
+              <a:rPr lang="de-AT" sz="1400" dirty="0" err="1"/>
+              <a:t>hotfix</a:t>
+            </a:r>
+            <a:r>
+              <a:rPr lang="de-AT" sz="1400" dirty="0"/>
+              <a:t>/v2.1.0</a:t>
+            </a:r>
+          </a:p>
+        </p:txBody>
+      </p:sp>
+      <p:sp>
+        <p:nvSpPr>
+          <p:cNvPr id="243" name="Rectangular Callout 58">
+            <a:extLst>
+              <a:ext uri="{FF2B5EF4-FFF2-40B4-BE49-F238E27FC236}">
+                <a16:creationId xmlns:a16="http://schemas.microsoft.com/office/drawing/2014/main" id="{B112558C-3D29-4157-AC0D-4879C5BB5F9A}"/>
+              </a:ext>
+            </a:extLst>
+          </p:cNvPr>
+          <p:cNvSpPr/>
+          <p:nvPr/>
+        </p:nvSpPr>
+        <p:spPr>
+          <a:xfrm>
+            <a:off x="12625470" y="8224599"/>
+            <a:ext cx="725532" cy="299530"/>
+          </a:xfrm>
+          <a:prstGeom prst="wedgeRectCallout">
+            <a:avLst>
+              <a:gd name="adj1" fmla="val -53759"/>
+              <a:gd name="adj2" fmla="val 93627"/>
+            </a:avLst>
+          </a:prstGeom>
+        </p:spPr>
+        <p:style>
+          <a:lnRef idx="2">
+            <a:schemeClr val="dk1"/>
+          </a:lnRef>
+          <a:fillRef idx="1">
+            <a:schemeClr val="lt1"/>
+          </a:fillRef>
+          <a:effectRef idx="0">
+            <a:schemeClr val="dk1"/>
+          </a:effectRef>
+          <a:fontRef idx="minor">
+            <a:schemeClr val="dk1"/>
+          </a:fontRef>
+        </p:style>
+        <p:txBody>
+          <a:bodyPr rtlCol="0" anchor="ctr"/>
+          <a:lstStyle/>
+          <a:p>
+            <a:pPr algn="ctr"/>
+            <a:r>
+              <a:rPr lang="de-AT" sz="1400" dirty="0">
+                <a:solidFill>
+                  <a:schemeClr val="tx1"/>
+                </a:solidFill>
+              </a:rPr>
+              <a:t>v2.1.0</a:t>
+            </a:r>
+            <a:endParaRPr lang="de-AT" sz="1100" dirty="0">
+              <a:solidFill>
+                <a:schemeClr val="tx1"/>
+              </a:solidFill>
+            </a:endParaRPr>
+          </a:p>
+        </p:txBody>
+      </p:sp>
+      <p:sp>
+        <p:nvSpPr>
+          <p:cNvPr id="246" name="Oval 245">
+            <a:extLst>
+              <a:ext uri="{FF2B5EF4-FFF2-40B4-BE49-F238E27FC236}">
+                <a16:creationId xmlns:a16="http://schemas.microsoft.com/office/drawing/2014/main" id="{66F613D8-9725-442F-ADF6-FDB64F1293C1}"/>
+              </a:ext>
+            </a:extLst>
+          </p:cNvPr>
+          <p:cNvSpPr/>
+          <p:nvPr/>
+        </p:nvSpPr>
+        <p:spPr>
+          <a:xfrm>
+            <a:off x="12377693" y="8608569"/>
+            <a:ext cx="184918" cy="163248"/>
+          </a:xfrm>
+          <a:prstGeom prst="ellipse">
+            <a:avLst/>
+          </a:prstGeom>
+          <a:solidFill>
+            <a:schemeClr val="accent6">
+              <a:lumMod val="40000"/>
+              <a:lumOff val="60000"/>
+            </a:schemeClr>
+          </a:solidFill>
+          <a:ln>
+            <a:solidFill>
+              <a:schemeClr val="accent6">
+                <a:lumMod val="40000"/>
+                <a:lumOff val="60000"/>
+              </a:schemeClr>
+            </a:solidFill>
+          </a:ln>
+        </p:spPr>
+        <p:style>
+          <a:lnRef idx="2">
+            <a:schemeClr val="accent1">
+              <a:shade val="50000"/>
+            </a:schemeClr>
+          </a:lnRef>
+          <a:fillRef idx="1">
+            <a:schemeClr val="accent1"/>
+          </a:fillRef>
+          <a:effectRef idx="0">
+            <a:schemeClr val="accent1"/>
+          </a:effectRef>
+          <a:fontRef idx="minor">
+            <a:schemeClr val="lt1"/>
+          </a:fontRef>
+        </p:style>
+        <p:txBody>
+          <a:bodyPr rtlCol="0" anchor="ctr"/>
+          <a:lstStyle/>
+          <a:p>
+            <a:pPr algn="ctr"/>
+            <a:endParaRPr lang="de-AT"/>
+          </a:p>
+        </p:txBody>
+      </p:sp>
+      <p:sp>
+        <p:nvSpPr>
+          <p:cNvPr id="247" name="Oval 35">
+            <a:extLst>
+              <a:ext uri="{FF2B5EF4-FFF2-40B4-BE49-F238E27FC236}">
+                <a16:creationId xmlns:a16="http://schemas.microsoft.com/office/drawing/2014/main" id="{03F218CC-E9D5-49F9-A5DD-35962BEBC576}"/>
+              </a:ext>
+            </a:extLst>
+          </p:cNvPr>
+          <p:cNvSpPr/>
+          <p:nvPr/>
+        </p:nvSpPr>
+        <p:spPr>
+          <a:xfrm>
+            <a:off x="10425144" y="6539802"/>
+            <a:ext cx="184918" cy="163248"/>
+          </a:xfrm>
+          <a:prstGeom prst="ellipse">
+            <a:avLst/>
+          </a:prstGeom>
+          <a:solidFill>
+            <a:schemeClr val="accent2"/>
+          </a:solidFill>
+          <a:ln>
+            <a:solidFill>
+              <a:schemeClr val="accent6">
+                <a:lumMod val="40000"/>
+                <a:lumOff val="60000"/>
+              </a:schemeClr>
+            </a:solidFill>
+          </a:ln>
+        </p:spPr>
+        <p:style>
+          <a:lnRef idx="2">
+            <a:schemeClr val="accent1">
+              <a:shade val="50000"/>
+            </a:schemeClr>
+          </a:lnRef>
+          <a:fillRef idx="1">
+            <a:schemeClr val="accent1"/>
+          </a:fillRef>
+          <a:effectRef idx="0">
+            <a:schemeClr val="accent1"/>
+          </a:effectRef>
+          <a:fontRef idx="minor">
+            <a:schemeClr val="lt1"/>
+          </a:fontRef>
+        </p:style>
+        <p:txBody>
+          <a:bodyPr rtlCol="0" anchor="ctr"/>
+          <a:lstStyle/>
+          <a:p>
+            <a:pPr algn="ctr"/>
+            <a:endParaRPr lang="de-AT"/>
+          </a:p>
+        </p:txBody>
+      </p:sp>
+      <p:cxnSp>
+        <p:nvCxnSpPr>
+          <p:cNvPr id="248" name="Straight Arrow Connector 433">
+            <a:extLst>
+              <a:ext uri="{FF2B5EF4-FFF2-40B4-BE49-F238E27FC236}">
+                <a16:creationId xmlns:a16="http://schemas.microsoft.com/office/drawing/2014/main" id="{00A20756-DF8F-4159-929A-E2FC9C3014EE}"/>
+              </a:ext>
+            </a:extLst>
+          </p:cNvPr>
+          <p:cNvCxnSpPr>
+            <a:stCxn id="240" idx="4"/>
+            <a:endCxn id="247" idx="0"/>
+          </p:cNvCxnSpPr>
+          <p:nvPr/>
+        </p:nvCxnSpPr>
+        <p:spPr>
+          <a:xfrm flipH="1">
+            <a:off x="10517603" y="6317599"/>
+            <a:ext cx="4325" cy="222203"/>
+          </a:xfrm>
+          <a:prstGeom prst="straightConnector1">
+            <a:avLst/>
+          </a:prstGeom>
+          <a:ln>
+            <a:tailEnd type="triangle"/>
+          </a:ln>
+        </p:spPr>
+        <p:style>
+          <a:lnRef idx="2">
+            <a:schemeClr val="dk1"/>
+          </a:lnRef>
+          <a:fillRef idx="0">
+            <a:schemeClr val="dk1"/>
+          </a:fillRef>
+          <a:effectRef idx="1">
+            <a:schemeClr val="dk1"/>
+          </a:effectRef>
+          <a:fontRef idx="minor">
+            <a:schemeClr val="tx1"/>
+          </a:fontRef>
+        </p:style>
+      </p:cxnSp>
+      <p:cxnSp>
+        <p:nvCxnSpPr>
+          <p:cNvPr id="249" name="Straight Arrow Connector 438">
+            <a:extLst>
+              <a:ext uri="{FF2B5EF4-FFF2-40B4-BE49-F238E27FC236}">
+                <a16:creationId xmlns:a16="http://schemas.microsoft.com/office/drawing/2014/main" id="{CACD64DB-3BB9-4CEF-B1AE-23615981837D}"/>
+              </a:ext>
+            </a:extLst>
+          </p:cNvPr>
+          <p:cNvCxnSpPr>
+            <a:cxnSpLocks/>
+            <a:stCxn id="314" idx="5"/>
+            <a:endCxn id="246" idx="2"/>
+          </p:cNvCxnSpPr>
+          <p:nvPr/>
+        </p:nvCxnSpPr>
+        <p:spPr>
+          <a:xfrm>
+            <a:off x="10680822" y="8449318"/>
+            <a:ext cx="1696871" cy="240875"/>
+          </a:xfrm>
+          <a:prstGeom prst="straightConnector1">
+            <a:avLst/>
+          </a:prstGeom>
+          <a:ln>
+            <a:tailEnd type="triangle"/>
+          </a:ln>
+        </p:spPr>
+        <p:style>
+          <a:lnRef idx="2">
+            <a:schemeClr val="dk1"/>
+          </a:lnRef>
+          <a:fillRef idx="0">
+            <a:schemeClr val="dk1"/>
+          </a:fillRef>
+          <a:effectRef idx="1">
+            <a:schemeClr val="dk1"/>
+          </a:effectRef>
+          <a:fontRef idx="minor">
+            <a:schemeClr val="tx1"/>
+          </a:fontRef>
+        </p:style>
+      </p:cxnSp>
+      <p:sp>
+        <p:nvSpPr>
+          <p:cNvPr id="255" name="TextBox 254">
+            <a:extLst>
+              <a:ext uri="{FF2B5EF4-FFF2-40B4-BE49-F238E27FC236}">
+                <a16:creationId xmlns:a16="http://schemas.microsoft.com/office/drawing/2014/main" id="{8C1F260C-B775-46B2-8264-D34586EDE6C4}"/>
+              </a:ext>
+            </a:extLst>
+          </p:cNvPr>
+          <p:cNvSpPr txBox="1"/>
+          <p:nvPr/>
+        </p:nvSpPr>
+        <p:spPr>
+          <a:xfrm>
+            <a:off x="10557332" y="6485307"/>
+            <a:ext cx="885089" cy="307777"/>
+          </a:xfrm>
+          <a:prstGeom prst="rect">
+            <a:avLst/>
+          </a:prstGeom>
+          <a:noFill/>
+        </p:spPr>
+        <p:txBody>
+          <a:bodyPr wrap="square" rtlCol="0">
+            <a:spAutoFit/>
+          </a:bodyPr>
+          <a:lstStyle/>
+          <a:p>
+            <a:r>
+              <a:rPr lang="de-AT" sz="1400" dirty="0"/>
+              <a:t>Feature-F</a:t>
+            </a:r>
+          </a:p>
+        </p:txBody>
+      </p:sp>
+      <p:cxnSp>
+        <p:nvCxnSpPr>
+          <p:cNvPr id="258" name="Straight Arrow Connector 433">
+            <a:extLst>
+              <a:ext uri="{FF2B5EF4-FFF2-40B4-BE49-F238E27FC236}">
+                <a16:creationId xmlns:a16="http://schemas.microsoft.com/office/drawing/2014/main" id="{15CFA162-A8F2-44EC-AD06-9D6505FBECB8}"/>
+              </a:ext>
+            </a:extLst>
+          </p:cNvPr>
+          <p:cNvCxnSpPr>
+            <a:cxnSpLocks/>
+            <a:stCxn id="247" idx="4"/>
+            <a:endCxn id="266" idx="0"/>
+          </p:cNvCxnSpPr>
+          <p:nvPr/>
+        </p:nvCxnSpPr>
+        <p:spPr>
+          <a:xfrm flipH="1">
+            <a:off x="10487123" y="6703050"/>
+            <a:ext cx="30480" cy="364401"/>
+          </a:xfrm>
+          <a:prstGeom prst="straightConnector1">
+            <a:avLst/>
+          </a:prstGeom>
+          <a:ln>
+            <a:tailEnd type="triangle"/>
+          </a:ln>
+        </p:spPr>
+        <p:style>
+          <a:lnRef idx="2">
+            <a:schemeClr val="dk1"/>
+          </a:lnRef>
+          <a:fillRef idx="0">
+            <a:schemeClr val="dk1"/>
+          </a:fillRef>
+          <a:effectRef idx="1">
+            <a:schemeClr val="dk1"/>
+          </a:effectRef>
+          <a:fontRef idx="minor">
+            <a:schemeClr val="tx1"/>
+          </a:fontRef>
+        </p:style>
+      </p:cxnSp>
+      <p:sp>
+        <p:nvSpPr>
+          <p:cNvPr id="266" name="Oval 265">
+            <a:extLst>
+              <a:ext uri="{FF2B5EF4-FFF2-40B4-BE49-F238E27FC236}">
+                <a16:creationId xmlns:a16="http://schemas.microsoft.com/office/drawing/2014/main" id="{E7B41F67-6328-4B93-B901-44EE99986CF4}"/>
+              </a:ext>
+            </a:extLst>
+          </p:cNvPr>
+          <p:cNvSpPr/>
+          <p:nvPr/>
+        </p:nvSpPr>
+        <p:spPr>
+          <a:xfrm>
+            <a:off x="10394665" y="7067451"/>
+            <a:ext cx="184916" cy="168442"/>
+          </a:xfrm>
+          <a:prstGeom prst="ellipse">
+            <a:avLst/>
+          </a:prstGeom>
+          <a:solidFill>
+            <a:srgbClr val="FFC000"/>
+          </a:solidFill>
+        </p:spPr>
+        <p:style>
+          <a:lnRef idx="2">
+            <a:schemeClr val="accent1">
+              <a:shade val="50000"/>
+            </a:schemeClr>
+          </a:lnRef>
+          <a:fillRef idx="1">
+            <a:schemeClr val="accent1"/>
+          </a:fillRef>
+          <a:effectRef idx="0">
+            <a:schemeClr val="accent1"/>
+          </a:effectRef>
+          <a:fontRef idx="minor">
+            <a:schemeClr val="lt1"/>
+          </a:fontRef>
+        </p:style>
+        <p:txBody>
+          <a:bodyPr rtlCol="0" anchor="ctr"/>
+          <a:lstStyle/>
+          <a:p>
+            <a:pPr algn="ctr"/>
+            <a:endParaRPr lang="de-AT"/>
+          </a:p>
+        </p:txBody>
+      </p:sp>
+      <p:sp>
+        <p:nvSpPr>
+          <p:cNvPr id="269" name="TextBox 268">
+            <a:extLst>
+              <a:ext uri="{FF2B5EF4-FFF2-40B4-BE49-F238E27FC236}">
+                <a16:creationId xmlns:a16="http://schemas.microsoft.com/office/drawing/2014/main" id="{E8C12C1B-C96B-4DA1-9405-4DB5DD8BC661}"/>
+              </a:ext>
+            </a:extLst>
+          </p:cNvPr>
+          <p:cNvSpPr txBox="1"/>
+          <p:nvPr/>
+        </p:nvSpPr>
+        <p:spPr>
+          <a:xfrm>
+            <a:off x="10531957" y="7040648"/>
+            <a:ext cx="1797098" cy="276999"/>
+          </a:xfrm>
+          <a:prstGeom prst="rect">
+            <a:avLst/>
+          </a:prstGeom>
+          <a:noFill/>
+        </p:spPr>
+        <p:txBody>
+          <a:bodyPr wrap="square" rtlCol="0">
+            <a:spAutoFit/>
+          </a:bodyPr>
+          <a:lstStyle/>
+          <a:p>
+            <a:r>
+              <a:rPr lang="de-AT" sz="1200" dirty="0"/>
+              <a:t>prerelease/v2.1.0-alpha.1</a:t>
+            </a:r>
+          </a:p>
+        </p:txBody>
+      </p:sp>
+      <p:sp>
+        <p:nvSpPr>
+          <p:cNvPr id="270" name="Oval 35">
+            <a:extLst>
+              <a:ext uri="{FF2B5EF4-FFF2-40B4-BE49-F238E27FC236}">
+                <a16:creationId xmlns:a16="http://schemas.microsoft.com/office/drawing/2014/main" id="{6A6D220D-F1E8-4B0F-908C-5C9D81C53FA4}"/>
+              </a:ext>
+            </a:extLst>
+          </p:cNvPr>
+          <p:cNvSpPr/>
+          <p:nvPr/>
+        </p:nvSpPr>
+        <p:spPr>
+          <a:xfrm>
+            <a:off x="10394664" y="7478003"/>
+            <a:ext cx="184918" cy="163248"/>
+          </a:xfrm>
+          <a:prstGeom prst="ellipse">
+            <a:avLst/>
+          </a:prstGeom>
+          <a:solidFill>
+            <a:schemeClr val="accent2"/>
+          </a:solidFill>
+          <a:ln>
+            <a:solidFill>
+              <a:schemeClr val="accent6">
+                <a:lumMod val="40000"/>
+                <a:lumOff val="60000"/>
+              </a:schemeClr>
+            </a:solidFill>
+          </a:ln>
+        </p:spPr>
+        <p:style>
+          <a:lnRef idx="2">
+            <a:schemeClr val="accent1">
+              <a:shade val="50000"/>
+            </a:schemeClr>
+          </a:lnRef>
+          <a:fillRef idx="1">
+            <a:schemeClr val="accent1"/>
+          </a:fillRef>
+          <a:effectRef idx="0">
+            <a:schemeClr val="accent1"/>
+          </a:effectRef>
+          <a:fontRef idx="minor">
+            <a:schemeClr val="lt1"/>
+          </a:fontRef>
+        </p:style>
+        <p:txBody>
+          <a:bodyPr rtlCol="0" anchor="ctr"/>
+          <a:lstStyle/>
+          <a:p>
+            <a:pPr algn="ctr"/>
+            <a:endParaRPr lang="de-AT"/>
+          </a:p>
+        </p:txBody>
+      </p:sp>
+      <p:cxnSp>
+        <p:nvCxnSpPr>
+          <p:cNvPr id="272" name="Straight Arrow Connector 433">
+            <a:extLst>
+              <a:ext uri="{FF2B5EF4-FFF2-40B4-BE49-F238E27FC236}">
+                <a16:creationId xmlns:a16="http://schemas.microsoft.com/office/drawing/2014/main" id="{A46C77AF-A484-4C15-A19D-725CF061D78F}"/>
+              </a:ext>
+            </a:extLst>
+          </p:cNvPr>
+          <p:cNvCxnSpPr>
+            <a:cxnSpLocks/>
+            <a:stCxn id="266" idx="4"/>
+            <a:endCxn id="270" idx="0"/>
+          </p:cNvCxnSpPr>
+          <p:nvPr/>
+        </p:nvCxnSpPr>
+        <p:spPr>
+          <a:xfrm>
+            <a:off x="10487123" y="7235893"/>
+            <a:ext cx="0" cy="242110"/>
+          </a:xfrm>
+          <a:prstGeom prst="straightConnector1">
+            <a:avLst/>
+          </a:prstGeom>
+          <a:ln>
+            <a:tailEnd type="triangle"/>
+          </a:ln>
+        </p:spPr>
+        <p:style>
+          <a:lnRef idx="2">
+            <a:schemeClr val="dk1"/>
+          </a:lnRef>
+          <a:fillRef idx="0">
+            <a:schemeClr val="dk1"/>
+          </a:fillRef>
+          <a:effectRef idx="1">
+            <a:schemeClr val="dk1"/>
+          </a:effectRef>
+          <a:fontRef idx="minor">
+            <a:schemeClr val="tx1"/>
+          </a:fontRef>
+        </p:style>
+      </p:cxnSp>
+      <p:sp>
+        <p:nvSpPr>
+          <p:cNvPr id="277" name="TextBox 276">
+            <a:extLst>
+              <a:ext uri="{FF2B5EF4-FFF2-40B4-BE49-F238E27FC236}">
+                <a16:creationId xmlns:a16="http://schemas.microsoft.com/office/drawing/2014/main" id="{C3492DDB-CE17-40FA-BDF0-8514AAEA7AF8}"/>
+              </a:ext>
+            </a:extLst>
+          </p:cNvPr>
+          <p:cNvSpPr txBox="1"/>
+          <p:nvPr/>
+        </p:nvSpPr>
+        <p:spPr>
+          <a:xfrm>
+            <a:off x="10529566" y="7418080"/>
+            <a:ext cx="1270132" cy="307777"/>
+          </a:xfrm>
+          <a:prstGeom prst="rect">
+            <a:avLst/>
+          </a:prstGeom>
+          <a:noFill/>
+        </p:spPr>
+        <p:txBody>
+          <a:bodyPr wrap="square" rtlCol="0">
+            <a:spAutoFit/>
+          </a:bodyPr>
+          <a:lstStyle/>
+          <a:p>
+            <a:r>
+              <a:rPr lang="de-AT" sz="1400" dirty="0"/>
+              <a:t>Feature-G</a:t>
+            </a:r>
+          </a:p>
+        </p:txBody>
+      </p:sp>
+      <p:cxnSp>
+        <p:nvCxnSpPr>
+          <p:cNvPr id="281" name="Straight Arrow Connector 433">
+            <a:extLst>
+              <a:ext uri="{FF2B5EF4-FFF2-40B4-BE49-F238E27FC236}">
+                <a16:creationId xmlns:a16="http://schemas.microsoft.com/office/drawing/2014/main" id="{076C4DFD-089E-4888-9122-8C1B5E8A4C50}"/>
+              </a:ext>
+            </a:extLst>
+          </p:cNvPr>
+          <p:cNvCxnSpPr>
+            <a:cxnSpLocks/>
+            <a:stCxn id="270" idx="4"/>
+            <a:endCxn id="303" idx="0"/>
+          </p:cNvCxnSpPr>
+          <p:nvPr/>
+        </p:nvCxnSpPr>
+        <p:spPr>
+          <a:xfrm flipH="1">
+            <a:off x="10470664" y="7641251"/>
+            <a:ext cx="16459" cy="283293"/>
+          </a:xfrm>
+          <a:prstGeom prst="straightConnector1">
+            <a:avLst/>
+          </a:prstGeom>
+          <a:ln>
+            <a:tailEnd type="triangle"/>
+          </a:ln>
+        </p:spPr>
+        <p:style>
+          <a:lnRef idx="2">
+            <a:schemeClr val="dk1"/>
+          </a:lnRef>
+          <a:fillRef idx="0">
+            <a:schemeClr val="dk1"/>
+          </a:fillRef>
+          <a:effectRef idx="1">
+            <a:schemeClr val="dk1"/>
+          </a:effectRef>
+          <a:fontRef idx="minor">
+            <a:schemeClr val="tx1"/>
+          </a:fontRef>
+        </p:style>
+      </p:cxnSp>
+      <p:sp>
+        <p:nvSpPr>
+          <p:cNvPr id="303" name="Oval 302">
+            <a:extLst>
+              <a:ext uri="{FF2B5EF4-FFF2-40B4-BE49-F238E27FC236}">
+                <a16:creationId xmlns:a16="http://schemas.microsoft.com/office/drawing/2014/main" id="{F430C9EA-96F3-478E-8C18-A74EF1D1F46F}"/>
+              </a:ext>
+            </a:extLst>
+          </p:cNvPr>
+          <p:cNvSpPr/>
+          <p:nvPr/>
+        </p:nvSpPr>
+        <p:spPr>
+          <a:xfrm>
+            <a:off x="10378206" y="7924544"/>
+            <a:ext cx="184916" cy="168442"/>
+          </a:xfrm>
+          <a:prstGeom prst="ellipse">
+            <a:avLst/>
+          </a:prstGeom>
+          <a:solidFill>
+            <a:srgbClr val="FFC000"/>
+          </a:solidFill>
+        </p:spPr>
+        <p:style>
+          <a:lnRef idx="2">
+            <a:schemeClr val="accent1">
+              <a:shade val="50000"/>
+            </a:schemeClr>
+          </a:lnRef>
+          <a:fillRef idx="1">
+            <a:schemeClr val="accent1"/>
+          </a:fillRef>
+          <a:effectRef idx="0">
+            <a:schemeClr val="accent1"/>
+          </a:effectRef>
+          <a:fontRef idx="minor">
+            <a:schemeClr val="lt1"/>
+          </a:fontRef>
+        </p:style>
+        <p:txBody>
+          <a:bodyPr rtlCol="0" anchor="ctr"/>
+          <a:lstStyle/>
+          <a:p>
+            <a:pPr algn="ctr"/>
+            <a:endParaRPr lang="de-AT"/>
+          </a:p>
+        </p:txBody>
+      </p:sp>
+      <p:sp>
+        <p:nvSpPr>
+          <p:cNvPr id="304" name="TextBox 303">
+            <a:extLst>
+              <a:ext uri="{FF2B5EF4-FFF2-40B4-BE49-F238E27FC236}">
+                <a16:creationId xmlns:a16="http://schemas.microsoft.com/office/drawing/2014/main" id="{6060CF17-1DB9-4F5A-A86E-C467B08F5594}"/>
+              </a:ext>
+            </a:extLst>
+          </p:cNvPr>
+          <p:cNvSpPr txBox="1"/>
+          <p:nvPr/>
+        </p:nvSpPr>
+        <p:spPr>
+          <a:xfrm>
+            <a:off x="10521623" y="7771437"/>
+            <a:ext cx="1797098" cy="276999"/>
+          </a:xfrm>
+          <a:prstGeom prst="rect">
+            <a:avLst/>
+          </a:prstGeom>
+          <a:noFill/>
+        </p:spPr>
+        <p:txBody>
+          <a:bodyPr wrap="square" rtlCol="0">
+            <a:spAutoFit/>
+          </a:bodyPr>
+          <a:lstStyle/>
+          <a:p>
+            <a:r>
+              <a:rPr lang="de-AT" sz="1200" dirty="0"/>
+              <a:t>prerelease/v2.1.0-alpha.2</a:t>
+            </a:r>
+          </a:p>
+        </p:txBody>
+      </p:sp>
+      <p:cxnSp>
+        <p:nvCxnSpPr>
+          <p:cNvPr id="307" name="Straight Arrow Connector 306">
+            <a:extLst>
+              <a:ext uri="{FF2B5EF4-FFF2-40B4-BE49-F238E27FC236}">
+                <a16:creationId xmlns:a16="http://schemas.microsoft.com/office/drawing/2014/main" id="{03887813-78F8-4D2F-A526-C07986AD4BF1}"/>
+              </a:ext>
+            </a:extLst>
+          </p:cNvPr>
+          <p:cNvCxnSpPr>
+            <a:cxnSpLocks/>
+            <a:stCxn id="229" idx="5"/>
+            <a:endCxn id="308" idx="1"/>
+          </p:cNvCxnSpPr>
+          <p:nvPr/>
+        </p:nvCxnSpPr>
+        <p:spPr>
+          <a:xfrm>
+            <a:off x="13418907" y="5268946"/>
+            <a:ext cx="255359" cy="74226"/>
+          </a:xfrm>
+          <a:prstGeom prst="straightConnector1">
+            <a:avLst/>
+          </a:prstGeom>
+          <a:ln>
+            <a:tailEnd type="triangle"/>
+          </a:ln>
+        </p:spPr>
+        <p:style>
+          <a:lnRef idx="2">
+            <a:schemeClr val="dk1"/>
+          </a:lnRef>
+          <a:fillRef idx="0">
+            <a:schemeClr val="dk1"/>
+          </a:fillRef>
+          <a:effectRef idx="1">
+            <a:schemeClr val="dk1"/>
+          </a:effectRef>
+          <a:fontRef idx="minor">
+            <a:schemeClr val="tx1"/>
+          </a:fontRef>
+        </p:style>
+      </p:cxnSp>
+      <p:sp>
+        <p:nvSpPr>
+          <p:cNvPr id="308" name="Oval 307">
+            <a:extLst>
+              <a:ext uri="{FF2B5EF4-FFF2-40B4-BE49-F238E27FC236}">
+                <a16:creationId xmlns:a16="http://schemas.microsoft.com/office/drawing/2014/main" id="{E094AE19-5C60-44EA-AC60-4C9267D0B346}"/>
+              </a:ext>
+            </a:extLst>
+          </p:cNvPr>
+          <p:cNvSpPr/>
+          <p:nvPr/>
+        </p:nvSpPr>
+        <p:spPr>
+          <a:xfrm>
+            <a:off x="13647186" y="5318504"/>
+            <a:ext cx="184916" cy="168442"/>
+          </a:xfrm>
+          <a:prstGeom prst="ellipse">
+            <a:avLst/>
+          </a:prstGeom>
+          <a:solidFill>
+            <a:srgbClr val="FFC000"/>
+          </a:solidFill>
+        </p:spPr>
+        <p:style>
+          <a:lnRef idx="2">
+            <a:schemeClr val="accent1">
+              <a:shade val="50000"/>
+            </a:schemeClr>
+          </a:lnRef>
+          <a:fillRef idx="1">
+            <a:schemeClr val="accent1"/>
+          </a:fillRef>
+          <a:effectRef idx="0">
+            <a:schemeClr val="accent1"/>
+          </a:effectRef>
+          <a:fontRef idx="minor">
+            <a:schemeClr val="lt1"/>
+          </a:fontRef>
+        </p:style>
+        <p:txBody>
+          <a:bodyPr rtlCol="0" anchor="ctr"/>
+          <a:lstStyle/>
+          <a:p>
+            <a:pPr algn="ctr"/>
+            <a:endParaRPr lang="de-AT"/>
+          </a:p>
+        </p:txBody>
+      </p:sp>
+      <p:sp>
+        <p:nvSpPr>
+          <p:cNvPr id="309" name="TextBox 308">
+            <a:extLst>
+              <a:ext uri="{FF2B5EF4-FFF2-40B4-BE49-F238E27FC236}">
+                <a16:creationId xmlns:a16="http://schemas.microsoft.com/office/drawing/2014/main" id="{97E91F9D-CE2D-49D2-BBE0-7FD3FA07AAE3}"/>
+              </a:ext>
+            </a:extLst>
+          </p:cNvPr>
+          <p:cNvSpPr txBox="1"/>
+          <p:nvPr/>
+        </p:nvSpPr>
+        <p:spPr>
+          <a:xfrm>
+            <a:off x="13826715" y="5089197"/>
+            <a:ext cx="1797098" cy="276999"/>
+          </a:xfrm>
+          <a:prstGeom prst="rect">
+            <a:avLst/>
+          </a:prstGeom>
+          <a:noFill/>
+        </p:spPr>
+        <p:txBody>
+          <a:bodyPr wrap="square" rtlCol="0">
+            <a:spAutoFit/>
+          </a:bodyPr>
+          <a:lstStyle/>
+          <a:p>
+            <a:r>
+              <a:rPr lang="de-AT" sz="1200" dirty="0"/>
+              <a:t>release/v2.0.1-rc.1</a:t>
+            </a:r>
+          </a:p>
+        </p:txBody>
+      </p:sp>
+      <p:cxnSp>
+        <p:nvCxnSpPr>
+          <p:cNvPr id="310" name="Straight Arrow Connector 309">
+            <a:extLst>
+              <a:ext uri="{FF2B5EF4-FFF2-40B4-BE49-F238E27FC236}">
+                <a16:creationId xmlns:a16="http://schemas.microsoft.com/office/drawing/2014/main" id="{E41247FA-3F6C-4F6D-AC70-7D1FB7C511ED}"/>
+              </a:ext>
+            </a:extLst>
+          </p:cNvPr>
+          <p:cNvCxnSpPr>
+            <a:cxnSpLocks/>
+            <a:stCxn id="64" idx="3"/>
+            <a:endCxn id="236" idx="6"/>
+          </p:cNvCxnSpPr>
+          <p:nvPr/>
+        </p:nvCxnSpPr>
+        <p:spPr>
+          <a:xfrm flipH="1">
+            <a:off x="12584928" y="5646570"/>
+            <a:ext cx="3065966" cy="321021"/>
+          </a:xfrm>
+          <a:prstGeom prst="straightConnector1">
+            <a:avLst/>
+          </a:prstGeom>
+          <a:ln>
+            <a:tailEnd type="triangle"/>
+          </a:ln>
+        </p:spPr>
+        <p:style>
+          <a:lnRef idx="2">
+            <a:schemeClr val="dk1"/>
+          </a:lnRef>
+          <a:fillRef idx="0">
+            <a:schemeClr val="dk1"/>
+          </a:fillRef>
+          <a:effectRef idx="1">
+            <a:schemeClr val="dk1"/>
+          </a:effectRef>
+          <a:fontRef idx="minor">
+            <a:schemeClr val="tx1"/>
+          </a:fontRef>
+        </p:style>
+      </p:cxnSp>
+      <p:cxnSp>
+        <p:nvCxnSpPr>
+          <p:cNvPr id="54" name="Straight Connector 53">
+            <a:extLst>
+              <a:ext uri="{FF2B5EF4-FFF2-40B4-BE49-F238E27FC236}">
+                <a16:creationId xmlns:a16="http://schemas.microsoft.com/office/drawing/2014/main" id="{F1E590DC-A88F-4E5E-82A3-9FD22A5D1E71}"/>
+              </a:ext>
+            </a:extLst>
+          </p:cNvPr>
+          <p:cNvCxnSpPr/>
+          <p:nvPr/>
+        </p:nvCxnSpPr>
+        <p:spPr>
+          <a:xfrm flipV="1">
+            <a:off x="13057861" y="6757895"/>
+            <a:ext cx="2148840" cy="236220"/>
+          </a:xfrm>
+          <a:prstGeom prst="line">
+            <a:avLst/>
+          </a:prstGeom>
+          <a:ln w="38100">
+            <a:solidFill>
+              <a:srgbClr val="FF0000"/>
+            </a:solidFill>
+          </a:ln>
+        </p:spPr>
+        <p:style>
+          <a:lnRef idx="1">
+            <a:schemeClr val="accent1"/>
+          </a:lnRef>
+          <a:fillRef idx="0">
+            <a:schemeClr val="accent1"/>
+          </a:fillRef>
+          <a:effectRef idx="0">
+            <a:schemeClr val="accent1"/>
+          </a:effectRef>
+          <a:fontRef idx="minor">
+            <a:schemeClr val="tx1"/>
+          </a:fontRef>
+        </p:style>
+      </p:cxnSp>
+      <p:cxnSp>
+        <p:nvCxnSpPr>
+          <p:cNvPr id="311" name="Straight Arrow Connector 310">
+            <a:extLst>
+              <a:ext uri="{FF2B5EF4-FFF2-40B4-BE49-F238E27FC236}">
+                <a16:creationId xmlns:a16="http://schemas.microsoft.com/office/drawing/2014/main" id="{166E22EE-43E0-41C9-817D-5C257E9B1712}"/>
+              </a:ext>
+            </a:extLst>
+          </p:cNvPr>
+          <p:cNvCxnSpPr>
+            <a:cxnSpLocks/>
+            <a:stCxn id="303" idx="4"/>
+            <a:endCxn id="314" idx="1"/>
+          </p:cNvCxnSpPr>
+          <p:nvPr/>
+        </p:nvCxnSpPr>
+        <p:spPr>
+          <a:xfrm>
+            <a:off x="10470664" y="8092986"/>
+            <a:ext cx="79402" cy="237226"/>
+          </a:xfrm>
+          <a:prstGeom prst="straightConnector1">
+            <a:avLst/>
+          </a:prstGeom>
+          <a:ln>
+            <a:tailEnd type="triangle"/>
+          </a:ln>
+        </p:spPr>
+        <p:style>
+          <a:lnRef idx="2">
+            <a:schemeClr val="dk1"/>
+          </a:lnRef>
+          <a:fillRef idx="0">
+            <a:schemeClr val="dk1"/>
+          </a:fillRef>
+          <a:effectRef idx="1">
+            <a:schemeClr val="dk1"/>
+          </a:effectRef>
+          <a:fontRef idx="minor">
+            <a:schemeClr val="tx1"/>
+          </a:fontRef>
+        </p:style>
+      </p:cxnSp>
+      <p:sp>
+        <p:nvSpPr>
+          <p:cNvPr id="314" name="Oval 313">
+            <a:extLst>
+              <a:ext uri="{FF2B5EF4-FFF2-40B4-BE49-F238E27FC236}">
+                <a16:creationId xmlns:a16="http://schemas.microsoft.com/office/drawing/2014/main" id="{178B4EA6-09F8-4EC1-B4FA-B14BEBDD9029}"/>
+              </a:ext>
+            </a:extLst>
+          </p:cNvPr>
+          <p:cNvSpPr/>
+          <p:nvPr/>
+        </p:nvSpPr>
+        <p:spPr>
+          <a:xfrm>
+            <a:off x="10522986" y="8305544"/>
+            <a:ext cx="184916" cy="168442"/>
+          </a:xfrm>
+          <a:prstGeom prst="ellipse">
+            <a:avLst/>
+          </a:prstGeom>
+          <a:solidFill>
+            <a:srgbClr val="FFC000"/>
+          </a:solidFill>
+        </p:spPr>
+        <p:style>
+          <a:lnRef idx="2">
+            <a:schemeClr val="accent1">
+              <a:shade val="50000"/>
+            </a:schemeClr>
+          </a:lnRef>
+          <a:fillRef idx="1">
+            <a:schemeClr val="accent1"/>
+          </a:fillRef>
+          <a:effectRef idx="0">
+            <a:schemeClr val="accent1"/>
+          </a:effectRef>
+          <a:fontRef idx="minor">
+            <a:schemeClr val="lt1"/>
+          </a:fontRef>
+        </p:style>
+        <p:txBody>
+          <a:bodyPr rtlCol="0" anchor="ctr"/>
+          <a:lstStyle/>
+          <a:p>
+            <a:pPr algn="ctr"/>
+            <a:endParaRPr lang="de-AT"/>
+          </a:p>
+        </p:txBody>
+      </p:sp>
+      <p:sp>
+        <p:nvSpPr>
+          <p:cNvPr id="315" name="TextBox 314">
+            <a:extLst>
+              <a:ext uri="{FF2B5EF4-FFF2-40B4-BE49-F238E27FC236}">
+                <a16:creationId xmlns:a16="http://schemas.microsoft.com/office/drawing/2014/main" id="{2A31EBC7-E6A2-42E1-B973-1131608EA5D9}"/>
+              </a:ext>
+            </a:extLst>
+          </p:cNvPr>
+          <p:cNvSpPr txBox="1"/>
+          <p:nvPr/>
+        </p:nvSpPr>
+        <p:spPr>
+          <a:xfrm>
+            <a:off x="10687275" y="8243877"/>
+            <a:ext cx="1797098" cy="276999"/>
+          </a:xfrm>
+          <a:prstGeom prst="rect">
+            <a:avLst/>
+          </a:prstGeom>
+          <a:noFill/>
+        </p:spPr>
+        <p:txBody>
+          <a:bodyPr wrap="square" rtlCol="0">
+            <a:spAutoFit/>
+          </a:bodyPr>
+          <a:lstStyle/>
+          <a:p>
+            <a:r>
+              <a:rPr lang="de-AT" sz="1200" dirty="0"/>
+              <a:t>release/v2.1.0-rc.1</a:t>
+            </a:r>
+          </a:p>
+        </p:txBody>
+      </p:sp>
+      <p:cxnSp>
+        <p:nvCxnSpPr>
+          <p:cNvPr id="317" name="Straight Arrow Connector 316">
+            <a:extLst>
+              <a:ext uri="{FF2B5EF4-FFF2-40B4-BE49-F238E27FC236}">
+                <a16:creationId xmlns:a16="http://schemas.microsoft.com/office/drawing/2014/main" id="{DB0BF476-F9A7-4844-9770-7F5737FC17D3}"/>
+              </a:ext>
+            </a:extLst>
+          </p:cNvPr>
+          <p:cNvCxnSpPr>
+            <a:cxnSpLocks/>
+            <a:stCxn id="319" idx="4"/>
+            <a:endCxn id="326" idx="0"/>
+          </p:cNvCxnSpPr>
+          <p:nvPr/>
+        </p:nvCxnSpPr>
+        <p:spPr>
+          <a:xfrm>
+            <a:off x="15732531" y="7822899"/>
+            <a:ext cx="0" cy="1262708"/>
+          </a:xfrm>
+          <a:prstGeom prst="straightConnector1">
+            <a:avLst/>
+          </a:prstGeom>
+          <a:ln>
+            <a:tailEnd type="triangle"/>
+          </a:ln>
+        </p:spPr>
+        <p:style>
+          <a:lnRef idx="2">
+            <a:schemeClr val="dk1"/>
+          </a:lnRef>
+          <a:fillRef idx="0">
+            <a:schemeClr val="dk1"/>
+          </a:fillRef>
+          <a:effectRef idx="1">
+            <a:schemeClr val="dk1"/>
+          </a:effectRef>
+          <a:fontRef idx="minor">
+            <a:schemeClr val="tx1"/>
+          </a:fontRef>
+        </p:style>
+      </p:cxnSp>
+      <p:cxnSp>
+        <p:nvCxnSpPr>
+          <p:cNvPr id="318" name="Straight Arrow Connector 317">
+            <a:extLst>
+              <a:ext uri="{FF2B5EF4-FFF2-40B4-BE49-F238E27FC236}">
+                <a16:creationId xmlns:a16="http://schemas.microsoft.com/office/drawing/2014/main" id="{869C3267-3DF4-4710-9A0E-0A395E70DC2D}"/>
+              </a:ext>
+            </a:extLst>
+          </p:cNvPr>
+          <p:cNvCxnSpPr>
+            <a:cxnSpLocks/>
+            <a:stCxn id="64" idx="4"/>
+            <a:endCxn id="319" idx="0"/>
+          </p:cNvCxnSpPr>
+          <p:nvPr/>
+        </p:nvCxnSpPr>
+        <p:spPr>
+          <a:xfrm>
+            <a:off x="15716272" y="5670477"/>
+            <a:ext cx="16259" cy="1989174"/>
+          </a:xfrm>
+          <a:prstGeom prst="straightConnector1">
+            <a:avLst/>
+          </a:prstGeom>
+          <a:ln>
+            <a:tailEnd type="triangle"/>
+          </a:ln>
+        </p:spPr>
+        <p:style>
+          <a:lnRef idx="2">
+            <a:schemeClr val="dk1"/>
+          </a:lnRef>
+          <a:fillRef idx="0">
+            <a:schemeClr val="dk1"/>
+          </a:fillRef>
+          <a:effectRef idx="1">
+            <a:schemeClr val="dk1"/>
+          </a:effectRef>
+          <a:fontRef idx="minor">
+            <a:schemeClr val="tx1"/>
+          </a:fontRef>
+        </p:style>
+      </p:cxnSp>
+      <p:sp>
+        <p:nvSpPr>
+          <p:cNvPr id="319" name="Oval 318">
+            <a:extLst>
+              <a:ext uri="{FF2B5EF4-FFF2-40B4-BE49-F238E27FC236}">
+                <a16:creationId xmlns:a16="http://schemas.microsoft.com/office/drawing/2014/main" id="{65DC30CA-9933-41BA-B618-524D5ED1C005}"/>
+              </a:ext>
+            </a:extLst>
+          </p:cNvPr>
+          <p:cNvSpPr/>
+          <p:nvPr/>
+        </p:nvSpPr>
+        <p:spPr>
+          <a:xfrm>
+            <a:off x="15640072" y="7659651"/>
+            <a:ext cx="184918" cy="163248"/>
+          </a:xfrm>
+          <a:prstGeom prst="ellipse">
+            <a:avLst/>
+          </a:prstGeom>
+          <a:solidFill>
+            <a:schemeClr val="bg1"/>
+          </a:solidFill>
+          <a:ln>
+            <a:solidFill>
+              <a:schemeClr val="accent6">
+                <a:lumMod val="40000"/>
+                <a:lumOff val="60000"/>
+              </a:schemeClr>
+            </a:solidFill>
+          </a:ln>
+        </p:spPr>
+        <p:style>
+          <a:lnRef idx="2">
+            <a:schemeClr val="accent1">
+              <a:shade val="50000"/>
+            </a:schemeClr>
+          </a:lnRef>
+          <a:fillRef idx="1">
+            <a:schemeClr val="accent1"/>
+          </a:fillRef>
+          <a:effectRef idx="0">
+            <a:schemeClr val="accent1"/>
+          </a:effectRef>
+          <a:fontRef idx="minor">
+            <a:schemeClr val="lt1"/>
+          </a:fontRef>
+        </p:style>
+        <p:txBody>
+          <a:bodyPr rtlCol="0" anchor="ctr"/>
+          <a:lstStyle/>
+          <a:p>
+            <a:pPr algn="ctr"/>
+            <a:endParaRPr lang="de-AT"/>
+          </a:p>
+        </p:txBody>
+      </p:sp>
+      <p:cxnSp>
+        <p:nvCxnSpPr>
+          <p:cNvPr id="322" name="Straight Arrow Connector 321">
+            <a:extLst>
+              <a:ext uri="{FF2B5EF4-FFF2-40B4-BE49-F238E27FC236}">
+                <a16:creationId xmlns:a16="http://schemas.microsoft.com/office/drawing/2014/main" id="{F1AFC617-46E9-4A39-9497-5B28F6FA47E0}"/>
+              </a:ext>
+            </a:extLst>
+          </p:cNvPr>
+          <p:cNvCxnSpPr>
+            <a:stCxn id="319" idx="3"/>
+            <a:endCxn id="323" idx="6"/>
+          </p:cNvCxnSpPr>
+          <p:nvPr/>
+        </p:nvCxnSpPr>
+        <p:spPr>
+          <a:xfrm flipH="1">
+            <a:off x="14238468" y="7798992"/>
+            <a:ext cx="1428685" cy="286867"/>
+          </a:xfrm>
+          <a:prstGeom prst="straightConnector1">
+            <a:avLst/>
+          </a:prstGeom>
+          <a:ln>
+            <a:tailEnd type="triangle"/>
+          </a:ln>
+        </p:spPr>
+        <p:style>
+          <a:lnRef idx="2">
+            <a:schemeClr val="dk1"/>
+          </a:lnRef>
+          <a:fillRef idx="0">
+            <a:schemeClr val="dk1"/>
+          </a:fillRef>
+          <a:effectRef idx="1">
+            <a:schemeClr val="dk1"/>
+          </a:effectRef>
+          <a:fontRef idx="minor">
+            <a:schemeClr val="tx1"/>
+          </a:fontRef>
+        </p:style>
+      </p:cxnSp>
+      <p:sp>
+        <p:nvSpPr>
+          <p:cNvPr id="323" name="Oval 322">
+            <a:extLst>
+              <a:ext uri="{FF2B5EF4-FFF2-40B4-BE49-F238E27FC236}">
+                <a16:creationId xmlns:a16="http://schemas.microsoft.com/office/drawing/2014/main" id="{62B88A4A-9903-444D-A52D-0AD352039B00}"/>
+              </a:ext>
+            </a:extLst>
+          </p:cNvPr>
+          <p:cNvSpPr/>
+          <p:nvPr/>
+        </p:nvSpPr>
+        <p:spPr>
+          <a:xfrm>
+            <a:off x="14053550" y="8004235"/>
+            <a:ext cx="184918" cy="163248"/>
+          </a:xfrm>
+          <a:prstGeom prst="ellipse">
+            <a:avLst/>
+          </a:prstGeom>
+          <a:solidFill>
+            <a:schemeClr val="bg1"/>
+          </a:solidFill>
+          <a:ln>
+            <a:solidFill>
+              <a:srgbClr val="ED7D31"/>
+            </a:solidFill>
+          </a:ln>
+        </p:spPr>
+        <p:style>
+          <a:lnRef idx="2">
+            <a:schemeClr val="accent1">
+              <a:shade val="50000"/>
+            </a:schemeClr>
+          </a:lnRef>
+          <a:fillRef idx="1">
+            <a:schemeClr val="accent1"/>
+          </a:fillRef>
+          <a:effectRef idx="0">
+            <a:schemeClr val="accent1"/>
+          </a:effectRef>
+          <a:fontRef idx="minor">
+            <a:schemeClr val="lt1"/>
+          </a:fontRef>
+        </p:style>
+        <p:txBody>
+          <a:bodyPr rtlCol="0" anchor="ctr"/>
+          <a:lstStyle/>
+          <a:p>
+            <a:pPr algn="ctr"/>
+            <a:endParaRPr lang="de-AT"/>
+          </a:p>
+        </p:txBody>
+      </p:sp>
+      <p:sp>
+        <p:nvSpPr>
+          <p:cNvPr id="324" name="TextBox 323">
+            <a:extLst>
+              <a:ext uri="{FF2B5EF4-FFF2-40B4-BE49-F238E27FC236}">
+                <a16:creationId xmlns:a16="http://schemas.microsoft.com/office/drawing/2014/main" id="{0EA723D6-22E3-4BDF-9178-FB8BF12EAC93}"/>
+              </a:ext>
+            </a:extLst>
+          </p:cNvPr>
+          <p:cNvSpPr txBox="1"/>
+          <p:nvPr/>
+        </p:nvSpPr>
+        <p:spPr>
+          <a:xfrm>
+            <a:off x="13492360" y="7749537"/>
+            <a:ext cx="1236158" cy="307777"/>
+          </a:xfrm>
+          <a:prstGeom prst="rect">
+            <a:avLst/>
+          </a:prstGeom>
+          <a:noFill/>
+        </p:spPr>
+        <p:txBody>
+          <a:bodyPr wrap="square" rtlCol="0">
+            <a:spAutoFit/>
+          </a:bodyPr>
+          <a:lstStyle/>
+          <a:p>
+            <a:r>
+              <a:rPr lang="de-AT" sz="1400" dirty="0" err="1"/>
+              <a:t>hotfix</a:t>
+            </a:r>
+            <a:r>
+              <a:rPr lang="de-AT" sz="1400" dirty="0"/>
+              <a:t>/v2.0.2</a:t>
+            </a:r>
+          </a:p>
+        </p:txBody>
+      </p:sp>
+      <p:sp>
+        <p:nvSpPr>
+          <p:cNvPr id="325" name="Rectangular Callout 58">
+            <a:extLst>
+              <a:ext uri="{FF2B5EF4-FFF2-40B4-BE49-F238E27FC236}">
+                <a16:creationId xmlns:a16="http://schemas.microsoft.com/office/drawing/2014/main" id="{85556805-832D-4A52-A4A6-AD934B584102}"/>
+              </a:ext>
+            </a:extLst>
+          </p:cNvPr>
+          <p:cNvSpPr/>
+          <p:nvPr/>
+        </p:nvSpPr>
+        <p:spPr>
+          <a:xfrm>
+            <a:off x="15886830" y="8666765"/>
+            <a:ext cx="725532" cy="299530"/>
+          </a:xfrm>
+          <a:prstGeom prst="wedgeRectCallout">
+            <a:avLst>
+              <a:gd name="adj1" fmla="val -53759"/>
+              <a:gd name="adj2" fmla="val 93627"/>
+            </a:avLst>
+          </a:prstGeom>
+        </p:spPr>
+        <p:style>
+          <a:lnRef idx="2">
+            <a:schemeClr val="dk1"/>
+          </a:lnRef>
+          <a:fillRef idx="1">
+            <a:schemeClr val="lt1"/>
+          </a:fillRef>
+          <a:effectRef idx="0">
+            <a:schemeClr val="dk1"/>
+          </a:effectRef>
+          <a:fontRef idx="minor">
+            <a:schemeClr val="dk1"/>
+          </a:fontRef>
+        </p:style>
+        <p:txBody>
+          <a:bodyPr rtlCol="0" anchor="ctr"/>
+          <a:lstStyle/>
+          <a:p>
+            <a:pPr algn="ctr"/>
+            <a:r>
+              <a:rPr lang="de-AT" sz="1400" dirty="0">
+                <a:solidFill>
+                  <a:schemeClr val="tx1"/>
+                </a:solidFill>
+              </a:rPr>
+              <a:t>v2.0.2</a:t>
+            </a:r>
+            <a:endParaRPr lang="de-AT" sz="1100" dirty="0">
+              <a:solidFill>
+                <a:schemeClr val="tx1"/>
+              </a:solidFill>
+            </a:endParaRPr>
+          </a:p>
+        </p:txBody>
+      </p:sp>
+      <p:sp>
+        <p:nvSpPr>
+          <p:cNvPr id="326" name="Oval 325">
+            <a:extLst>
+              <a:ext uri="{FF2B5EF4-FFF2-40B4-BE49-F238E27FC236}">
+                <a16:creationId xmlns:a16="http://schemas.microsoft.com/office/drawing/2014/main" id="{AAF1F172-128F-4F59-A1C3-5866D37D9EC1}"/>
+              </a:ext>
+            </a:extLst>
+          </p:cNvPr>
+          <p:cNvSpPr/>
+          <p:nvPr/>
+        </p:nvSpPr>
+        <p:spPr>
+          <a:xfrm>
+            <a:off x="15640072" y="9085607"/>
+            <a:ext cx="184918" cy="163248"/>
+          </a:xfrm>
+          <a:prstGeom prst="ellipse">
+            <a:avLst/>
+          </a:prstGeom>
+          <a:solidFill>
+            <a:schemeClr val="accent6">
+              <a:lumMod val="40000"/>
+              <a:lumOff val="60000"/>
+            </a:schemeClr>
+          </a:solidFill>
+          <a:ln>
+            <a:solidFill>
+              <a:schemeClr val="accent6">
+                <a:lumMod val="40000"/>
+                <a:lumOff val="60000"/>
+              </a:schemeClr>
+            </a:solidFill>
+          </a:ln>
+        </p:spPr>
+        <p:style>
+          <a:lnRef idx="2">
+            <a:schemeClr val="accent1">
+              <a:shade val="50000"/>
+            </a:schemeClr>
+          </a:lnRef>
+          <a:fillRef idx="1">
+            <a:schemeClr val="accent1"/>
+          </a:fillRef>
+          <a:effectRef idx="0">
+            <a:schemeClr val="accent1"/>
+          </a:effectRef>
+          <a:fontRef idx="minor">
+            <a:schemeClr val="lt1"/>
+          </a:fontRef>
+        </p:style>
+        <p:txBody>
+          <a:bodyPr rtlCol="0" anchor="ctr"/>
+          <a:lstStyle/>
+          <a:p>
+            <a:pPr algn="ctr"/>
+            <a:endParaRPr lang="de-AT"/>
+          </a:p>
+        </p:txBody>
+      </p:sp>
+      <p:sp>
+        <p:nvSpPr>
+          <p:cNvPr id="327" name="Oval 35">
+            <a:extLst>
+              <a:ext uri="{FF2B5EF4-FFF2-40B4-BE49-F238E27FC236}">
+                <a16:creationId xmlns:a16="http://schemas.microsoft.com/office/drawing/2014/main" id="{FAC0EF2A-34D0-45A1-8CA9-EBE09A770BC2}"/>
+              </a:ext>
+            </a:extLst>
+          </p:cNvPr>
+          <p:cNvSpPr/>
+          <p:nvPr/>
+        </p:nvSpPr>
+        <p:spPr>
+          <a:xfrm>
+            <a:off x="14053550" y="8404926"/>
+            <a:ext cx="184918" cy="163248"/>
+          </a:xfrm>
+          <a:prstGeom prst="ellipse">
+            <a:avLst/>
+          </a:prstGeom>
+          <a:solidFill>
+            <a:schemeClr val="accent2"/>
+          </a:solidFill>
+          <a:ln>
+            <a:solidFill>
+              <a:schemeClr val="accent6">
+                <a:lumMod val="40000"/>
+                <a:lumOff val="60000"/>
+              </a:schemeClr>
+            </a:solidFill>
+          </a:ln>
+        </p:spPr>
+        <p:style>
+          <a:lnRef idx="2">
+            <a:schemeClr val="accent1">
+              <a:shade val="50000"/>
+            </a:schemeClr>
+          </a:lnRef>
+          <a:fillRef idx="1">
+            <a:schemeClr val="accent1"/>
+          </a:fillRef>
+          <a:effectRef idx="0">
+            <a:schemeClr val="accent1"/>
+          </a:effectRef>
+          <a:fontRef idx="minor">
+            <a:schemeClr val="lt1"/>
+          </a:fontRef>
+        </p:style>
+        <p:txBody>
+          <a:bodyPr rtlCol="0" anchor="ctr"/>
+          <a:lstStyle/>
+          <a:p>
+            <a:pPr algn="ctr"/>
+            <a:endParaRPr lang="de-AT"/>
+          </a:p>
+        </p:txBody>
+      </p:sp>
+      <p:cxnSp>
+        <p:nvCxnSpPr>
+          <p:cNvPr id="328" name="Straight Arrow Connector 433">
+            <a:extLst>
+              <a:ext uri="{FF2B5EF4-FFF2-40B4-BE49-F238E27FC236}">
+                <a16:creationId xmlns:a16="http://schemas.microsoft.com/office/drawing/2014/main" id="{3B6361CF-7DB1-49B1-B486-DA4C74C11377}"/>
+              </a:ext>
+            </a:extLst>
+          </p:cNvPr>
+          <p:cNvCxnSpPr>
+            <a:stCxn id="323" idx="4"/>
+            <a:endCxn id="327" idx="0"/>
+          </p:cNvCxnSpPr>
+          <p:nvPr/>
+        </p:nvCxnSpPr>
+        <p:spPr>
+          <a:xfrm>
+            <a:off x="14146009" y="8167483"/>
+            <a:ext cx="0" cy="237443"/>
+          </a:xfrm>
+          <a:prstGeom prst="straightConnector1">
+            <a:avLst/>
+          </a:prstGeom>
+          <a:ln>
+            <a:tailEnd type="triangle"/>
+          </a:ln>
+        </p:spPr>
+        <p:style>
+          <a:lnRef idx="2">
+            <a:schemeClr val="dk1"/>
+          </a:lnRef>
+          <a:fillRef idx="0">
+            <a:schemeClr val="dk1"/>
+          </a:fillRef>
+          <a:effectRef idx="1">
+            <a:schemeClr val="dk1"/>
+          </a:effectRef>
+          <a:fontRef idx="minor">
+            <a:schemeClr val="tx1"/>
+          </a:fontRef>
+        </p:style>
+      </p:cxnSp>
+      <p:cxnSp>
+        <p:nvCxnSpPr>
+          <p:cNvPr id="329" name="Straight Arrow Connector 438">
+            <a:extLst>
+              <a:ext uri="{FF2B5EF4-FFF2-40B4-BE49-F238E27FC236}">
+                <a16:creationId xmlns:a16="http://schemas.microsoft.com/office/drawing/2014/main" id="{01F6095B-3DEF-459E-9208-79F55C6273D6}"/>
+              </a:ext>
+            </a:extLst>
+          </p:cNvPr>
+          <p:cNvCxnSpPr>
+            <a:cxnSpLocks/>
+            <a:stCxn id="333" idx="6"/>
+            <a:endCxn id="326" idx="2"/>
+          </p:cNvCxnSpPr>
+          <p:nvPr/>
+        </p:nvCxnSpPr>
+        <p:spPr>
+          <a:xfrm>
+            <a:off x="14441702" y="8925179"/>
+            <a:ext cx="1198370" cy="242052"/>
+          </a:xfrm>
+          <a:prstGeom prst="straightConnector1">
+            <a:avLst/>
+          </a:prstGeom>
+          <a:ln>
+            <a:tailEnd type="triangle"/>
+          </a:ln>
+        </p:spPr>
+        <p:style>
+          <a:lnRef idx="2">
+            <a:schemeClr val="dk1"/>
+          </a:lnRef>
+          <a:fillRef idx="0">
+            <a:schemeClr val="dk1"/>
+          </a:fillRef>
+          <a:effectRef idx="1">
+            <a:schemeClr val="dk1"/>
+          </a:effectRef>
+          <a:fontRef idx="minor">
+            <a:schemeClr val="tx1"/>
+          </a:fontRef>
+        </p:style>
+      </p:cxnSp>
+      <p:sp>
+        <p:nvSpPr>
+          <p:cNvPr id="330" name="TextBox 329">
+            <a:extLst>
+              <a:ext uri="{FF2B5EF4-FFF2-40B4-BE49-F238E27FC236}">
+                <a16:creationId xmlns:a16="http://schemas.microsoft.com/office/drawing/2014/main" id="{AFB29D7C-8D99-446E-9E40-0B35D33AE098}"/>
+              </a:ext>
+            </a:extLst>
+          </p:cNvPr>
+          <p:cNvSpPr txBox="1"/>
+          <p:nvPr/>
+        </p:nvSpPr>
+        <p:spPr>
+          <a:xfrm>
+            <a:off x="14260652" y="8335191"/>
+            <a:ext cx="1270132" cy="307777"/>
+          </a:xfrm>
+          <a:prstGeom prst="rect">
+            <a:avLst/>
+          </a:prstGeom>
+          <a:noFill/>
+        </p:spPr>
+        <p:txBody>
+          <a:bodyPr wrap="square" rtlCol="0">
+            <a:spAutoFit/>
+          </a:bodyPr>
+          <a:lstStyle/>
+          <a:p>
+            <a:r>
+              <a:rPr lang="de-AT" sz="1400" dirty="0"/>
+              <a:t>Bugfix-J</a:t>
+            </a:r>
+          </a:p>
+        </p:txBody>
+      </p:sp>
+      <p:cxnSp>
+        <p:nvCxnSpPr>
+          <p:cNvPr id="332" name="Straight Arrow Connector 331">
+            <a:extLst>
+              <a:ext uri="{FF2B5EF4-FFF2-40B4-BE49-F238E27FC236}">
+                <a16:creationId xmlns:a16="http://schemas.microsoft.com/office/drawing/2014/main" id="{BBAE05C9-F139-4371-B54E-4FA6E9EA391C}"/>
+              </a:ext>
+            </a:extLst>
+          </p:cNvPr>
+          <p:cNvCxnSpPr>
+            <a:cxnSpLocks/>
+            <a:stCxn id="327" idx="4"/>
+            <a:endCxn id="333" idx="1"/>
+          </p:cNvCxnSpPr>
+          <p:nvPr/>
+        </p:nvCxnSpPr>
+        <p:spPr>
+          <a:xfrm>
+            <a:off x="14146009" y="8568174"/>
+            <a:ext cx="137857" cy="297452"/>
+          </a:xfrm>
+          <a:prstGeom prst="straightConnector1">
+            <a:avLst/>
+          </a:prstGeom>
+          <a:ln>
+            <a:tailEnd type="triangle"/>
+          </a:ln>
+        </p:spPr>
+        <p:style>
+          <a:lnRef idx="2">
+            <a:schemeClr val="dk1"/>
+          </a:lnRef>
+          <a:fillRef idx="0">
+            <a:schemeClr val="dk1"/>
+          </a:fillRef>
+          <a:effectRef idx="1">
+            <a:schemeClr val="dk1"/>
+          </a:effectRef>
+          <a:fontRef idx="minor">
+            <a:schemeClr val="tx1"/>
+          </a:fontRef>
+        </p:style>
+      </p:cxnSp>
+      <p:sp>
+        <p:nvSpPr>
+          <p:cNvPr id="333" name="Oval 332">
+            <a:extLst>
+              <a:ext uri="{FF2B5EF4-FFF2-40B4-BE49-F238E27FC236}">
+                <a16:creationId xmlns:a16="http://schemas.microsoft.com/office/drawing/2014/main" id="{4DB06CEA-A8A7-4CCB-BBF9-2C9D8481A2B2}"/>
+              </a:ext>
+            </a:extLst>
+          </p:cNvPr>
+          <p:cNvSpPr/>
+          <p:nvPr/>
+        </p:nvSpPr>
+        <p:spPr>
+          <a:xfrm>
+            <a:off x="14256786" y="8840958"/>
+            <a:ext cx="184916" cy="168442"/>
+          </a:xfrm>
+          <a:prstGeom prst="ellipse">
+            <a:avLst/>
+          </a:prstGeom>
+          <a:solidFill>
+            <a:srgbClr val="FFC000"/>
+          </a:solidFill>
+        </p:spPr>
+        <p:style>
+          <a:lnRef idx="2">
+            <a:schemeClr val="accent1">
+              <a:shade val="50000"/>
+            </a:schemeClr>
+          </a:lnRef>
+          <a:fillRef idx="1">
+            <a:schemeClr val="accent1"/>
+          </a:fillRef>
+          <a:effectRef idx="0">
+            <a:schemeClr val="accent1"/>
+          </a:effectRef>
+          <a:fontRef idx="minor">
+            <a:schemeClr val="lt1"/>
+          </a:fontRef>
+        </p:style>
+        <p:txBody>
+          <a:bodyPr rtlCol="0" anchor="ctr"/>
+          <a:lstStyle/>
+          <a:p>
+            <a:pPr algn="ctr"/>
+            <a:endParaRPr lang="de-AT"/>
+          </a:p>
+        </p:txBody>
+      </p:sp>
+      <p:sp>
+        <p:nvSpPr>
+          <p:cNvPr id="336" name="TextBox 335">
+            <a:extLst>
+              <a:ext uri="{FF2B5EF4-FFF2-40B4-BE49-F238E27FC236}">
+                <a16:creationId xmlns:a16="http://schemas.microsoft.com/office/drawing/2014/main" id="{5A930928-ED30-4C91-BEAA-AFAD4074BC76}"/>
+              </a:ext>
+            </a:extLst>
+          </p:cNvPr>
+          <p:cNvSpPr txBox="1"/>
+          <p:nvPr/>
+        </p:nvSpPr>
+        <p:spPr>
+          <a:xfrm>
+            <a:off x="14367735" y="8602223"/>
+            <a:ext cx="1797098" cy="276999"/>
+          </a:xfrm>
+          <a:prstGeom prst="rect">
+            <a:avLst/>
+          </a:prstGeom>
+          <a:noFill/>
+        </p:spPr>
+        <p:txBody>
+          <a:bodyPr wrap="square" rtlCol="0">
+            <a:spAutoFit/>
+          </a:bodyPr>
+          <a:lstStyle/>
+          <a:p>
+            <a:r>
+              <a:rPr lang="de-AT" sz="1200" dirty="0"/>
+              <a:t>release/v2.0.1-rc.1</a:t>
+            </a:r>
+          </a:p>
+        </p:txBody>
+      </p:sp>
+      <p:cxnSp>
+        <p:nvCxnSpPr>
+          <p:cNvPr id="498" name="Straight Arrow Connector 497">
+            <a:extLst>
+              <a:ext uri="{FF2B5EF4-FFF2-40B4-BE49-F238E27FC236}">
+                <a16:creationId xmlns:a16="http://schemas.microsoft.com/office/drawing/2014/main" id="{9C22AA1D-621B-4DE1-866A-46A8DB51CE81}"/>
+              </a:ext>
+            </a:extLst>
+          </p:cNvPr>
+          <p:cNvCxnSpPr>
+            <a:cxnSpLocks/>
+            <a:stCxn id="208" idx="2"/>
+            <a:endCxn id="255" idx="3"/>
+          </p:cNvCxnSpPr>
+          <p:nvPr/>
+        </p:nvCxnSpPr>
+        <p:spPr>
+          <a:xfrm flipH="1">
+            <a:off x="11442421" y="6535832"/>
+            <a:ext cx="1831384" cy="103364"/>
+          </a:xfrm>
+          <a:prstGeom prst="straightConnector1">
+            <a:avLst/>
+          </a:prstGeom>
+          <a:ln>
+            <a:tailEnd type="triangle"/>
+          </a:ln>
+        </p:spPr>
+        <p:style>
+          <a:lnRef idx="1">
+            <a:schemeClr val="accent1"/>
+          </a:lnRef>
+          <a:fillRef idx="0">
+            <a:schemeClr val="accent1"/>
+          </a:fillRef>
+          <a:effectRef idx="0">
+            <a:schemeClr val="accent1"/>
+          </a:effectRef>
+          <a:fontRef idx="minor">
+            <a:schemeClr val="tx1"/>
+          </a:fontRef>
+        </p:style>
+      </p:cxnSp>
+      <p:sp>
+        <p:nvSpPr>
+          <p:cNvPr id="339" name="TextBox 338">
+            <a:extLst>
+              <a:ext uri="{FF2B5EF4-FFF2-40B4-BE49-F238E27FC236}">
+                <a16:creationId xmlns:a16="http://schemas.microsoft.com/office/drawing/2014/main" id="{0A5364A1-5B08-44AF-A849-DBA0ABE2974D}"/>
+              </a:ext>
+            </a:extLst>
+          </p:cNvPr>
+          <p:cNvSpPr txBox="1"/>
+          <p:nvPr/>
+        </p:nvSpPr>
+        <p:spPr>
+          <a:xfrm>
+            <a:off x="8120101" y="5730295"/>
+            <a:ext cx="1950720" cy="738664"/>
+          </a:xfrm>
+          <a:prstGeom prst="rect">
+            <a:avLst/>
+          </a:prstGeom>
+          <a:solidFill>
+            <a:srgbClr val="FAFBBD"/>
+          </a:solidFill>
+        </p:spPr>
+        <p:style>
+          <a:lnRef idx="2">
+            <a:schemeClr val="accent1"/>
+          </a:lnRef>
+          <a:fillRef idx="1">
+            <a:schemeClr val="lt1"/>
+          </a:fillRef>
+          <a:effectRef idx="0">
+            <a:schemeClr val="accent1"/>
+          </a:effectRef>
+          <a:fontRef idx="minor">
+            <a:schemeClr val="dk1"/>
+          </a:fontRef>
+        </p:style>
+        <p:txBody>
+          <a:bodyPr wrap="square" rtlCol="0">
+            <a:spAutoFit/>
+          </a:bodyPr>
+          <a:lstStyle/>
+          <a:p>
+            <a:r>
+              <a:rPr lang="de-AT" sz="1400" dirty="0"/>
+              <a:t>Feature nachträglich in einen neuen Release verschoben</a:t>
+            </a:r>
+          </a:p>
+        </p:txBody>
+      </p:sp>
+      <p:sp>
+        <p:nvSpPr>
+          <p:cNvPr id="340" name="Right Arrow 196">
+            <a:extLst>
+              <a:ext uri="{FF2B5EF4-FFF2-40B4-BE49-F238E27FC236}">
+                <a16:creationId xmlns:a16="http://schemas.microsoft.com/office/drawing/2014/main" id="{F34E561B-A868-4CD1-A189-242067D7F3F9}"/>
+              </a:ext>
+            </a:extLst>
+          </p:cNvPr>
+          <p:cNvSpPr/>
+          <p:nvPr/>
+        </p:nvSpPr>
+        <p:spPr>
+          <a:xfrm rot="1515013">
+            <a:off x="10015183" y="6327759"/>
+            <a:ext cx="387196" cy="329575"/>
+          </a:xfrm>
+          <a:prstGeom prst="rightArrow">
+            <a:avLst/>
+          </a:prstGeom>
+          <a:solidFill>
+            <a:srgbClr val="FAFBBD"/>
+          </a:solidFill>
+        </p:spPr>
+        <p:style>
+          <a:lnRef idx="2">
+            <a:schemeClr val="accent1">
+              <a:shade val="50000"/>
+            </a:schemeClr>
+          </a:lnRef>
+          <a:fillRef idx="1">
+            <a:schemeClr val="accent1"/>
+          </a:fillRef>
+          <a:effectRef idx="0">
+            <a:schemeClr val="accent1"/>
+          </a:effectRef>
+          <a:fontRef idx="minor">
+            <a:schemeClr val="lt1"/>
+          </a:fontRef>
+        </p:style>
+        <p:txBody>
+          <a:bodyPr rtlCol="0" anchor="ctr"/>
+          <a:lstStyle/>
+          <a:p>
+            <a:pPr algn="ctr"/>
+            <a:endParaRPr lang="de-AT"/>
+          </a:p>
+        </p:txBody>
+      </p:sp>
+      <p:sp>
+        <p:nvSpPr>
+          <p:cNvPr id="341" name="TextBox 340">
+            <a:extLst>
+              <a:ext uri="{FF2B5EF4-FFF2-40B4-BE49-F238E27FC236}">
+                <a16:creationId xmlns:a16="http://schemas.microsoft.com/office/drawing/2014/main" id="{E60AC71F-6C2C-4D3A-BA99-FE423A733517}"/>
+              </a:ext>
+            </a:extLst>
+          </p:cNvPr>
+          <p:cNvSpPr txBox="1"/>
+          <p:nvPr/>
+        </p:nvSpPr>
+        <p:spPr>
+          <a:xfrm>
+            <a:off x="10459441" y="4234793"/>
+            <a:ext cx="2468880" cy="738664"/>
+          </a:xfrm>
+          <a:prstGeom prst="rect">
+            <a:avLst/>
+          </a:prstGeom>
+          <a:solidFill>
+            <a:srgbClr val="FAFBBD"/>
+          </a:solidFill>
+        </p:spPr>
+        <p:style>
+          <a:lnRef idx="2">
+            <a:schemeClr val="accent1"/>
+          </a:lnRef>
+          <a:fillRef idx="1">
+            <a:schemeClr val="lt1"/>
+          </a:fillRef>
+          <a:effectRef idx="0">
+            <a:schemeClr val="accent1"/>
+          </a:effectRef>
+          <a:fontRef idx="minor">
+            <a:schemeClr val="dk1"/>
+          </a:fontRef>
+        </p:style>
+        <p:txBody>
+          <a:bodyPr wrap="square" rtlCol="0">
+            <a:spAutoFit/>
+          </a:bodyPr>
+          <a:lstStyle/>
+          <a:p>
+            <a:r>
+              <a:rPr lang="de-AT" sz="1400" dirty="0"/>
+              <a:t>Nachträgliche Entscheidung, bereits hier (ohne Feature-F) hotfix-fähig zu sein</a:t>
+            </a:r>
+          </a:p>
+        </p:txBody>
+      </p:sp>
+      <p:sp>
+        <p:nvSpPr>
+          <p:cNvPr id="342" name="Right Arrow 196">
+            <a:extLst>
+              <a:ext uri="{FF2B5EF4-FFF2-40B4-BE49-F238E27FC236}">
+                <a16:creationId xmlns:a16="http://schemas.microsoft.com/office/drawing/2014/main" id="{7E362AA1-D124-46F7-B91A-B5EDA686E227}"/>
+              </a:ext>
+            </a:extLst>
+          </p:cNvPr>
+          <p:cNvSpPr/>
+          <p:nvPr/>
+        </p:nvSpPr>
+        <p:spPr>
+          <a:xfrm rot="1515013">
+            <a:off x="12865063" y="4824637"/>
+            <a:ext cx="387196" cy="329575"/>
+          </a:xfrm>
+          <a:prstGeom prst="rightArrow">
+            <a:avLst/>
+          </a:prstGeom>
+          <a:solidFill>
+            <a:srgbClr val="FAFBBD"/>
+          </a:solidFill>
+        </p:spPr>
+        <p:style>
+          <a:lnRef idx="2">
+            <a:schemeClr val="accent1">
+              <a:shade val="50000"/>
+            </a:schemeClr>
+          </a:lnRef>
+          <a:fillRef idx="1">
+            <a:schemeClr val="accent1"/>
+          </a:fillRef>
+          <a:effectRef idx="0">
+            <a:schemeClr val="accent1"/>
+          </a:effectRef>
+          <a:fontRef idx="minor">
+            <a:schemeClr val="lt1"/>
+          </a:fontRef>
+        </p:style>
+        <p:txBody>
+          <a:bodyPr rtlCol="0" anchor="ctr"/>
+          <a:lstStyle/>
+          <a:p>
+            <a:pPr algn="ctr"/>
+            <a:endParaRPr lang="de-AT"/>
+          </a:p>
+        </p:txBody>
+      </p:sp>
+      <p:cxnSp>
+        <p:nvCxnSpPr>
+          <p:cNvPr id="343" name="Straight Arrow Connector 342">
+            <a:extLst>
+              <a:ext uri="{FF2B5EF4-FFF2-40B4-BE49-F238E27FC236}">
+                <a16:creationId xmlns:a16="http://schemas.microsoft.com/office/drawing/2014/main" id="{F257F21D-851A-424F-9686-BA703A311EAF}"/>
+              </a:ext>
+            </a:extLst>
+          </p:cNvPr>
+          <p:cNvCxnSpPr>
+            <a:stCxn id="344" idx="4"/>
+            <a:endCxn id="347" idx="0"/>
+          </p:cNvCxnSpPr>
+          <p:nvPr/>
+        </p:nvCxnSpPr>
+        <p:spPr>
+          <a:xfrm>
+            <a:off x="12472239" y="9082603"/>
+            <a:ext cx="0" cy="880865"/>
+          </a:xfrm>
+          <a:prstGeom prst="straightConnector1">
+            <a:avLst/>
+          </a:prstGeom>
+          <a:ln>
+            <a:tailEnd type="triangle"/>
+          </a:ln>
+        </p:spPr>
+        <p:style>
+          <a:lnRef idx="2">
+            <a:schemeClr val="dk1"/>
+          </a:lnRef>
+          <a:fillRef idx="0">
+            <a:schemeClr val="dk1"/>
+          </a:fillRef>
+          <a:effectRef idx="1">
+            <a:schemeClr val="dk1"/>
+          </a:effectRef>
+          <a:fontRef idx="minor">
+            <a:schemeClr val="tx1"/>
+          </a:fontRef>
+        </p:style>
+      </p:cxnSp>
+      <p:sp>
+        <p:nvSpPr>
+          <p:cNvPr id="344" name="Oval 343">
+            <a:extLst>
+              <a:ext uri="{FF2B5EF4-FFF2-40B4-BE49-F238E27FC236}">
+                <a16:creationId xmlns:a16="http://schemas.microsoft.com/office/drawing/2014/main" id="{4A156542-8735-4BA1-8905-325FE9E129AB}"/>
+              </a:ext>
+            </a:extLst>
+          </p:cNvPr>
+          <p:cNvSpPr/>
+          <p:nvPr/>
+        </p:nvSpPr>
+        <p:spPr>
+          <a:xfrm>
+            <a:off x="12379780" y="8919355"/>
+            <a:ext cx="184918" cy="163248"/>
+          </a:xfrm>
+          <a:prstGeom prst="ellipse">
+            <a:avLst/>
+          </a:prstGeom>
+          <a:solidFill>
+            <a:schemeClr val="bg1"/>
+          </a:solidFill>
+          <a:ln>
+            <a:solidFill>
+              <a:schemeClr val="accent6">
+                <a:lumMod val="40000"/>
+                <a:lumOff val="60000"/>
+              </a:schemeClr>
+            </a:solidFill>
+          </a:ln>
+        </p:spPr>
+        <p:style>
+          <a:lnRef idx="2">
+            <a:schemeClr val="accent1">
+              <a:shade val="50000"/>
+            </a:schemeClr>
+          </a:lnRef>
+          <a:fillRef idx="1">
+            <a:schemeClr val="accent1"/>
+          </a:fillRef>
+          <a:effectRef idx="0">
+            <a:schemeClr val="accent1"/>
+          </a:effectRef>
+          <a:fontRef idx="minor">
+            <a:schemeClr val="lt1"/>
+          </a:fontRef>
+        </p:style>
+        <p:txBody>
+          <a:bodyPr rtlCol="0" anchor="ctr"/>
+          <a:lstStyle/>
+          <a:p>
+            <a:pPr algn="ctr"/>
+            <a:endParaRPr lang="de-AT"/>
+          </a:p>
+        </p:txBody>
+      </p:sp>
+      <p:sp>
+        <p:nvSpPr>
+          <p:cNvPr id="345" name="Oval 344">
+            <a:extLst>
+              <a:ext uri="{FF2B5EF4-FFF2-40B4-BE49-F238E27FC236}">
+                <a16:creationId xmlns:a16="http://schemas.microsoft.com/office/drawing/2014/main" id="{0F08D7A4-80E8-4C6E-9DD8-493180543659}"/>
+              </a:ext>
+            </a:extLst>
+          </p:cNvPr>
+          <p:cNvSpPr/>
+          <p:nvPr/>
+        </p:nvSpPr>
+        <p:spPr>
+          <a:xfrm>
+            <a:off x="11483742" y="9062069"/>
+            <a:ext cx="184918" cy="163248"/>
+          </a:xfrm>
+          <a:prstGeom prst="ellipse">
+            <a:avLst/>
+          </a:prstGeom>
+          <a:solidFill>
+            <a:schemeClr val="bg1"/>
+          </a:solidFill>
+          <a:ln>
+            <a:solidFill>
+              <a:srgbClr val="ED7D31"/>
+            </a:solidFill>
+          </a:ln>
+        </p:spPr>
+        <p:style>
+          <a:lnRef idx="2">
+            <a:schemeClr val="accent1">
+              <a:shade val="50000"/>
+            </a:schemeClr>
+          </a:lnRef>
+          <a:fillRef idx="1">
+            <a:schemeClr val="accent1"/>
+          </a:fillRef>
+          <a:effectRef idx="0">
+            <a:schemeClr val="accent1"/>
+          </a:effectRef>
+          <a:fontRef idx="minor">
+            <a:schemeClr val="lt1"/>
+          </a:fontRef>
+        </p:style>
+        <p:txBody>
+          <a:bodyPr rtlCol="0" anchor="ctr"/>
+          <a:lstStyle/>
+          <a:p>
+            <a:pPr algn="ctr"/>
+            <a:endParaRPr lang="de-AT"/>
+          </a:p>
+        </p:txBody>
+      </p:sp>
+      <p:sp>
+        <p:nvSpPr>
+          <p:cNvPr id="346" name="TextBox 345">
+            <a:extLst>
+              <a:ext uri="{FF2B5EF4-FFF2-40B4-BE49-F238E27FC236}">
+                <a16:creationId xmlns:a16="http://schemas.microsoft.com/office/drawing/2014/main" id="{A6F19E53-24C8-42FF-A1E6-921C64205664}"/>
+              </a:ext>
+            </a:extLst>
+          </p:cNvPr>
+          <p:cNvSpPr txBox="1"/>
+          <p:nvPr/>
+        </p:nvSpPr>
+        <p:spPr>
+          <a:xfrm>
+            <a:off x="10761372" y="8768119"/>
+            <a:ext cx="1236158" cy="307777"/>
+          </a:xfrm>
+          <a:prstGeom prst="rect">
+            <a:avLst/>
+          </a:prstGeom>
+          <a:noFill/>
+        </p:spPr>
+        <p:txBody>
+          <a:bodyPr wrap="square" rtlCol="0">
+            <a:spAutoFit/>
+          </a:bodyPr>
+          <a:lstStyle/>
+          <a:p>
+            <a:r>
+              <a:rPr lang="de-AT" sz="1400" dirty="0" err="1"/>
+              <a:t>hotfix</a:t>
+            </a:r>
+            <a:r>
+              <a:rPr lang="de-AT" sz="1400" dirty="0"/>
+              <a:t>/v2.1.1</a:t>
+            </a:r>
+          </a:p>
+        </p:txBody>
+      </p:sp>
+      <p:sp>
+        <p:nvSpPr>
+          <p:cNvPr id="347" name="Oval 346">
+            <a:extLst>
+              <a:ext uri="{FF2B5EF4-FFF2-40B4-BE49-F238E27FC236}">
+                <a16:creationId xmlns:a16="http://schemas.microsoft.com/office/drawing/2014/main" id="{331B6172-2FFA-4A29-A175-E98668061274}"/>
+              </a:ext>
+            </a:extLst>
+          </p:cNvPr>
+          <p:cNvSpPr/>
+          <p:nvPr/>
+        </p:nvSpPr>
+        <p:spPr>
+          <a:xfrm>
+            <a:off x="12379780" y="9963468"/>
+            <a:ext cx="184918" cy="163248"/>
+          </a:xfrm>
+          <a:prstGeom prst="ellipse">
+            <a:avLst/>
+          </a:prstGeom>
+          <a:solidFill>
+            <a:schemeClr val="accent6">
+              <a:lumMod val="40000"/>
+              <a:lumOff val="60000"/>
+            </a:schemeClr>
+          </a:solidFill>
+          <a:ln>
+            <a:solidFill>
+              <a:schemeClr val="accent6">
+                <a:lumMod val="40000"/>
+                <a:lumOff val="60000"/>
+              </a:schemeClr>
+            </a:solidFill>
+          </a:ln>
+        </p:spPr>
+        <p:style>
+          <a:lnRef idx="2">
+            <a:schemeClr val="accent1">
+              <a:shade val="50000"/>
+            </a:schemeClr>
+          </a:lnRef>
+          <a:fillRef idx="1">
+            <a:schemeClr val="accent1"/>
+          </a:fillRef>
+          <a:effectRef idx="0">
+            <a:schemeClr val="accent1"/>
+          </a:effectRef>
+          <a:fontRef idx="minor">
+            <a:schemeClr val="lt1"/>
+          </a:fontRef>
+        </p:style>
+        <p:txBody>
+          <a:bodyPr rtlCol="0" anchor="ctr"/>
+          <a:lstStyle/>
+          <a:p>
+            <a:pPr algn="ctr"/>
+            <a:endParaRPr lang="de-AT"/>
+          </a:p>
+        </p:txBody>
+      </p:sp>
+      <p:cxnSp>
+        <p:nvCxnSpPr>
+          <p:cNvPr id="348" name="Straight Arrow Connector 438">
+            <a:extLst>
+              <a:ext uri="{FF2B5EF4-FFF2-40B4-BE49-F238E27FC236}">
+                <a16:creationId xmlns:a16="http://schemas.microsoft.com/office/drawing/2014/main" id="{48456CC3-2989-4D41-AE93-1459B49F900F}"/>
+              </a:ext>
+            </a:extLst>
+          </p:cNvPr>
+          <p:cNvCxnSpPr>
+            <a:cxnSpLocks/>
+            <a:stCxn id="349" idx="5"/>
+            <a:endCxn id="347" idx="2"/>
+          </p:cNvCxnSpPr>
+          <p:nvPr/>
+        </p:nvCxnSpPr>
+        <p:spPr>
+          <a:xfrm>
+            <a:off x="11659939" y="9841386"/>
+            <a:ext cx="719841" cy="203706"/>
+          </a:xfrm>
+          <a:prstGeom prst="straightConnector1">
+            <a:avLst/>
+          </a:prstGeom>
+          <a:ln>
+            <a:tailEnd type="triangle"/>
+          </a:ln>
+        </p:spPr>
+        <p:style>
+          <a:lnRef idx="2">
+            <a:schemeClr val="dk1"/>
+          </a:lnRef>
+          <a:fillRef idx="0">
+            <a:schemeClr val="dk1"/>
+          </a:fillRef>
+          <a:effectRef idx="1">
+            <a:schemeClr val="dk1"/>
+          </a:effectRef>
+          <a:fontRef idx="minor">
+            <a:schemeClr val="tx1"/>
+          </a:fontRef>
+        </p:style>
+      </p:cxnSp>
+      <p:sp>
+        <p:nvSpPr>
+          <p:cNvPr id="349" name="Oval 348">
+            <a:extLst>
+              <a:ext uri="{FF2B5EF4-FFF2-40B4-BE49-F238E27FC236}">
+                <a16:creationId xmlns:a16="http://schemas.microsoft.com/office/drawing/2014/main" id="{0983DCB4-5B69-4845-B128-2D9727A02014}"/>
+              </a:ext>
+            </a:extLst>
+          </p:cNvPr>
+          <p:cNvSpPr/>
+          <p:nvPr/>
+        </p:nvSpPr>
+        <p:spPr>
+          <a:xfrm>
+            <a:off x="11502103" y="9697612"/>
+            <a:ext cx="184916" cy="168442"/>
+          </a:xfrm>
+          <a:prstGeom prst="ellipse">
+            <a:avLst/>
+          </a:prstGeom>
+          <a:solidFill>
+            <a:srgbClr val="FFC000"/>
+          </a:solidFill>
+        </p:spPr>
+        <p:style>
+          <a:lnRef idx="2">
+            <a:schemeClr val="accent1">
+              <a:shade val="50000"/>
+            </a:schemeClr>
+          </a:lnRef>
+          <a:fillRef idx="1">
+            <a:schemeClr val="accent1"/>
+          </a:fillRef>
+          <a:effectRef idx="0">
+            <a:schemeClr val="accent1"/>
+          </a:effectRef>
+          <a:fontRef idx="minor">
+            <a:schemeClr val="lt1"/>
+          </a:fontRef>
+        </p:style>
+        <p:txBody>
+          <a:bodyPr rtlCol="0" anchor="ctr"/>
+          <a:lstStyle/>
+          <a:p>
+            <a:pPr algn="ctr"/>
+            <a:endParaRPr lang="de-AT"/>
+          </a:p>
+        </p:txBody>
+      </p:sp>
+      <p:cxnSp>
+        <p:nvCxnSpPr>
+          <p:cNvPr id="351" name="Straight Arrow Connector 350">
+            <a:extLst>
+              <a:ext uri="{FF2B5EF4-FFF2-40B4-BE49-F238E27FC236}">
+                <a16:creationId xmlns:a16="http://schemas.microsoft.com/office/drawing/2014/main" id="{B9E5ABCE-BDF5-41E8-BC9C-22851675B103}"/>
+              </a:ext>
+            </a:extLst>
+          </p:cNvPr>
+          <p:cNvCxnSpPr>
+            <a:cxnSpLocks/>
+            <a:stCxn id="344" idx="2"/>
+            <a:endCxn id="345" idx="6"/>
+          </p:cNvCxnSpPr>
+          <p:nvPr/>
+        </p:nvCxnSpPr>
+        <p:spPr>
+          <a:xfrm flipH="1">
+            <a:off x="11668660" y="9000979"/>
+            <a:ext cx="711120" cy="142714"/>
+          </a:xfrm>
+          <a:prstGeom prst="straightConnector1">
+            <a:avLst/>
+          </a:prstGeom>
+          <a:ln>
+            <a:tailEnd type="triangle"/>
+          </a:ln>
+        </p:spPr>
+        <p:style>
+          <a:lnRef idx="2">
+            <a:schemeClr val="dk1"/>
+          </a:lnRef>
+          <a:fillRef idx="0">
+            <a:schemeClr val="dk1"/>
+          </a:fillRef>
+          <a:effectRef idx="1">
+            <a:schemeClr val="dk1"/>
+          </a:effectRef>
+          <a:fontRef idx="minor">
+            <a:schemeClr val="tx1"/>
+          </a:fontRef>
+        </p:style>
+      </p:cxnSp>
+      <p:cxnSp>
+        <p:nvCxnSpPr>
+          <p:cNvPr id="355" name="Straight Arrow Connector 206">
+            <a:extLst>
+              <a:ext uri="{FF2B5EF4-FFF2-40B4-BE49-F238E27FC236}">
+                <a16:creationId xmlns:a16="http://schemas.microsoft.com/office/drawing/2014/main" id="{83ACBCF8-592A-4A79-8F67-18F5FE4643DA}"/>
+              </a:ext>
+            </a:extLst>
+          </p:cNvPr>
+          <p:cNvCxnSpPr>
+            <a:cxnSpLocks/>
+            <a:stCxn id="345" idx="4"/>
+            <a:endCxn id="349" idx="0"/>
+          </p:cNvCxnSpPr>
+          <p:nvPr/>
+        </p:nvCxnSpPr>
+        <p:spPr>
+          <a:xfrm>
+            <a:off x="11576201" y="9225317"/>
+            <a:ext cx="18360" cy="472295"/>
+          </a:xfrm>
+          <a:prstGeom prst="straightConnector1">
+            <a:avLst/>
+          </a:prstGeom>
+          <a:ln>
+            <a:prstDash val="dashDot"/>
+            <a:tailEnd type="triangle"/>
+          </a:ln>
+        </p:spPr>
+        <p:style>
+          <a:lnRef idx="2">
+            <a:schemeClr val="dk1"/>
+          </a:lnRef>
+          <a:fillRef idx="0">
+            <a:schemeClr val="dk1"/>
+          </a:fillRef>
+          <a:effectRef idx="1">
+            <a:schemeClr val="dk1"/>
+          </a:effectRef>
+          <a:fontRef idx="minor">
+            <a:schemeClr val="tx1"/>
+          </a:fontRef>
+        </p:style>
+      </p:cxnSp>
+      <p:cxnSp>
+        <p:nvCxnSpPr>
+          <p:cNvPr id="359" name="Straight Arrow Connector 358">
+            <a:extLst>
+              <a:ext uri="{FF2B5EF4-FFF2-40B4-BE49-F238E27FC236}">
+                <a16:creationId xmlns:a16="http://schemas.microsoft.com/office/drawing/2014/main" id="{F069492B-B6D5-4220-9833-F29E3FE8F7D1}"/>
+              </a:ext>
+            </a:extLst>
+          </p:cNvPr>
+          <p:cNvCxnSpPr>
+            <a:cxnSpLocks/>
+            <a:stCxn id="246" idx="4"/>
+            <a:endCxn id="344" idx="0"/>
+          </p:cNvCxnSpPr>
+          <p:nvPr/>
+        </p:nvCxnSpPr>
+        <p:spPr>
+          <a:xfrm>
+            <a:off x="12470152" y="8771817"/>
+            <a:ext cx="2087" cy="147538"/>
+          </a:xfrm>
+          <a:prstGeom prst="straightConnector1">
+            <a:avLst/>
+          </a:prstGeom>
+          <a:ln>
+            <a:tailEnd type="triangle"/>
+          </a:ln>
+        </p:spPr>
+        <p:style>
+          <a:lnRef idx="2">
+            <a:schemeClr val="dk1"/>
+          </a:lnRef>
+          <a:fillRef idx="0">
+            <a:schemeClr val="dk1"/>
+          </a:fillRef>
+          <a:effectRef idx="1">
+            <a:schemeClr val="dk1"/>
+          </a:effectRef>
+          <a:fontRef idx="minor">
+            <a:schemeClr val="tx1"/>
+          </a:fontRef>
+        </p:style>
+      </p:cxnSp>
+      <p:sp>
+        <p:nvSpPr>
+          <p:cNvPr id="372" name="Rectangular Callout 58">
+            <a:extLst>
+              <a:ext uri="{FF2B5EF4-FFF2-40B4-BE49-F238E27FC236}">
+                <a16:creationId xmlns:a16="http://schemas.microsoft.com/office/drawing/2014/main" id="{5FDAAC1B-A2CC-4BEF-BE4E-7F8AC87640AF}"/>
+              </a:ext>
+            </a:extLst>
+          </p:cNvPr>
+          <p:cNvSpPr/>
+          <p:nvPr/>
+        </p:nvSpPr>
+        <p:spPr>
+          <a:xfrm>
+            <a:off x="12652610" y="9579498"/>
+            <a:ext cx="725532" cy="299530"/>
+          </a:xfrm>
+          <a:prstGeom prst="wedgeRectCallout">
+            <a:avLst>
+              <a:gd name="adj1" fmla="val -53759"/>
+              <a:gd name="adj2" fmla="val 93627"/>
+            </a:avLst>
+          </a:prstGeom>
+        </p:spPr>
+        <p:style>
+          <a:lnRef idx="2">
+            <a:schemeClr val="dk1"/>
+          </a:lnRef>
+          <a:fillRef idx="1">
+            <a:schemeClr val="lt1"/>
+          </a:fillRef>
+          <a:effectRef idx="0">
+            <a:schemeClr val="dk1"/>
+          </a:effectRef>
+          <a:fontRef idx="minor">
+            <a:schemeClr val="dk1"/>
+          </a:fontRef>
+        </p:style>
+        <p:txBody>
+          <a:bodyPr rtlCol="0" anchor="ctr"/>
+          <a:lstStyle/>
+          <a:p>
+            <a:pPr algn="ctr"/>
+            <a:r>
+              <a:rPr lang="de-AT" sz="1400" dirty="0">
+                <a:solidFill>
+                  <a:schemeClr val="tx1"/>
+                </a:solidFill>
+              </a:rPr>
+              <a:t>v2.1.1</a:t>
+            </a:r>
+            <a:endParaRPr lang="de-AT" sz="1100" dirty="0">
+              <a:solidFill>
+                <a:schemeClr val="tx1"/>
+              </a:solidFill>
+            </a:endParaRPr>
+          </a:p>
+        </p:txBody>
+      </p:sp>
+      <p:cxnSp>
+        <p:nvCxnSpPr>
+          <p:cNvPr id="373" name="Straight Arrow Connector 206">
+            <a:extLst>
+              <a:ext uri="{FF2B5EF4-FFF2-40B4-BE49-F238E27FC236}">
+                <a16:creationId xmlns:a16="http://schemas.microsoft.com/office/drawing/2014/main" id="{EE9CB4F4-7622-4EDB-9881-8DBCF519620D}"/>
+              </a:ext>
+            </a:extLst>
+          </p:cNvPr>
+          <p:cNvCxnSpPr>
+            <a:cxnSpLocks/>
+            <a:stCxn id="378" idx="4"/>
+          </p:cNvCxnSpPr>
+          <p:nvPr/>
+        </p:nvCxnSpPr>
+        <p:spPr>
+          <a:xfrm>
+            <a:off x="12474327" y="12145494"/>
+            <a:ext cx="0" cy="370095"/>
+          </a:xfrm>
+          <a:prstGeom prst="straightConnector1">
+            <a:avLst/>
+          </a:prstGeom>
+          <a:ln>
+            <a:prstDash val="dashDot"/>
+            <a:tailEnd type="triangle"/>
+          </a:ln>
+        </p:spPr>
+        <p:style>
+          <a:lnRef idx="2">
+            <a:schemeClr val="dk1"/>
+          </a:lnRef>
+          <a:fillRef idx="0">
+            <a:schemeClr val="dk1"/>
+          </a:fillRef>
+          <a:effectRef idx="1">
+            <a:schemeClr val="dk1"/>
+          </a:effectRef>
+          <a:fontRef idx="minor">
+            <a:schemeClr val="tx1"/>
+          </a:fontRef>
+        </p:style>
+      </p:cxnSp>
+      <p:cxnSp>
+        <p:nvCxnSpPr>
+          <p:cNvPr id="374" name="Straight Arrow Connector 373">
+            <a:extLst>
+              <a:ext uri="{FF2B5EF4-FFF2-40B4-BE49-F238E27FC236}">
+                <a16:creationId xmlns:a16="http://schemas.microsoft.com/office/drawing/2014/main" id="{CB10E224-D18C-4A24-AF1E-00F661C54332}"/>
+              </a:ext>
+            </a:extLst>
+          </p:cNvPr>
+          <p:cNvCxnSpPr>
+            <a:stCxn id="375" idx="4"/>
+            <a:endCxn id="378" idx="0"/>
+          </p:cNvCxnSpPr>
+          <p:nvPr/>
+        </p:nvCxnSpPr>
+        <p:spPr>
+          <a:xfrm>
+            <a:off x="12474327" y="10675496"/>
+            <a:ext cx="0" cy="1306750"/>
+          </a:xfrm>
+          <a:prstGeom prst="straightConnector1">
+            <a:avLst/>
+          </a:prstGeom>
+          <a:ln>
+            <a:tailEnd type="triangle"/>
+          </a:ln>
+        </p:spPr>
+        <p:style>
+          <a:lnRef idx="2">
+            <a:schemeClr val="dk1"/>
+          </a:lnRef>
+          <a:fillRef idx="0">
+            <a:schemeClr val="dk1"/>
+          </a:fillRef>
+          <a:effectRef idx="1">
+            <a:schemeClr val="dk1"/>
+          </a:effectRef>
+          <a:fontRef idx="minor">
+            <a:schemeClr val="tx1"/>
+          </a:fontRef>
+        </p:style>
+      </p:cxnSp>
+      <p:sp>
+        <p:nvSpPr>
+          <p:cNvPr id="375" name="Oval 374">
+            <a:extLst>
+              <a:ext uri="{FF2B5EF4-FFF2-40B4-BE49-F238E27FC236}">
+                <a16:creationId xmlns:a16="http://schemas.microsoft.com/office/drawing/2014/main" id="{45BCFBC1-BB25-4EFA-A1BD-88D3EC6D5E95}"/>
+              </a:ext>
+            </a:extLst>
+          </p:cNvPr>
+          <p:cNvSpPr/>
+          <p:nvPr/>
+        </p:nvSpPr>
+        <p:spPr>
+          <a:xfrm>
+            <a:off x="12381868" y="10512248"/>
+            <a:ext cx="184918" cy="163248"/>
+          </a:xfrm>
+          <a:prstGeom prst="ellipse">
+            <a:avLst/>
+          </a:prstGeom>
+          <a:solidFill>
+            <a:schemeClr val="bg1"/>
+          </a:solidFill>
+          <a:ln>
+            <a:solidFill>
+              <a:schemeClr val="accent6">
+                <a:lumMod val="40000"/>
+                <a:lumOff val="60000"/>
+              </a:schemeClr>
+            </a:solidFill>
+          </a:ln>
+        </p:spPr>
+        <p:style>
+          <a:lnRef idx="2">
+            <a:schemeClr val="accent1">
+              <a:shade val="50000"/>
+            </a:schemeClr>
+          </a:lnRef>
+          <a:fillRef idx="1">
+            <a:schemeClr val="accent1"/>
+          </a:fillRef>
+          <a:effectRef idx="0">
+            <a:schemeClr val="accent1"/>
+          </a:effectRef>
+          <a:fontRef idx="minor">
+            <a:schemeClr val="lt1"/>
+          </a:fontRef>
+        </p:style>
+        <p:txBody>
+          <a:bodyPr rtlCol="0" anchor="ctr"/>
+          <a:lstStyle/>
+          <a:p>
+            <a:pPr algn="ctr"/>
+            <a:endParaRPr lang="de-AT"/>
+          </a:p>
+        </p:txBody>
+      </p:sp>
+      <p:sp>
+        <p:nvSpPr>
+          <p:cNvPr id="376" name="Oval 375">
+            <a:extLst>
+              <a:ext uri="{FF2B5EF4-FFF2-40B4-BE49-F238E27FC236}">
+                <a16:creationId xmlns:a16="http://schemas.microsoft.com/office/drawing/2014/main" id="{2B552BAD-41AA-4D25-9F2D-B77FEF4BA29D}"/>
+              </a:ext>
+            </a:extLst>
+          </p:cNvPr>
+          <p:cNvSpPr/>
+          <p:nvPr/>
+        </p:nvSpPr>
+        <p:spPr>
+          <a:xfrm>
+            <a:off x="11523408" y="11149945"/>
+            <a:ext cx="184918" cy="163248"/>
+          </a:xfrm>
+          <a:prstGeom prst="ellipse">
+            <a:avLst/>
+          </a:prstGeom>
+          <a:solidFill>
+            <a:schemeClr val="bg1"/>
+          </a:solidFill>
+          <a:ln>
+            <a:solidFill>
+              <a:srgbClr val="ED7D31"/>
+            </a:solidFill>
+          </a:ln>
+        </p:spPr>
+        <p:style>
+          <a:lnRef idx="2">
+            <a:schemeClr val="accent1">
+              <a:shade val="50000"/>
+            </a:schemeClr>
+          </a:lnRef>
+          <a:fillRef idx="1">
+            <a:schemeClr val="accent1"/>
+          </a:fillRef>
+          <a:effectRef idx="0">
+            <a:schemeClr val="accent1"/>
+          </a:effectRef>
+          <a:fontRef idx="minor">
+            <a:schemeClr val="lt1"/>
+          </a:fontRef>
+        </p:style>
+        <p:txBody>
+          <a:bodyPr rtlCol="0" anchor="ctr"/>
+          <a:lstStyle/>
+          <a:p>
+            <a:pPr algn="ctr"/>
+            <a:endParaRPr lang="de-AT"/>
+          </a:p>
+        </p:txBody>
+      </p:sp>
+      <p:sp>
+        <p:nvSpPr>
+          <p:cNvPr id="377" name="TextBox 376">
+            <a:extLst>
+              <a:ext uri="{FF2B5EF4-FFF2-40B4-BE49-F238E27FC236}">
+                <a16:creationId xmlns:a16="http://schemas.microsoft.com/office/drawing/2014/main" id="{EE573EA1-B964-44EC-B8C8-5D095F503CBB}"/>
+              </a:ext>
+            </a:extLst>
+          </p:cNvPr>
+          <p:cNvSpPr txBox="1"/>
+          <p:nvPr/>
+        </p:nvSpPr>
+        <p:spPr>
+          <a:xfrm>
+            <a:off x="10876195" y="10805891"/>
+            <a:ext cx="1236158" cy="307777"/>
+          </a:xfrm>
+          <a:prstGeom prst="rect">
+            <a:avLst/>
+          </a:prstGeom>
+          <a:noFill/>
+        </p:spPr>
+        <p:txBody>
+          <a:bodyPr wrap="square" rtlCol="0">
+            <a:spAutoFit/>
+          </a:bodyPr>
+          <a:lstStyle/>
+          <a:p>
+            <a:r>
+              <a:rPr lang="de-AT" sz="1400" dirty="0" err="1"/>
+              <a:t>hotfix</a:t>
+            </a:r>
+            <a:r>
+              <a:rPr lang="de-AT" sz="1400" dirty="0"/>
+              <a:t>/v2.1.2</a:t>
+            </a:r>
+          </a:p>
+        </p:txBody>
+      </p:sp>
+      <p:sp>
+        <p:nvSpPr>
+          <p:cNvPr id="378" name="Oval 377">
+            <a:extLst>
+              <a:ext uri="{FF2B5EF4-FFF2-40B4-BE49-F238E27FC236}">
+                <a16:creationId xmlns:a16="http://schemas.microsoft.com/office/drawing/2014/main" id="{2E07DE3B-6CA5-4E48-A8CE-ACE7CC378E0F}"/>
+              </a:ext>
+            </a:extLst>
+          </p:cNvPr>
+          <p:cNvSpPr/>
+          <p:nvPr/>
+        </p:nvSpPr>
+        <p:spPr>
+          <a:xfrm>
+            <a:off x="12381868" y="11982246"/>
+            <a:ext cx="184918" cy="163248"/>
+          </a:xfrm>
+          <a:prstGeom prst="ellipse">
+            <a:avLst/>
+          </a:prstGeom>
+          <a:solidFill>
+            <a:schemeClr val="accent6">
+              <a:lumMod val="40000"/>
+              <a:lumOff val="60000"/>
+            </a:schemeClr>
+          </a:solidFill>
+          <a:ln>
+            <a:solidFill>
+              <a:schemeClr val="accent6">
+                <a:lumMod val="40000"/>
+                <a:lumOff val="60000"/>
+              </a:schemeClr>
+            </a:solidFill>
+          </a:ln>
+        </p:spPr>
+        <p:style>
+          <a:lnRef idx="2">
+            <a:schemeClr val="accent1">
+              <a:shade val="50000"/>
+            </a:schemeClr>
+          </a:lnRef>
+          <a:fillRef idx="1">
+            <a:schemeClr val="accent1"/>
+          </a:fillRef>
+          <a:effectRef idx="0">
+            <a:schemeClr val="accent1"/>
+          </a:effectRef>
+          <a:fontRef idx="minor">
+            <a:schemeClr val="lt1"/>
+          </a:fontRef>
+        </p:style>
+        <p:txBody>
+          <a:bodyPr rtlCol="0" anchor="ctr"/>
+          <a:lstStyle/>
+          <a:p>
+            <a:pPr algn="ctr"/>
+            <a:endParaRPr lang="de-AT"/>
+          </a:p>
+        </p:txBody>
+      </p:sp>
+      <p:cxnSp>
+        <p:nvCxnSpPr>
+          <p:cNvPr id="379" name="Straight Arrow Connector 438">
+            <a:extLst>
+              <a:ext uri="{FF2B5EF4-FFF2-40B4-BE49-F238E27FC236}">
+                <a16:creationId xmlns:a16="http://schemas.microsoft.com/office/drawing/2014/main" id="{C1EAEDE6-FCBE-40D3-A4BC-9D5F93011310}"/>
+              </a:ext>
+            </a:extLst>
+          </p:cNvPr>
+          <p:cNvCxnSpPr>
+            <a:cxnSpLocks/>
+            <a:stCxn id="380" idx="5"/>
+            <a:endCxn id="378" idx="2"/>
+          </p:cNvCxnSpPr>
+          <p:nvPr/>
+        </p:nvCxnSpPr>
+        <p:spPr>
+          <a:xfrm>
+            <a:off x="11699605" y="11929262"/>
+            <a:ext cx="682263" cy="134608"/>
+          </a:xfrm>
+          <a:prstGeom prst="straightConnector1">
+            <a:avLst/>
+          </a:prstGeom>
+          <a:ln>
+            <a:tailEnd type="triangle"/>
+          </a:ln>
+        </p:spPr>
+        <p:style>
+          <a:lnRef idx="2">
+            <a:schemeClr val="dk1"/>
+          </a:lnRef>
+          <a:fillRef idx="0">
+            <a:schemeClr val="dk1"/>
+          </a:fillRef>
+          <a:effectRef idx="1">
+            <a:schemeClr val="dk1"/>
+          </a:effectRef>
+          <a:fontRef idx="minor">
+            <a:schemeClr val="tx1"/>
+          </a:fontRef>
+        </p:style>
+      </p:cxnSp>
+      <p:sp>
+        <p:nvSpPr>
+          <p:cNvPr id="380" name="Oval 379">
+            <a:extLst>
+              <a:ext uri="{FF2B5EF4-FFF2-40B4-BE49-F238E27FC236}">
+                <a16:creationId xmlns:a16="http://schemas.microsoft.com/office/drawing/2014/main" id="{F77AAD2D-D7BA-4728-BCF5-A034580F938A}"/>
+              </a:ext>
+            </a:extLst>
+          </p:cNvPr>
+          <p:cNvSpPr/>
+          <p:nvPr/>
+        </p:nvSpPr>
+        <p:spPr>
+          <a:xfrm>
+            <a:off x="11541769" y="11785488"/>
+            <a:ext cx="184916" cy="168442"/>
+          </a:xfrm>
+          <a:prstGeom prst="ellipse">
+            <a:avLst/>
+          </a:prstGeom>
+          <a:solidFill>
+            <a:srgbClr val="FFC000"/>
+          </a:solidFill>
+        </p:spPr>
+        <p:style>
+          <a:lnRef idx="2">
+            <a:schemeClr val="accent1">
+              <a:shade val="50000"/>
+            </a:schemeClr>
+          </a:lnRef>
+          <a:fillRef idx="1">
+            <a:schemeClr val="accent1"/>
+          </a:fillRef>
+          <a:effectRef idx="0">
+            <a:schemeClr val="accent1"/>
+          </a:effectRef>
+          <a:fontRef idx="minor">
+            <a:schemeClr val="lt1"/>
+          </a:fontRef>
+        </p:style>
+        <p:txBody>
+          <a:bodyPr rtlCol="0" anchor="ctr"/>
+          <a:lstStyle/>
+          <a:p>
+            <a:pPr algn="ctr"/>
+            <a:endParaRPr lang="de-AT"/>
+          </a:p>
+        </p:txBody>
+      </p:sp>
+      <p:cxnSp>
+        <p:nvCxnSpPr>
+          <p:cNvPr id="381" name="Straight Arrow Connector 380">
+            <a:extLst>
+              <a:ext uri="{FF2B5EF4-FFF2-40B4-BE49-F238E27FC236}">
+                <a16:creationId xmlns:a16="http://schemas.microsoft.com/office/drawing/2014/main" id="{5BC15B8A-921F-4073-B1B0-0120393A1CA2}"/>
+              </a:ext>
+            </a:extLst>
+          </p:cNvPr>
+          <p:cNvCxnSpPr>
+            <a:cxnSpLocks/>
+            <a:stCxn id="375" idx="3"/>
+            <a:endCxn id="376" idx="7"/>
+          </p:cNvCxnSpPr>
+          <p:nvPr/>
+        </p:nvCxnSpPr>
+        <p:spPr>
+          <a:xfrm flipH="1">
+            <a:off x="11681245" y="10651589"/>
+            <a:ext cx="727704" cy="522263"/>
+          </a:xfrm>
+          <a:prstGeom prst="straightConnector1">
+            <a:avLst/>
+          </a:prstGeom>
+          <a:ln>
+            <a:tailEnd type="triangle"/>
+          </a:ln>
+        </p:spPr>
+        <p:style>
+          <a:lnRef idx="2">
+            <a:schemeClr val="dk1"/>
+          </a:lnRef>
+          <a:fillRef idx="0">
+            <a:schemeClr val="dk1"/>
+          </a:fillRef>
+          <a:effectRef idx="1">
+            <a:schemeClr val="dk1"/>
+          </a:effectRef>
+          <a:fontRef idx="minor">
+            <a:schemeClr val="tx1"/>
+          </a:fontRef>
+        </p:style>
+      </p:cxnSp>
+      <p:cxnSp>
+        <p:nvCxnSpPr>
+          <p:cNvPr id="382" name="Straight Arrow Connector 206">
+            <a:extLst>
+              <a:ext uri="{FF2B5EF4-FFF2-40B4-BE49-F238E27FC236}">
+                <a16:creationId xmlns:a16="http://schemas.microsoft.com/office/drawing/2014/main" id="{99E5D1E4-6A48-40C1-B4EB-780CFCA2F757}"/>
+              </a:ext>
+            </a:extLst>
+          </p:cNvPr>
+          <p:cNvCxnSpPr>
+            <a:cxnSpLocks/>
+            <a:stCxn id="376" idx="4"/>
+            <a:endCxn id="380" idx="0"/>
+          </p:cNvCxnSpPr>
+          <p:nvPr/>
+        </p:nvCxnSpPr>
+        <p:spPr>
+          <a:xfrm>
+            <a:off x="11615867" y="11313193"/>
+            <a:ext cx="18360" cy="472295"/>
+          </a:xfrm>
+          <a:prstGeom prst="straightConnector1">
+            <a:avLst/>
+          </a:prstGeom>
+          <a:ln>
+            <a:prstDash val="dashDot"/>
+            <a:tailEnd type="triangle"/>
+          </a:ln>
+        </p:spPr>
+        <p:style>
+          <a:lnRef idx="2">
+            <a:schemeClr val="dk1"/>
+          </a:lnRef>
+          <a:fillRef idx="0">
+            <a:schemeClr val="dk1"/>
+          </a:fillRef>
+          <a:effectRef idx="1">
+            <a:schemeClr val="dk1"/>
+          </a:effectRef>
+          <a:fontRef idx="minor">
+            <a:schemeClr val="tx1"/>
+          </a:fontRef>
+        </p:style>
+      </p:cxnSp>
+      <p:cxnSp>
+        <p:nvCxnSpPr>
+          <p:cNvPr id="383" name="Straight Arrow Connector 382">
+            <a:extLst>
+              <a:ext uri="{FF2B5EF4-FFF2-40B4-BE49-F238E27FC236}">
+                <a16:creationId xmlns:a16="http://schemas.microsoft.com/office/drawing/2014/main" id="{DA1AC602-64F1-4520-B14D-42B8427E9F47}"/>
+              </a:ext>
+            </a:extLst>
+          </p:cNvPr>
+          <p:cNvCxnSpPr>
+            <a:cxnSpLocks/>
+            <a:stCxn id="347" idx="4"/>
+            <a:endCxn id="375" idx="0"/>
+          </p:cNvCxnSpPr>
+          <p:nvPr/>
+        </p:nvCxnSpPr>
+        <p:spPr>
+          <a:xfrm>
+            <a:off x="12472239" y="10126716"/>
+            <a:ext cx="2088" cy="385532"/>
+          </a:xfrm>
+          <a:prstGeom prst="straightConnector1">
+            <a:avLst/>
+          </a:prstGeom>
+          <a:ln>
+            <a:tailEnd type="triangle"/>
+          </a:ln>
+        </p:spPr>
+        <p:style>
+          <a:lnRef idx="2">
+            <a:schemeClr val="dk1"/>
+          </a:lnRef>
+          <a:fillRef idx="0">
+            <a:schemeClr val="dk1"/>
+          </a:fillRef>
+          <a:effectRef idx="1">
+            <a:schemeClr val="dk1"/>
+          </a:effectRef>
+          <a:fontRef idx="minor">
+            <a:schemeClr val="tx1"/>
+          </a:fontRef>
+        </p:style>
+      </p:cxnSp>
+      <p:sp>
+        <p:nvSpPr>
+          <p:cNvPr id="384" name="Rectangular Callout 58">
+            <a:extLst>
+              <a:ext uri="{FF2B5EF4-FFF2-40B4-BE49-F238E27FC236}">
+                <a16:creationId xmlns:a16="http://schemas.microsoft.com/office/drawing/2014/main" id="{14E9A86D-EDD6-40F8-B8C7-C92EE765B11B}"/>
+              </a:ext>
+            </a:extLst>
+          </p:cNvPr>
+          <p:cNvSpPr/>
+          <p:nvPr/>
+        </p:nvSpPr>
+        <p:spPr>
+          <a:xfrm>
+            <a:off x="12654698" y="11598276"/>
+            <a:ext cx="725532" cy="299530"/>
+          </a:xfrm>
+          <a:prstGeom prst="wedgeRectCallout">
+            <a:avLst>
+              <a:gd name="adj1" fmla="val -53759"/>
+              <a:gd name="adj2" fmla="val 93627"/>
+            </a:avLst>
+          </a:prstGeom>
+        </p:spPr>
+        <p:style>
+          <a:lnRef idx="2">
+            <a:schemeClr val="dk1"/>
+          </a:lnRef>
+          <a:fillRef idx="1">
+            <a:schemeClr val="lt1"/>
+          </a:fillRef>
+          <a:effectRef idx="0">
+            <a:schemeClr val="dk1"/>
+          </a:effectRef>
+          <a:fontRef idx="minor">
+            <a:schemeClr val="dk1"/>
+          </a:fontRef>
+        </p:style>
+        <p:txBody>
+          <a:bodyPr rtlCol="0" anchor="ctr"/>
+          <a:lstStyle/>
+          <a:p>
+            <a:pPr algn="ctr"/>
+            <a:r>
+              <a:rPr lang="de-AT" sz="1400" dirty="0">
+                <a:solidFill>
+                  <a:schemeClr val="tx1"/>
+                </a:solidFill>
+              </a:rPr>
+              <a:t>v2.1.2</a:t>
+            </a:r>
+            <a:endParaRPr lang="de-AT" sz="1100" dirty="0">
+              <a:solidFill>
+                <a:schemeClr val="tx1"/>
+              </a:solidFill>
+            </a:endParaRPr>
+          </a:p>
+        </p:txBody>
+      </p:sp>
+      <p:sp>
+        <p:nvSpPr>
+          <p:cNvPr id="399" name="TextBox 398">
+            <a:extLst>
+              <a:ext uri="{FF2B5EF4-FFF2-40B4-BE49-F238E27FC236}">
+                <a16:creationId xmlns:a16="http://schemas.microsoft.com/office/drawing/2014/main" id="{A08599A3-FB29-409C-9E36-D57BCD48149D}"/>
+              </a:ext>
+            </a:extLst>
+          </p:cNvPr>
+          <p:cNvSpPr txBox="1"/>
+          <p:nvPr/>
+        </p:nvSpPr>
+        <p:spPr>
+          <a:xfrm>
+            <a:off x="8546355" y="10663875"/>
+            <a:ext cx="1135247" cy="307777"/>
+          </a:xfrm>
+          <a:prstGeom prst="rect">
+            <a:avLst/>
+          </a:prstGeom>
+          <a:noFill/>
+        </p:spPr>
+        <p:txBody>
+          <a:bodyPr wrap="square" rtlCol="0">
+            <a:spAutoFit/>
+          </a:bodyPr>
+          <a:lstStyle/>
+          <a:p>
+            <a:r>
+              <a:rPr lang="de-AT" sz="1400" dirty="0"/>
+              <a:t>support/v2.2</a:t>
+            </a:r>
+          </a:p>
+        </p:txBody>
+      </p:sp>
+      <p:cxnSp>
+        <p:nvCxnSpPr>
+          <p:cNvPr id="400" name="Straight Arrow Connector 399">
+            <a:extLst>
+              <a:ext uri="{FF2B5EF4-FFF2-40B4-BE49-F238E27FC236}">
+                <a16:creationId xmlns:a16="http://schemas.microsoft.com/office/drawing/2014/main" id="{D419DD4A-E016-424B-9CC2-944337D30610}"/>
+              </a:ext>
+            </a:extLst>
+          </p:cNvPr>
+          <p:cNvCxnSpPr>
+            <a:cxnSpLocks/>
+            <a:stCxn id="401" idx="4"/>
+            <a:endCxn id="412" idx="0"/>
+          </p:cNvCxnSpPr>
+          <p:nvPr/>
+        </p:nvCxnSpPr>
+        <p:spPr>
+          <a:xfrm flipH="1">
+            <a:off x="9375391" y="11124345"/>
+            <a:ext cx="9460" cy="922619"/>
+          </a:xfrm>
+          <a:prstGeom prst="straightConnector1">
+            <a:avLst/>
+          </a:prstGeom>
+          <a:ln>
+            <a:tailEnd type="triangle"/>
+          </a:ln>
+        </p:spPr>
+        <p:style>
+          <a:lnRef idx="2">
+            <a:schemeClr val="dk1"/>
+          </a:lnRef>
+          <a:fillRef idx="0">
+            <a:schemeClr val="dk1"/>
+          </a:fillRef>
+          <a:effectRef idx="1">
+            <a:schemeClr val="dk1"/>
+          </a:effectRef>
+          <a:fontRef idx="minor">
+            <a:schemeClr val="tx1"/>
+          </a:fontRef>
+        </p:style>
+      </p:cxnSp>
+      <p:sp>
+        <p:nvSpPr>
+          <p:cNvPr id="401" name="Oval 400">
+            <a:extLst>
+              <a:ext uri="{FF2B5EF4-FFF2-40B4-BE49-F238E27FC236}">
+                <a16:creationId xmlns:a16="http://schemas.microsoft.com/office/drawing/2014/main" id="{D88566F1-06F9-45E7-8690-DEC40CC44710}"/>
+              </a:ext>
+            </a:extLst>
+          </p:cNvPr>
+          <p:cNvSpPr/>
+          <p:nvPr/>
+        </p:nvSpPr>
+        <p:spPr>
+          <a:xfrm>
+            <a:off x="9292392" y="10961097"/>
+            <a:ext cx="184918" cy="163248"/>
+          </a:xfrm>
+          <a:prstGeom prst="ellipse">
+            <a:avLst/>
+          </a:prstGeom>
+          <a:solidFill>
+            <a:schemeClr val="bg1"/>
+          </a:solidFill>
+          <a:ln>
+            <a:solidFill>
+              <a:schemeClr val="accent6">
+                <a:lumMod val="40000"/>
+                <a:lumOff val="60000"/>
+              </a:schemeClr>
+            </a:solidFill>
+          </a:ln>
+        </p:spPr>
+        <p:style>
+          <a:lnRef idx="2">
+            <a:schemeClr val="accent1">
+              <a:shade val="50000"/>
+            </a:schemeClr>
+          </a:lnRef>
+          <a:fillRef idx="1">
+            <a:schemeClr val="accent1"/>
+          </a:fillRef>
+          <a:effectRef idx="0">
+            <a:schemeClr val="accent1"/>
+          </a:effectRef>
+          <a:fontRef idx="minor">
+            <a:schemeClr val="lt1"/>
+          </a:fontRef>
+        </p:style>
+        <p:txBody>
+          <a:bodyPr rtlCol="0" anchor="ctr"/>
+          <a:lstStyle/>
+          <a:p>
+            <a:pPr algn="ctr"/>
+            <a:endParaRPr lang="de-AT"/>
+          </a:p>
+        </p:txBody>
+      </p:sp>
+      <p:cxnSp>
+        <p:nvCxnSpPr>
+          <p:cNvPr id="402" name="Straight Arrow Connector 401">
+            <a:extLst>
+              <a:ext uri="{FF2B5EF4-FFF2-40B4-BE49-F238E27FC236}">
+                <a16:creationId xmlns:a16="http://schemas.microsoft.com/office/drawing/2014/main" id="{FDAFD289-CE2C-48B7-98C2-49DB47B9C10A}"/>
+              </a:ext>
+            </a:extLst>
+          </p:cNvPr>
+          <p:cNvCxnSpPr>
+            <a:cxnSpLocks/>
+            <a:stCxn id="347" idx="4"/>
+            <a:endCxn id="401" idx="6"/>
+          </p:cNvCxnSpPr>
+          <p:nvPr/>
+        </p:nvCxnSpPr>
+        <p:spPr>
+          <a:xfrm flipH="1">
+            <a:off x="9477310" y="10126716"/>
+            <a:ext cx="2994929" cy="916005"/>
+          </a:xfrm>
+          <a:prstGeom prst="straightConnector1">
+            <a:avLst/>
+          </a:prstGeom>
+          <a:ln>
+            <a:tailEnd type="triangle"/>
+          </a:ln>
+        </p:spPr>
+        <p:style>
+          <a:lnRef idx="2">
+            <a:schemeClr val="dk1"/>
+          </a:lnRef>
+          <a:fillRef idx="0">
+            <a:schemeClr val="dk1"/>
+          </a:fillRef>
+          <a:effectRef idx="1">
+            <a:schemeClr val="dk1"/>
+          </a:effectRef>
+          <a:fontRef idx="minor">
+            <a:schemeClr val="tx1"/>
+          </a:fontRef>
+        </p:style>
+      </p:cxnSp>
+      <p:sp>
+        <p:nvSpPr>
+          <p:cNvPr id="404" name="Oval 403">
+            <a:extLst>
+              <a:ext uri="{FF2B5EF4-FFF2-40B4-BE49-F238E27FC236}">
+                <a16:creationId xmlns:a16="http://schemas.microsoft.com/office/drawing/2014/main" id="{30A82F8B-CD33-4653-81A8-0A8F804B7052}"/>
+              </a:ext>
+            </a:extLst>
+          </p:cNvPr>
+          <p:cNvSpPr/>
+          <p:nvPr/>
+        </p:nvSpPr>
+        <p:spPr>
+          <a:xfrm>
+            <a:off x="8370158" y="11130951"/>
+            <a:ext cx="184918" cy="163248"/>
+          </a:xfrm>
+          <a:prstGeom prst="ellipse">
+            <a:avLst/>
+          </a:prstGeom>
+          <a:solidFill>
+            <a:schemeClr val="bg1"/>
+          </a:solidFill>
+          <a:ln>
+            <a:solidFill>
+              <a:srgbClr val="ED7D31"/>
+            </a:solidFill>
+          </a:ln>
+        </p:spPr>
+        <p:style>
+          <a:lnRef idx="2">
+            <a:schemeClr val="accent1">
+              <a:shade val="50000"/>
+            </a:schemeClr>
+          </a:lnRef>
+          <a:fillRef idx="1">
+            <a:schemeClr val="accent1"/>
+          </a:fillRef>
+          <a:effectRef idx="0">
+            <a:schemeClr val="accent1"/>
+          </a:effectRef>
+          <a:fontRef idx="minor">
+            <a:schemeClr val="lt1"/>
+          </a:fontRef>
+        </p:style>
+        <p:txBody>
+          <a:bodyPr rtlCol="0" anchor="ctr"/>
+          <a:lstStyle/>
+          <a:p>
+            <a:pPr algn="ctr"/>
+            <a:endParaRPr lang="de-AT"/>
+          </a:p>
+        </p:txBody>
+      </p:sp>
+      <p:sp>
+        <p:nvSpPr>
+          <p:cNvPr id="405" name="TextBox 404">
+            <a:extLst>
+              <a:ext uri="{FF2B5EF4-FFF2-40B4-BE49-F238E27FC236}">
+                <a16:creationId xmlns:a16="http://schemas.microsoft.com/office/drawing/2014/main" id="{D6065F07-794E-46E2-9070-9155B77F1767}"/>
+              </a:ext>
+            </a:extLst>
+          </p:cNvPr>
+          <p:cNvSpPr txBox="1"/>
+          <p:nvPr/>
+        </p:nvSpPr>
+        <p:spPr>
+          <a:xfrm>
+            <a:off x="7647788" y="10837001"/>
+            <a:ext cx="1236158" cy="307777"/>
+          </a:xfrm>
+          <a:prstGeom prst="rect">
+            <a:avLst/>
+          </a:prstGeom>
+          <a:noFill/>
+        </p:spPr>
+        <p:txBody>
+          <a:bodyPr wrap="square" rtlCol="0">
+            <a:spAutoFit/>
+          </a:bodyPr>
+          <a:lstStyle/>
+          <a:p>
+            <a:r>
+              <a:rPr lang="de-AT" sz="1400" dirty="0" err="1"/>
+              <a:t>hotfix</a:t>
+            </a:r>
+            <a:r>
+              <a:rPr lang="de-AT" sz="1400" dirty="0"/>
+              <a:t>/v2.2.0</a:t>
+            </a:r>
+          </a:p>
+        </p:txBody>
+      </p:sp>
+      <p:cxnSp>
+        <p:nvCxnSpPr>
+          <p:cNvPr id="406" name="Straight Arrow Connector 438">
+            <a:extLst>
+              <a:ext uri="{FF2B5EF4-FFF2-40B4-BE49-F238E27FC236}">
+                <a16:creationId xmlns:a16="http://schemas.microsoft.com/office/drawing/2014/main" id="{EA9C4036-2A2C-4348-8729-44D799D703D8}"/>
+              </a:ext>
+            </a:extLst>
+          </p:cNvPr>
+          <p:cNvCxnSpPr>
+            <a:cxnSpLocks/>
+            <a:stCxn id="407" idx="5"/>
+            <a:endCxn id="412" idx="2"/>
+          </p:cNvCxnSpPr>
+          <p:nvPr/>
+        </p:nvCxnSpPr>
+        <p:spPr>
+          <a:xfrm>
+            <a:off x="8546355" y="11910268"/>
+            <a:ext cx="736577" cy="218320"/>
+          </a:xfrm>
+          <a:prstGeom prst="straightConnector1">
+            <a:avLst/>
+          </a:prstGeom>
+          <a:ln>
+            <a:tailEnd type="triangle"/>
+          </a:ln>
+        </p:spPr>
+        <p:style>
+          <a:lnRef idx="2">
+            <a:schemeClr val="dk1"/>
+          </a:lnRef>
+          <a:fillRef idx="0">
+            <a:schemeClr val="dk1"/>
+          </a:fillRef>
+          <a:effectRef idx="1">
+            <a:schemeClr val="dk1"/>
+          </a:effectRef>
+          <a:fontRef idx="minor">
+            <a:schemeClr val="tx1"/>
+          </a:fontRef>
+        </p:style>
+      </p:cxnSp>
+      <p:sp>
+        <p:nvSpPr>
+          <p:cNvPr id="407" name="Oval 406">
+            <a:extLst>
+              <a:ext uri="{FF2B5EF4-FFF2-40B4-BE49-F238E27FC236}">
+                <a16:creationId xmlns:a16="http://schemas.microsoft.com/office/drawing/2014/main" id="{0D9D2521-8EA4-48E0-AF9A-74E98265C366}"/>
+              </a:ext>
+            </a:extLst>
+          </p:cNvPr>
+          <p:cNvSpPr/>
+          <p:nvPr/>
+        </p:nvSpPr>
+        <p:spPr>
+          <a:xfrm>
+            <a:off x="8388519" y="11766494"/>
+            <a:ext cx="184916" cy="168442"/>
+          </a:xfrm>
+          <a:prstGeom prst="ellipse">
+            <a:avLst/>
+          </a:prstGeom>
+          <a:solidFill>
+            <a:srgbClr val="FFC000"/>
+          </a:solidFill>
+        </p:spPr>
+        <p:style>
+          <a:lnRef idx="2">
+            <a:schemeClr val="accent1">
+              <a:shade val="50000"/>
+            </a:schemeClr>
+          </a:lnRef>
+          <a:fillRef idx="1">
+            <a:schemeClr val="accent1"/>
+          </a:fillRef>
+          <a:effectRef idx="0">
+            <a:schemeClr val="accent1"/>
+          </a:effectRef>
+          <a:fontRef idx="minor">
+            <a:schemeClr val="lt1"/>
+          </a:fontRef>
+        </p:style>
+        <p:txBody>
+          <a:bodyPr rtlCol="0" anchor="ctr"/>
+          <a:lstStyle/>
+          <a:p>
+            <a:pPr algn="ctr"/>
+            <a:endParaRPr lang="de-AT"/>
+          </a:p>
+        </p:txBody>
+      </p:sp>
+      <p:cxnSp>
+        <p:nvCxnSpPr>
+          <p:cNvPr id="408" name="Straight Arrow Connector 407">
+            <a:extLst>
+              <a:ext uri="{FF2B5EF4-FFF2-40B4-BE49-F238E27FC236}">
+                <a16:creationId xmlns:a16="http://schemas.microsoft.com/office/drawing/2014/main" id="{0D74A3B4-5364-48E6-B74A-E2B36AA34341}"/>
+              </a:ext>
+            </a:extLst>
+          </p:cNvPr>
+          <p:cNvCxnSpPr>
+            <a:cxnSpLocks/>
+            <a:endCxn id="404" idx="6"/>
+          </p:cNvCxnSpPr>
+          <p:nvPr/>
+        </p:nvCxnSpPr>
+        <p:spPr>
+          <a:xfrm flipH="1">
+            <a:off x="8555076" y="11069861"/>
+            <a:ext cx="711120" cy="142714"/>
+          </a:xfrm>
+          <a:prstGeom prst="straightConnector1">
+            <a:avLst/>
+          </a:prstGeom>
+          <a:ln>
+            <a:tailEnd type="triangle"/>
+          </a:ln>
+        </p:spPr>
+        <p:style>
+          <a:lnRef idx="2">
+            <a:schemeClr val="dk1"/>
+          </a:lnRef>
+          <a:fillRef idx="0">
+            <a:schemeClr val="dk1"/>
+          </a:fillRef>
+          <a:effectRef idx="1">
+            <a:schemeClr val="dk1"/>
+          </a:effectRef>
+          <a:fontRef idx="minor">
+            <a:schemeClr val="tx1"/>
+          </a:fontRef>
+        </p:style>
+      </p:cxnSp>
+      <p:cxnSp>
+        <p:nvCxnSpPr>
+          <p:cNvPr id="409" name="Straight Arrow Connector 206">
+            <a:extLst>
+              <a:ext uri="{FF2B5EF4-FFF2-40B4-BE49-F238E27FC236}">
+                <a16:creationId xmlns:a16="http://schemas.microsoft.com/office/drawing/2014/main" id="{F9DABCE5-81EC-42A3-A594-02FDD2DDF781}"/>
+              </a:ext>
+            </a:extLst>
+          </p:cNvPr>
+          <p:cNvCxnSpPr>
+            <a:cxnSpLocks/>
+            <a:stCxn id="404" idx="4"/>
+            <a:endCxn id="407" idx="0"/>
+          </p:cNvCxnSpPr>
+          <p:nvPr/>
+        </p:nvCxnSpPr>
+        <p:spPr>
+          <a:xfrm>
+            <a:off x="8462617" y="11294199"/>
+            <a:ext cx="18360" cy="472295"/>
+          </a:xfrm>
+          <a:prstGeom prst="straightConnector1">
+            <a:avLst/>
+          </a:prstGeom>
+          <a:ln>
+            <a:prstDash val="dashDot"/>
+            <a:tailEnd type="triangle"/>
+          </a:ln>
+        </p:spPr>
+        <p:style>
+          <a:lnRef idx="2">
+            <a:schemeClr val="dk1"/>
+          </a:lnRef>
+          <a:fillRef idx="0">
+            <a:schemeClr val="dk1"/>
+          </a:fillRef>
+          <a:effectRef idx="1">
+            <a:schemeClr val="dk1"/>
+          </a:effectRef>
+          <a:fontRef idx="minor">
+            <a:schemeClr val="tx1"/>
+          </a:fontRef>
+        </p:style>
+      </p:cxnSp>
+      <p:cxnSp>
+        <p:nvCxnSpPr>
+          <p:cNvPr id="411" name="Straight Arrow Connector 206">
+            <a:extLst>
+              <a:ext uri="{FF2B5EF4-FFF2-40B4-BE49-F238E27FC236}">
+                <a16:creationId xmlns:a16="http://schemas.microsoft.com/office/drawing/2014/main" id="{F73FC971-CFB3-40B1-B8B0-A58D5453EC1F}"/>
+              </a:ext>
+            </a:extLst>
+          </p:cNvPr>
+          <p:cNvCxnSpPr>
+            <a:cxnSpLocks/>
+            <a:stCxn id="412" idx="4"/>
+          </p:cNvCxnSpPr>
+          <p:nvPr/>
+        </p:nvCxnSpPr>
+        <p:spPr>
+          <a:xfrm>
+            <a:off x="9375391" y="12210212"/>
+            <a:ext cx="0" cy="370095"/>
+          </a:xfrm>
+          <a:prstGeom prst="straightConnector1">
+            <a:avLst/>
+          </a:prstGeom>
+          <a:ln>
+            <a:prstDash val="dashDot"/>
+            <a:tailEnd type="triangle"/>
+          </a:ln>
+        </p:spPr>
+        <p:style>
+          <a:lnRef idx="2">
+            <a:schemeClr val="dk1"/>
+          </a:lnRef>
+          <a:fillRef idx="0">
+            <a:schemeClr val="dk1"/>
+          </a:fillRef>
+          <a:effectRef idx="1">
+            <a:schemeClr val="dk1"/>
+          </a:effectRef>
+          <a:fontRef idx="minor">
+            <a:schemeClr val="tx1"/>
+          </a:fontRef>
+        </p:style>
+      </p:cxnSp>
+      <p:sp>
+        <p:nvSpPr>
+          <p:cNvPr id="412" name="Oval 411">
+            <a:extLst>
+              <a:ext uri="{FF2B5EF4-FFF2-40B4-BE49-F238E27FC236}">
+                <a16:creationId xmlns:a16="http://schemas.microsoft.com/office/drawing/2014/main" id="{686202CE-2734-40A0-ADCB-5AA7CDDF1CEE}"/>
+              </a:ext>
+            </a:extLst>
+          </p:cNvPr>
+          <p:cNvSpPr/>
+          <p:nvPr/>
+        </p:nvSpPr>
+        <p:spPr>
+          <a:xfrm>
+            <a:off x="9282932" y="12046964"/>
+            <a:ext cx="184918" cy="163248"/>
+          </a:xfrm>
+          <a:prstGeom prst="ellipse">
+            <a:avLst/>
+          </a:prstGeom>
+          <a:solidFill>
+            <a:schemeClr val="accent6">
+              <a:lumMod val="40000"/>
+              <a:lumOff val="60000"/>
+            </a:schemeClr>
+          </a:solidFill>
+          <a:ln>
+            <a:solidFill>
+              <a:schemeClr val="accent6">
+                <a:lumMod val="40000"/>
+                <a:lumOff val="60000"/>
+              </a:schemeClr>
+            </a:solidFill>
+          </a:ln>
+        </p:spPr>
+        <p:style>
+          <a:lnRef idx="2">
+            <a:schemeClr val="accent1">
+              <a:shade val="50000"/>
+            </a:schemeClr>
+          </a:lnRef>
+          <a:fillRef idx="1">
+            <a:schemeClr val="accent1"/>
+          </a:fillRef>
+          <a:effectRef idx="0">
+            <a:schemeClr val="accent1"/>
+          </a:effectRef>
+          <a:fontRef idx="minor">
+            <a:schemeClr val="lt1"/>
+          </a:fontRef>
+        </p:style>
+        <p:txBody>
+          <a:bodyPr rtlCol="0" anchor="ctr"/>
+          <a:lstStyle/>
+          <a:p>
+            <a:pPr algn="ctr"/>
+            <a:endParaRPr lang="de-AT"/>
+          </a:p>
+        </p:txBody>
+      </p:sp>
+      <p:sp>
+        <p:nvSpPr>
+          <p:cNvPr id="413" name="Rectangular Callout 58">
+            <a:extLst>
+              <a:ext uri="{FF2B5EF4-FFF2-40B4-BE49-F238E27FC236}">
+                <a16:creationId xmlns:a16="http://schemas.microsoft.com/office/drawing/2014/main" id="{D4CF04C4-BB46-4670-8725-EC1416D0643E}"/>
+              </a:ext>
+            </a:extLst>
+          </p:cNvPr>
+          <p:cNvSpPr/>
+          <p:nvPr/>
+        </p:nvSpPr>
+        <p:spPr>
+          <a:xfrm>
+            <a:off x="9555762" y="11662994"/>
+            <a:ext cx="725532" cy="299530"/>
+          </a:xfrm>
+          <a:prstGeom prst="wedgeRectCallout">
+            <a:avLst>
+              <a:gd name="adj1" fmla="val -53759"/>
+              <a:gd name="adj2" fmla="val 93627"/>
+            </a:avLst>
+          </a:prstGeom>
+        </p:spPr>
+        <p:style>
+          <a:lnRef idx="2">
+            <a:schemeClr val="dk1"/>
+          </a:lnRef>
+          <a:fillRef idx="1">
+            <a:schemeClr val="lt1"/>
+          </a:fillRef>
+          <a:effectRef idx="0">
+            <a:schemeClr val="dk1"/>
+          </a:effectRef>
+          <a:fontRef idx="minor">
+            <a:schemeClr val="dk1"/>
+          </a:fontRef>
+        </p:style>
+        <p:txBody>
+          <a:bodyPr rtlCol="0" anchor="ctr"/>
+          <a:lstStyle/>
+          <a:p>
+            <a:pPr algn="ctr"/>
+            <a:r>
+              <a:rPr lang="de-AT" sz="1400" dirty="0">
+                <a:solidFill>
+                  <a:schemeClr val="tx1"/>
+                </a:solidFill>
+              </a:rPr>
+              <a:t>v2.2.0</a:t>
+            </a:r>
+            <a:endParaRPr lang="de-AT" sz="1100" dirty="0">
+              <a:solidFill>
+                <a:schemeClr val="tx1"/>
+              </a:solidFill>
+            </a:endParaRPr>
+          </a:p>
+        </p:txBody>
+      </p:sp>
+      <p:sp>
+        <p:nvSpPr>
+          <p:cNvPr id="419" name="TextBox 418">
+            <a:extLst>
+              <a:ext uri="{FF2B5EF4-FFF2-40B4-BE49-F238E27FC236}">
+                <a16:creationId xmlns:a16="http://schemas.microsoft.com/office/drawing/2014/main" id="{0E775D8A-6081-47ED-9B24-972B9EC1BDC0}"/>
+              </a:ext>
+            </a:extLst>
+          </p:cNvPr>
+          <p:cNvSpPr txBox="1"/>
+          <p:nvPr/>
+        </p:nvSpPr>
+        <p:spPr>
+          <a:xfrm>
+            <a:off x="12841473" y="10299478"/>
+            <a:ext cx="2953848" cy="954107"/>
+          </a:xfrm>
+          <a:prstGeom prst="rect">
+            <a:avLst/>
+          </a:prstGeom>
+          <a:solidFill>
+            <a:srgbClr val="FAFBBD"/>
+          </a:solidFill>
+        </p:spPr>
+        <p:style>
+          <a:lnRef idx="2">
+            <a:schemeClr val="accent1"/>
+          </a:lnRef>
+          <a:fillRef idx="1">
+            <a:schemeClr val="lt1"/>
+          </a:fillRef>
+          <a:effectRef idx="0">
+            <a:schemeClr val="accent1"/>
+          </a:effectRef>
+          <a:fontRef idx="minor">
+            <a:schemeClr val="dk1"/>
+          </a:fontRef>
+        </p:style>
+        <p:txBody>
+          <a:bodyPr wrap="square" rtlCol="0">
+            <a:spAutoFit/>
+          </a:bodyPr>
+          <a:lstStyle/>
+          <a:p>
+            <a:r>
+              <a:rPr lang="de-AT" sz="1400" dirty="0"/>
+              <a:t>Entscheidung, ab hier hotfix-fähig zu sein. Entscheidung wurde getroffen, bevor weitere Features auf </a:t>
+            </a:r>
+            <a:r>
+              <a:rPr lang="de-AT" sz="1400" dirty="0" err="1"/>
+              <a:t>hotfix</a:t>
+            </a:r>
+            <a:r>
+              <a:rPr lang="de-AT" sz="1400" dirty="0"/>
+              <a:t>/v2.1.2 </a:t>
+            </a:r>
+            <a:r>
+              <a:rPr lang="de-AT" sz="1400" dirty="0" err="1"/>
+              <a:t>committed</a:t>
+            </a:r>
+            <a:r>
+              <a:rPr lang="de-AT" sz="1400" dirty="0"/>
+              <a:t> wurden.</a:t>
+            </a:r>
+          </a:p>
+        </p:txBody>
+      </p:sp>
+      <p:sp>
+        <p:nvSpPr>
+          <p:cNvPr id="420" name="Right Arrow 196">
+            <a:extLst>
+              <a:ext uri="{FF2B5EF4-FFF2-40B4-BE49-F238E27FC236}">
+                <a16:creationId xmlns:a16="http://schemas.microsoft.com/office/drawing/2014/main" id="{A85CB053-CDEB-410A-8DE1-5078B334F8F2}"/>
+              </a:ext>
+            </a:extLst>
+          </p:cNvPr>
+          <p:cNvSpPr/>
+          <p:nvPr/>
+        </p:nvSpPr>
+        <p:spPr>
+          <a:xfrm rot="13330339">
+            <a:off x="12566526" y="10075130"/>
+            <a:ext cx="387196" cy="329575"/>
+          </a:xfrm>
+          <a:prstGeom prst="rightArrow">
+            <a:avLst/>
+          </a:prstGeom>
+          <a:solidFill>
+            <a:srgbClr val="FAFBBD"/>
+          </a:solidFill>
+        </p:spPr>
+        <p:style>
+          <a:lnRef idx="2">
+            <a:schemeClr val="accent1">
+              <a:shade val="50000"/>
+            </a:schemeClr>
+          </a:lnRef>
+          <a:fillRef idx="1">
+            <a:schemeClr val="accent1"/>
+          </a:fillRef>
+          <a:effectRef idx="0">
+            <a:schemeClr val="accent1"/>
+          </a:effectRef>
+          <a:fontRef idx="minor">
+            <a:schemeClr val="lt1"/>
+          </a:fontRef>
+        </p:style>
+        <p:txBody>
+          <a:bodyPr rtlCol="0" anchor="ctr"/>
+          <a:lstStyle/>
+          <a:p>
+            <a:pPr algn="ctr"/>
+            <a:endParaRPr lang="de-AT"/>
+          </a:p>
+        </p:txBody>
+      </p:sp>
+      <p:sp>
+        <p:nvSpPr>
+          <p:cNvPr id="103" name="TextBox 102">
+            <a:extLst>
+              <a:ext uri="{FF2B5EF4-FFF2-40B4-BE49-F238E27FC236}">
+                <a16:creationId xmlns:a16="http://schemas.microsoft.com/office/drawing/2014/main" id="{442696D7-A404-40AB-9C5E-30A27D27CD13}"/>
+              </a:ext>
+            </a:extLst>
+          </p:cNvPr>
+          <p:cNvSpPr txBox="1"/>
+          <p:nvPr/>
+        </p:nvSpPr>
+        <p:spPr>
+          <a:xfrm>
+            <a:off x="413358" y="363255"/>
+            <a:ext cx="7678456" cy="12588061"/>
+          </a:xfrm>
+          <a:prstGeom prst="rect">
+            <a:avLst/>
+          </a:prstGeom>
+          <a:noFill/>
+        </p:spPr>
+        <p:txBody>
+          <a:bodyPr wrap="square" rtlCol="0">
+            <a:spAutoFit/>
+          </a:bodyPr>
+          <a:lstStyle/>
+          <a:p>
+            <a:r>
+              <a:rPr lang="en-US" sz="1400" dirty="0" err="1"/>
+              <a:t>Vorgehensmodell</a:t>
+            </a:r>
+            <a:r>
+              <a:rPr lang="en-US" sz="1400" dirty="0"/>
+              <a:t> </a:t>
+            </a:r>
+            <a:r>
+              <a:rPr lang="en-US" sz="1400" dirty="0" err="1"/>
+              <a:t>für</a:t>
+            </a:r>
+            <a:r>
+              <a:rPr lang="en-US" sz="1400" dirty="0"/>
+              <a:t> </a:t>
+            </a:r>
+            <a:r>
+              <a:rPr lang="en-US" sz="1400" dirty="0" err="1"/>
+              <a:t>Projekt-Hofixes</a:t>
+            </a:r>
+            <a:r>
+              <a:rPr lang="en-US" sz="1400" dirty="0"/>
+              <a:t>:</a:t>
+            </a:r>
+          </a:p>
+          <a:p>
+            <a:pPr marL="457200" indent="-457200">
+              <a:buFont typeface="+mj-lt"/>
+              <a:buAutoNum type="arabicPeriod"/>
+            </a:pPr>
+            <a:r>
+              <a:rPr lang="de-AT" sz="1400" dirty="0"/>
+              <a:t>Auf </a:t>
+            </a:r>
+            <a:r>
+              <a:rPr lang="de-AT" sz="1400" dirty="0" err="1"/>
+              <a:t>master</a:t>
+            </a:r>
+            <a:r>
+              <a:rPr lang="de-AT" sz="1400" dirty="0"/>
+              <a:t> gibt es nur Major-Versionen.</a:t>
+            </a:r>
+          </a:p>
+          <a:p>
+            <a:pPr marL="457200" indent="-457200">
+              <a:buFont typeface="+mj-lt"/>
+              <a:buAutoNum type="arabicPeriod"/>
+            </a:pPr>
+            <a:r>
+              <a:rPr lang="de-AT" sz="1400" dirty="0"/>
+              <a:t>Auf support-</a:t>
+            </a:r>
+            <a:r>
+              <a:rPr lang="de-AT" sz="1400" dirty="0" err="1"/>
+              <a:t>Branches</a:t>
+            </a:r>
+            <a:r>
+              <a:rPr lang="de-AT" sz="1400" dirty="0"/>
+              <a:t> werden Patch-</a:t>
+            </a:r>
+            <a:r>
+              <a:rPr lang="de-AT" sz="1400" dirty="0" err="1"/>
+              <a:t>Builds</a:t>
+            </a:r>
+            <a:r>
+              <a:rPr lang="de-AT" sz="1400" dirty="0"/>
+              <a:t> (3. Stelle in der Version) erstellt, wenn ein </a:t>
+            </a:r>
+            <a:r>
+              <a:rPr lang="de-AT" sz="1400" dirty="0" err="1"/>
+              <a:t>ein</a:t>
+            </a:r>
+            <a:r>
+              <a:rPr lang="de-AT" sz="1400" dirty="0"/>
+              <a:t> Release gewünscht ist.</a:t>
+            </a:r>
+          </a:p>
+          <a:p>
+            <a:pPr marL="457200" indent="-457200">
+              <a:buFont typeface="+mj-lt"/>
+              <a:buAutoNum type="arabicPeriod"/>
+            </a:pPr>
+            <a:r>
+              <a:rPr lang="de-AT" sz="1400" dirty="0"/>
+              <a:t>Um für ein Projekt </a:t>
+            </a:r>
+            <a:r>
+              <a:rPr lang="de-AT" sz="1400" dirty="0" err="1"/>
+              <a:t>hofix</a:t>
+            </a:r>
+            <a:r>
+              <a:rPr lang="de-AT" sz="1400" dirty="0"/>
+              <a:t>-fähig zu sein, wird ein neuer support-Branch erstellt.</a:t>
+            </a:r>
+          </a:p>
+          <a:p>
+            <a:pPr marL="1010732" lvl="1" indent="-457200">
+              <a:buFont typeface="+mj-lt"/>
+              <a:buAutoNum type="alphaLcParenR"/>
+            </a:pPr>
+            <a:r>
+              <a:rPr lang="de-AT" sz="1400" dirty="0"/>
+              <a:t>Das Projekt behält damit die aktuelle Minor-Version. Ab jetzt wird auf diese Minor-Version nur noch portiert, was unmittelbar vom Projekt benötigt wird.</a:t>
+            </a:r>
+          </a:p>
+          <a:p>
+            <a:pPr marL="1010732" lvl="1" indent="-457200">
+              <a:buFont typeface="+mj-lt"/>
+              <a:buAutoNum type="alphaLcParenR"/>
+            </a:pPr>
+            <a:r>
+              <a:rPr lang="de-AT" sz="1400" dirty="0"/>
+              <a:t>Weiterentwicklung erfolgt in der nächsten Minor-Version. Dieser wird von einem bestehenden Release </a:t>
+            </a:r>
+            <a:r>
+              <a:rPr lang="de-AT" sz="1400" dirty="0" err="1"/>
+              <a:t>gebranched</a:t>
+            </a:r>
+            <a:r>
+              <a:rPr lang="de-AT" sz="1400" dirty="0"/>
+              <a:t>.</a:t>
+            </a:r>
+          </a:p>
+          <a:p>
+            <a:pPr marL="457200" indent="-457200">
+              <a:buFont typeface="+mj-lt"/>
+              <a:buAutoNum type="arabicPeriod"/>
+            </a:pPr>
+            <a:r>
+              <a:rPr lang="de-AT" sz="1400" dirty="0"/>
+              <a:t>Falls das Projekt vergisst, dass es einen Hotfix benötigt, können bis zum Release noch Korrekturen vorgenommen werden. D.h. bereits durchgeführte </a:t>
+            </a:r>
+            <a:r>
+              <a:rPr lang="de-AT" sz="1400" dirty="0" err="1"/>
+              <a:t>Pre</a:t>
+            </a:r>
+            <a:r>
+              <a:rPr lang="de-AT" sz="1400" dirty="0"/>
+              <a:t>-Release-</a:t>
+            </a:r>
+            <a:r>
+              <a:rPr lang="de-AT" sz="1400" dirty="0" err="1"/>
+              <a:t>Builds</a:t>
+            </a:r>
+            <a:r>
+              <a:rPr lang="de-AT" sz="1400" dirty="0"/>
+              <a:t> werden invalidiert, Features umgebucht und das Release von einen früheren Punkt in der </a:t>
+            </a:r>
+            <a:r>
+              <a:rPr lang="de-AT" sz="1400" dirty="0" err="1"/>
+              <a:t>History</a:t>
+            </a:r>
+            <a:r>
+              <a:rPr lang="de-AT" sz="1400" dirty="0"/>
+              <a:t> erstellt. Dieses Vorgehen soll nur ein Work-</a:t>
+            </a:r>
+            <a:r>
+              <a:rPr lang="de-AT" sz="1400" dirty="0" err="1"/>
+              <a:t>Around</a:t>
+            </a:r>
+            <a:r>
+              <a:rPr lang="de-AT" sz="1400" dirty="0"/>
+              <a:t> sein.</a:t>
+            </a:r>
+          </a:p>
+          <a:p>
+            <a:pPr marL="457200" indent="-457200">
+              <a:buFont typeface="+mj-lt"/>
+              <a:buAutoNum type="arabicPeriod"/>
+            </a:pPr>
+            <a:r>
+              <a:rPr lang="de-AT" sz="1400" dirty="0"/>
+              <a:t>Custom </a:t>
+            </a:r>
+            <a:r>
+              <a:rPr lang="de-AT" sz="1400" dirty="0" err="1"/>
+              <a:t>Builds</a:t>
+            </a:r>
+            <a:r>
+              <a:rPr lang="de-AT" sz="1400" dirty="0"/>
+              <a:t> an beliebiger Stelle in der </a:t>
+            </a:r>
+            <a:r>
+              <a:rPr lang="de-AT" sz="1400" dirty="0" err="1"/>
+              <a:t>History</a:t>
+            </a:r>
+            <a:r>
+              <a:rPr lang="de-AT" sz="1400" dirty="0"/>
+              <a:t> sind technisch möglich, hier ist ein Tracking via Jira aber nicht mehr möglich. Es wird dazu einfach ein Branch erstellt (Name/</a:t>
+            </a:r>
+            <a:r>
+              <a:rPr lang="de-AT" sz="1400" dirty="0" err="1"/>
+              <a:t>Prefix</a:t>
+            </a:r>
+            <a:r>
+              <a:rPr lang="de-AT" sz="1400" dirty="0"/>
+              <a:t> ist noch TBD) und auf </a:t>
+            </a:r>
+            <a:r>
+              <a:rPr lang="de-AT" sz="1400" dirty="0" err="1"/>
+              <a:t>TeamCity</a:t>
+            </a:r>
+            <a:r>
+              <a:rPr lang="de-AT" sz="1400" dirty="0"/>
+              <a:t> mit </a:t>
+            </a:r>
+            <a:r>
+              <a:rPr lang="de-AT" sz="1400" dirty="0" err="1"/>
+              <a:t>gebuildet</a:t>
+            </a:r>
+            <a:r>
+              <a:rPr lang="de-AT" sz="1400" dirty="0"/>
+              <a:t>. </a:t>
+            </a:r>
+            <a:r>
+              <a:rPr lang="de-AT" sz="1400" dirty="0" err="1"/>
+              <a:t>Builds</a:t>
+            </a:r>
+            <a:r>
+              <a:rPr lang="de-AT" sz="1400" dirty="0"/>
+              <a:t> von diesem Branch haben eine nicht-deterministische </a:t>
+            </a:r>
+            <a:r>
+              <a:rPr lang="de-AT" sz="1400" dirty="0" err="1"/>
+              <a:t>Buildnummer</a:t>
+            </a:r>
+            <a:r>
+              <a:rPr lang="de-AT" sz="1400" dirty="0"/>
+              <a:t>. </a:t>
+            </a:r>
+          </a:p>
+          <a:p>
+            <a:endParaRPr lang="de-AT" sz="1400" dirty="0"/>
+          </a:p>
+          <a:p>
+            <a:r>
+              <a:rPr lang="de-AT" sz="1400" dirty="0"/>
+              <a:t>Das vorab skizzierte Vorgehensmodell impliziert, dass nicht zwangsläufig jeder Task in jeder aufbauenden Minor-Version existiert. Dies lässt sich in der Versionsnummer daran erkennen, lediglich </a:t>
+            </a:r>
+            <a:r>
+              <a:rPr lang="de-AT" sz="1400" dirty="0" err="1"/>
+              <a:t>Issues</a:t>
+            </a:r>
+            <a:r>
+              <a:rPr lang="de-AT" sz="1400" dirty="0"/>
+              <a:t>, welche in der „0“-Patch-Version enthalten sind (also „major.minor.0“), sind auch in nachfolgenden Minor-Versionen enthalten. </a:t>
+            </a:r>
+          </a:p>
+          <a:p>
+            <a:endParaRPr lang="de-AT" sz="1400" dirty="0"/>
+          </a:p>
+          <a:p>
+            <a:r>
+              <a:rPr lang="de-AT" sz="1400" dirty="0"/>
+              <a:t>=&gt; Manuelles Nachmelden sämtlicher </a:t>
+            </a:r>
+            <a:r>
+              <a:rPr lang="de-AT" sz="1400" dirty="0" err="1"/>
+              <a:t>Issues</a:t>
+            </a:r>
+            <a:r>
+              <a:rPr lang="de-AT" sz="1400" dirty="0"/>
+              <a:t>, die bis zu diesem Zeitpunkt auch im vorherigen support-Branch gelöst wurden? Dieses Vorgehen wäre zwar manuell, aber relativ einfach durchführbar, da lediglich die </a:t>
+            </a:r>
+            <a:r>
+              <a:rPr lang="de-AT" sz="1400" dirty="0" err="1"/>
+              <a:t>Issues</a:t>
+            </a:r>
+            <a:r>
+              <a:rPr lang="de-AT" sz="1400" dirty="0"/>
+              <a:t> geändert werden müssen, die in der vorangegangenen Minor-Version (abzüglich der 0-Patch-Version) bis dato gelöst waren.</a:t>
+            </a:r>
+          </a:p>
+          <a:p>
+            <a:endParaRPr lang="de-AT" sz="1400" dirty="0"/>
+          </a:p>
+          <a:p>
+            <a:r>
+              <a:rPr lang="de-AT" sz="1400" dirty="0"/>
+              <a:t>Beispiel für Versionsliste / </a:t>
+            </a:r>
+            <a:r>
+              <a:rPr lang="de-AT" sz="1400" dirty="0" err="1"/>
+              <a:t>Issues</a:t>
+            </a:r>
+            <a:r>
+              <a:rPr lang="de-AT" sz="1400" dirty="0"/>
+              <a:t>:</a:t>
+            </a:r>
+          </a:p>
+          <a:p>
+            <a:pPr marL="285750" indent="-285750">
+              <a:buFont typeface="Arial" panose="020B0604020202020204" pitchFamily="34" charset="0"/>
+              <a:buChar char="•"/>
+            </a:pPr>
+            <a:r>
+              <a:rPr lang="de-AT" sz="1400" dirty="0"/>
+              <a:t>v3.0.0 </a:t>
+            </a:r>
+          </a:p>
+          <a:p>
+            <a:pPr marL="839282" lvl="1" indent="-285750">
+              <a:buFont typeface="Arial" panose="020B0604020202020204" pitchFamily="34" charset="0"/>
+              <a:buChar char="•"/>
+            </a:pPr>
+            <a:r>
+              <a:rPr lang="de-AT" sz="1400" dirty="0"/>
+              <a:t>=&gt; alle </a:t>
+            </a:r>
+            <a:r>
+              <a:rPr lang="de-AT" sz="1400" dirty="0" err="1"/>
+              <a:t>Issues</a:t>
+            </a:r>
+            <a:r>
+              <a:rPr lang="de-AT" sz="1400" dirty="0"/>
+              <a:t> von v2.x.0 implizit </a:t>
+            </a:r>
+          </a:p>
+          <a:p>
+            <a:pPr marL="839282" lvl="1" indent="-285750">
+              <a:buFont typeface="Arial" panose="020B0604020202020204" pitchFamily="34" charset="0"/>
+              <a:buChar char="•"/>
+            </a:pPr>
+            <a:r>
+              <a:rPr lang="de-AT" sz="1400" dirty="0"/>
+              <a:t>=&gt; alle </a:t>
+            </a:r>
+            <a:r>
+              <a:rPr lang="de-AT" sz="1400" dirty="0" err="1"/>
+              <a:t>Issues</a:t>
+            </a:r>
+            <a:r>
+              <a:rPr lang="de-AT" sz="1400" dirty="0"/>
+              <a:t> von v3.0.0 explizit </a:t>
+            </a:r>
+          </a:p>
+          <a:p>
+            <a:pPr marL="285750" indent="-285750">
+              <a:buFont typeface="Arial" panose="020B0604020202020204" pitchFamily="34" charset="0"/>
+              <a:buChar char="•"/>
+            </a:pPr>
+            <a:r>
+              <a:rPr lang="de-AT" sz="1400" dirty="0"/>
+              <a:t>v3.0.[1..n] </a:t>
+            </a:r>
+          </a:p>
+          <a:p>
+            <a:pPr marL="839282" lvl="1" indent="-285750">
+              <a:buFont typeface="Arial" panose="020B0604020202020204" pitchFamily="34" charset="0"/>
+              <a:buChar char="•"/>
+            </a:pPr>
+            <a:r>
+              <a:rPr lang="de-AT" sz="1400" dirty="0"/>
+              <a:t>=&gt; alle </a:t>
+            </a:r>
+            <a:r>
+              <a:rPr lang="de-AT" sz="1400" dirty="0" err="1"/>
+              <a:t>Issues</a:t>
+            </a:r>
+            <a:r>
+              <a:rPr lang="de-AT" sz="1400" dirty="0"/>
+              <a:t> von v2.x.0 implizit </a:t>
+            </a:r>
+          </a:p>
+          <a:p>
+            <a:pPr marL="839282" lvl="1" indent="-285750">
+              <a:buFont typeface="Arial" panose="020B0604020202020204" pitchFamily="34" charset="0"/>
+              <a:buChar char="•"/>
+            </a:pPr>
+            <a:r>
+              <a:rPr lang="de-AT" sz="1400" dirty="0"/>
+              <a:t>=&gt; alle </a:t>
+            </a:r>
+            <a:r>
+              <a:rPr lang="de-AT" sz="1400" dirty="0" err="1"/>
+              <a:t>Issues</a:t>
+            </a:r>
+            <a:r>
+              <a:rPr lang="de-AT" sz="1400" dirty="0"/>
+              <a:t> von v3.0.[0..n-1] implizit </a:t>
+            </a:r>
+          </a:p>
+          <a:p>
+            <a:pPr marL="839282" lvl="1" indent="-285750">
+              <a:buFont typeface="Arial" panose="020B0604020202020204" pitchFamily="34" charset="0"/>
+              <a:buChar char="•"/>
+            </a:pPr>
+            <a:r>
+              <a:rPr lang="de-AT" sz="1400" dirty="0"/>
+              <a:t>=&gt; alle </a:t>
+            </a:r>
+            <a:r>
+              <a:rPr lang="de-AT" sz="1400" dirty="0" err="1"/>
+              <a:t>Issues</a:t>
+            </a:r>
+            <a:r>
+              <a:rPr lang="de-AT" sz="1400" dirty="0"/>
+              <a:t> von v3.0.n explizit </a:t>
+            </a:r>
+          </a:p>
+          <a:p>
+            <a:pPr marL="285750" indent="-285750">
+              <a:buFont typeface="Arial" panose="020B0604020202020204" pitchFamily="34" charset="0"/>
+              <a:buChar char="•"/>
+            </a:pPr>
+            <a:r>
+              <a:rPr lang="de-AT" sz="1400" dirty="0"/>
+              <a:t>v3.1.0 </a:t>
+            </a:r>
+          </a:p>
+          <a:p>
+            <a:pPr marL="839282" lvl="1" indent="-285750">
+              <a:buFont typeface="Arial" panose="020B0604020202020204" pitchFamily="34" charset="0"/>
+              <a:buChar char="•"/>
+            </a:pPr>
+            <a:r>
+              <a:rPr lang="de-AT" sz="1400" dirty="0"/>
+              <a:t>=&gt; alle </a:t>
+            </a:r>
+            <a:r>
+              <a:rPr lang="de-AT" sz="1400" dirty="0" err="1"/>
+              <a:t>Issues</a:t>
+            </a:r>
+            <a:r>
+              <a:rPr lang="de-AT" sz="1400" dirty="0"/>
+              <a:t> von v2.x.0 implizit </a:t>
+            </a:r>
+          </a:p>
+          <a:p>
+            <a:pPr marL="839282" lvl="1" indent="-285750">
+              <a:buFont typeface="Arial" panose="020B0604020202020204" pitchFamily="34" charset="0"/>
+              <a:buChar char="•"/>
+            </a:pPr>
+            <a:r>
+              <a:rPr lang="de-AT" sz="1400" dirty="0"/>
+              <a:t>=&gt; alle </a:t>
+            </a:r>
+            <a:r>
+              <a:rPr lang="de-AT" sz="1400" dirty="0" err="1"/>
+              <a:t>Issues</a:t>
+            </a:r>
+            <a:r>
+              <a:rPr lang="de-AT" sz="1400" dirty="0"/>
+              <a:t> von v3.0.0 implizit </a:t>
+            </a:r>
+          </a:p>
+          <a:p>
+            <a:pPr marL="839282" lvl="1" indent="-285750">
+              <a:buFont typeface="Arial" panose="020B0604020202020204" pitchFamily="34" charset="0"/>
+              <a:buChar char="•"/>
+            </a:pPr>
+            <a:r>
+              <a:rPr lang="de-AT" sz="1400" dirty="0"/>
+              <a:t>=&gt; alle </a:t>
+            </a:r>
+            <a:r>
+              <a:rPr lang="de-AT" sz="1400" dirty="0" err="1"/>
+              <a:t>Issues</a:t>
+            </a:r>
+            <a:r>
+              <a:rPr lang="de-AT" sz="1400" dirty="0"/>
+              <a:t> von v3.1.0 explizit</a:t>
+            </a:r>
+          </a:p>
+          <a:p>
+            <a:pPr marL="285750" indent="-285750">
+              <a:buFont typeface="Arial" panose="020B0604020202020204" pitchFamily="34" charset="0"/>
+              <a:buChar char="•"/>
+            </a:pPr>
+            <a:r>
+              <a:rPr lang="de-AT" sz="1400" dirty="0"/>
+              <a:t>v3.1.[1..n] </a:t>
+            </a:r>
+          </a:p>
+          <a:p>
+            <a:pPr marL="839282" lvl="1" indent="-285750">
+              <a:buFont typeface="Arial" panose="020B0604020202020204" pitchFamily="34" charset="0"/>
+              <a:buChar char="•"/>
+            </a:pPr>
+            <a:r>
+              <a:rPr lang="de-AT" sz="1400" dirty="0"/>
+              <a:t>=&gt; alle </a:t>
+            </a:r>
+            <a:r>
+              <a:rPr lang="de-AT" sz="1400" dirty="0" err="1"/>
+              <a:t>Issues</a:t>
+            </a:r>
+            <a:r>
+              <a:rPr lang="de-AT" sz="1400" dirty="0"/>
+              <a:t> von v2.x.0 implizit </a:t>
+            </a:r>
+          </a:p>
+          <a:p>
+            <a:pPr marL="839282" lvl="1" indent="-285750">
+              <a:buFont typeface="Arial" panose="020B0604020202020204" pitchFamily="34" charset="0"/>
+              <a:buChar char="•"/>
+            </a:pPr>
+            <a:r>
+              <a:rPr lang="de-AT" sz="1400" dirty="0"/>
+              <a:t>=&gt; alle </a:t>
+            </a:r>
+            <a:r>
+              <a:rPr lang="de-AT" sz="1400" dirty="0" err="1"/>
+              <a:t>Issues</a:t>
+            </a:r>
+            <a:r>
+              <a:rPr lang="de-AT" sz="1400" dirty="0"/>
+              <a:t> von v3.0.0 implizit</a:t>
+            </a:r>
+          </a:p>
+          <a:p>
+            <a:pPr marL="839282" lvl="1" indent="-285750">
+              <a:buFont typeface="Arial" panose="020B0604020202020204" pitchFamily="34" charset="0"/>
+              <a:buChar char="•"/>
+            </a:pPr>
+            <a:r>
+              <a:rPr lang="de-AT" sz="1400" dirty="0"/>
+              <a:t>=&gt; alle </a:t>
+            </a:r>
+            <a:r>
+              <a:rPr lang="de-AT" sz="1400" dirty="0" err="1"/>
+              <a:t>Issues</a:t>
+            </a:r>
+            <a:r>
+              <a:rPr lang="de-AT" sz="1400" dirty="0"/>
+              <a:t> von v3.1.[0..n-1] implizit </a:t>
+            </a:r>
+          </a:p>
+          <a:p>
+            <a:pPr marL="839282" lvl="1" indent="-285750">
+              <a:buFont typeface="Arial" panose="020B0604020202020204" pitchFamily="34" charset="0"/>
+              <a:buChar char="•"/>
+            </a:pPr>
+            <a:r>
+              <a:rPr lang="de-AT" sz="1400" dirty="0"/>
+              <a:t>=&gt; alle </a:t>
+            </a:r>
+            <a:r>
+              <a:rPr lang="de-AT" sz="1400" dirty="0" err="1"/>
+              <a:t>Issues</a:t>
+            </a:r>
+            <a:r>
+              <a:rPr lang="de-AT" sz="1400" dirty="0"/>
+              <a:t> von v3.1.n explizit</a:t>
+            </a:r>
+          </a:p>
+          <a:p>
+            <a:pPr marL="285750" indent="-285750">
+              <a:buFont typeface="Arial" panose="020B0604020202020204" pitchFamily="34" charset="0"/>
+              <a:buChar char="•"/>
+            </a:pPr>
+            <a:r>
+              <a:rPr lang="de-AT" sz="1400" dirty="0"/>
+              <a:t>v3.2.0 </a:t>
+            </a:r>
+          </a:p>
+          <a:p>
+            <a:pPr marL="839282" lvl="1" indent="-285750">
+              <a:buFont typeface="Arial" panose="020B0604020202020204" pitchFamily="34" charset="0"/>
+              <a:buChar char="•"/>
+            </a:pPr>
+            <a:r>
+              <a:rPr lang="de-AT" sz="1400" dirty="0"/>
+              <a:t>=&gt; alle </a:t>
+            </a:r>
+            <a:r>
+              <a:rPr lang="de-AT" sz="1400" dirty="0" err="1"/>
+              <a:t>Issues</a:t>
+            </a:r>
+            <a:r>
+              <a:rPr lang="de-AT" sz="1400" dirty="0"/>
+              <a:t> von v2.x.0 implizit </a:t>
+            </a:r>
+          </a:p>
+          <a:p>
+            <a:pPr marL="839282" lvl="1" indent="-285750">
+              <a:buFont typeface="Arial" panose="020B0604020202020204" pitchFamily="34" charset="0"/>
+              <a:buChar char="•"/>
+            </a:pPr>
+            <a:r>
+              <a:rPr lang="de-AT" sz="1400" dirty="0"/>
+              <a:t>=&gt; alle </a:t>
+            </a:r>
+            <a:r>
+              <a:rPr lang="de-AT" sz="1400" dirty="0" err="1"/>
+              <a:t>Issues</a:t>
+            </a:r>
+            <a:r>
+              <a:rPr lang="de-AT" sz="1400" dirty="0"/>
+              <a:t> von v3.[0..1].0 implizit </a:t>
+            </a:r>
+          </a:p>
+          <a:p>
+            <a:pPr marL="839282" lvl="1" indent="-285750">
+              <a:buFont typeface="Arial" panose="020B0604020202020204" pitchFamily="34" charset="0"/>
+              <a:buChar char="•"/>
+            </a:pPr>
+            <a:r>
+              <a:rPr lang="de-AT" sz="1400" dirty="0"/>
+              <a:t>=&gt; alle </a:t>
+            </a:r>
+            <a:r>
+              <a:rPr lang="de-AT" sz="1400" dirty="0" err="1"/>
+              <a:t>Issues</a:t>
+            </a:r>
+            <a:r>
+              <a:rPr lang="de-AT" sz="1400" dirty="0"/>
+              <a:t> von v3.2.0 explizit</a:t>
+            </a:r>
+          </a:p>
+          <a:p>
+            <a:pPr marL="285750" indent="-285750">
+              <a:buFont typeface="Arial" panose="020B0604020202020204" pitchFamily="34" charset="0"/>
+              <a:buChar char="•"/>
+            </a:pPr>
+            <a:r>
+              <a:rPr lang="de-AT" sz="1400" dirty="0"/>
+              <a:t>v3.2.[1..n] </a:t>
+            </a:r>
+          </a:p>
+          <a:p>
+            <a:pPr marL="839282" lvl="1" indent="-285750">
+              <a:buFont typeface="Arial" panose="020B0604020202020204" pitchFamily="34" charset="0"/>
+              <a:buChar char="•"/>
+            </a:pPr>
+            <a:r>
+              <a:rPr lang="de-AT" sz="1400" dirty="0"/>
+              <a:t>=&gt; alle </a:t>
+            </a:r>
+            <a:r>
+              <a:rPr lang="de-AT" sz="1400" dirty="0" err="1"/>
+              <a:t>Issues</a:t>
+            </a:r>
+            <a:r>
+              <a:rPr lang="de-AT" sz="1400" dirty="0"/>
+              <a:t> von v2.x.0 implizit </a:t>
+            </a:r>
+          </a:p>
+          <a:p>
+            <a:pPr marL="839282" lvl="1" indent="-285750">
+              <a:buFont typeface="Arial" panose="020B0604020202020204" pitchFamily="34" charset="0"/>
+              <a:buChar char="•"/>
+            </a:pPr>
+            <a:r>
+              <a:rPr lang="de-AT" sz="1400" dirty="0"/>
+              <a:t>=&gt; alle </a:t>
+            </a:r>
+            <a:r>
+              <a:rPr lang="de-AT" sz="1400" dirty="0" err="1"/>
+              <a:t>Issues</a:t>
+            </a:r>
+            <a:r>
+              <a:rPr lang="de-AT" sz="1400" dirty="0"/>
+              <a:t> von v3.[0..1].0 implizit</a:t>
+            </a:r>
+          </a:p>
+          <a:p>
+            <a:pPr marL="839282" lvl="1" indent="-285750">
+              <a:buFont typeface="Arial" panose="020B0604020202020204" pitchFamily="34" charset="0"/>
+              <a:buChar char="•"/>
+            </a:pPr>
+            <a:r>
+              <a:rPr lang="de-AT" sz="1400" dirty="0"/>
+              <a:t>=&gt; alle </a:t>
+            </a:r>
+            <a:r>
+              <a:rPr lang="de-AT" sz="1400" dirty="0" err="1"/>
+              <a:t>Issues</a:t>
+            </a:r>
+            <a:r>
+              <a:rPr lang="de-AT" sz="1400" dirty="0"/>
+              <a:t> von v3.2.[0..n-1] implizit </a:t>
+            </a:r>
+          </a:p>
+          <a:p>
+            <a:pPr marL="839282" lvl="1" indent="-285750">
+              <a:buFont typeface="Arial" panose="020B0604020202020204" pitchFamily="34" charset="0"/>
+              <a:buChar char="•"/>
+            </a:pPr>
+            <a:r>
+              <a:rPr lang="de-AT" sz="1400" dirty="0"/>
+              <a:t>=&gt; alle </a:t>
+            </a:r>
+            <a:r>
+              <a:rPr lang="de-AT" sz="1400" dirty="0" err="1"/>
+              <a:t>Issues</a:t>
+            </a:r>
+            <a:r>
+              <a:rPr lang="de-AT" sz="1400" dirty="0"/>
+              <a:t> von v3.2.n explizit</a:t>
+            </a:r>
+          </a:p>
+          <a:p>
+            <a:pPr marL="285750" indent="-285750">
+              <a:buFont typeface="Arial" panose="020B0604020202020204" pitchFamily="34" charset="0"/>
+              <a:buChar char="•"/>
+            </a:pPr>
+            <a:r>
+              <a:rPr lang="de-AT" sz="1400" dirty="0"/>
+              <a:t>v4.0.0 </a:t>
+            </a:r>
+          </a:p>
+          <a:p>
+            <a:pPr marL="839282" lvl="1" indent="-285750">
+              <a:buFont typeface="Arial" panose="020B0604020202020204" pitchFamily="34" charset="0"/>
+              <a:buChar char="•"/>
+            </a:pPr>
+            <a:r>
+              <a:rPr lang="de-AT" sz="1400" dirty="0"/>
+              <a:t>=&gt; alle </a:t>
+            </a:r>
+            <a:r>
+              <a:rPr lang="de-AT" sz="1400" dirty="0" err="1"/>
+              <a:t>Issues</a:t>
+            </a:r>
+            <a:r>
+              <a:rPr lang="de-AT" sz="1400" dirty="0"/>
+              <a:t> von v2.x.0 implizit </a:t>
+            </a:r>
+          </a:p>
+          <a:p>
+            <a:pPr marL="839282" lvl="1" indent="-285750">
+              <a:buFont typeface="Arial" panose="020B0604020202020204" pitchFamily="34" charset="0"/>
+              <a:buChar char="•"/>
+            </a:pPr>
+            <a:r>
+              <a:rPr lang="de-AT" sz="1400" dirty="0"/>
+              <a:t>=&gt; alle </a:t>
+            </a:r>
+            <a:r>
+              <a:rPr lang="de-AT" sz="1400" dirty="0" err="1"/>
+              <a:t>Issues</a:t>
+            </a:r>
+            <a:r>
+              <a:rPr lang="de-AT" sz="1400" dirty="0"/>
+              <a:t> von v3.x.0 implizit</a:t>
+            </a:r>
+          </a:p>
+          <a:p>
+            <a:pPr marL="839282" lvl="1" indent="-285750">
+              <a:buFont typeface="Arial" panose="020B0604020202020204" pitchFamily="34" charset="0"/>
+              <a:buChar char="•"/>
+            </a:pPr>
+            <a:r>
+              <a:rPr lang="de-AT" sz="1400" dirty="0"/>
+              <a:t>=&gt; alle </a:t>
+            </a:r>
+            <a:r>
+              <a:rPr lang="de-AT" sz="1400" dirty="0" err="1"/>
+              <a:t>Issues</a:t>
+            </a:r>
+            <a:r>
+              <a:rPr lang="de-AT" sz="1400" dirty="0"/>
+              <a:t> von v4.0.0 explizit</a:t>
+            </a:r>
+          </a:p>
+        </p:txBody>
+      </p:sp>
+      <p:sp>
+        <p:nvSpPr>
+          <p:cNvPr id="2" name="TextBox 1">
+            <a:extLst>
+              <a:ext uri="{FF2B5EF4-FFF2-40B4-BE49-F238E27FC236}">
+                <a16:creationId xmlns:a16="http://schemas.microsoft.com/office/drawing/2014/main" id="{471A6DA1-37DF-46CB-AD65-4DE9C816D5BF}"/>
+              </a:ext>
+            </a:extLst>
+          </p:cNvPr>
+          <p:cNvSpPr txBox="1"/>
+          <p:nvPr/>
+        </p:nvSpPr>
+        <p:spPr>
+          <a:xfrm>
+            <a:off x="4972834" y="9206630"/>
+            <a:ext cx="2167002" cy="4832092"/>
+          </a:xfrm>
+          <a:prstGeom prst="rect">
+            <a:avLst/>
+          </a:prstGeom>
+          <a:noFill/>
+          <a:ln>
+            <a:solidFill>
+              <a:schemeClr val="tx1"/>
+            </a:solidFill>
+            <a:prstDash val="sysDot"/>
+          </a:ln>
+        </p:spPr>
+        <p:txBody>
+          <a:bodyPr wrap="square" rtlCol="0">
+            <a:spAutoFit/>
+          </a:bodyPr>
+          <a:lstStyle/>
+          <a:p>
+            <a:r>
+              <a:rPr lang="en-US" sz="1400" dirty="0" err="1"/>
+              <a:t>Versionsnummern</a:t>
+            </a:r>
+            <a:r>
+              <a:rPr lang="en-US" sz="1400" dirty="0"/>
+              <a:t>:</a:t>
+            </a:r>
+          </a:p>
+          <a:p>
+            <a:r>
+              <a:rPr lang="en-US" sz="1400" dirty="0"/>
+              <a:t>1.20.9   -&gt; x</a:t>
+            </a:r>
+          </a:p>
+          <a:p>
+            <a:r>
+              <a:rPr lang="en-US" sz="1400" dirty="0"/>
+              <a:t>1.20.10 -&gt; x</a:t>
+            </a:r>
+          </a:p>
+          <a:p>
+            <a:r>
+              <a:rPr lang="en-US" sz="1400" dirty="0"/>
+              <a:t>1.20.11 -&gt; 2.11.0</a:t>
+            </a:r>
+          </a:p>
+          <a:p>
+            <a:r>
+              <a:rPr lang="en-US" sz="1400" dirty="0"/>
+              <a:t>1.20.12 -&gt; x</a:t>
+            </a:r>
+          </a:p>
+          <a:p>
+            <a:r>
+              <a:rPr lang="en-US" sz="1400" dirty="0"/>
+              <a:t>1.20.13 -&gt; x</a:t>
+            </a:r>
+          </a:p>
+          <a:p>
+            <a:r>
+              <a:rPr lang="en-US" sz="1400" dirty="0"/>
+              <a:t>1.20.14 -&gt; x</a:t>
+            </a:r>
+          </a:p>
+          <a:p>
+            <a:r>
+              <a:rPr lang="en-US" sz="1400" dirty="0"/>
+              <a:t>1.20.15 -&gt; x</a:t>
+            </a:r>
+          </a:p>
+          <a:p>
+            <a:r>
+              <a:rPr lang="en-US" sz="1400" dirty="0"/>
+              <a:t>1.20.16 -&gt; 2.16.0</a:t>
+            </a:r>
+          </a:p>
+          <a:p>
+            <a:r>
+              <a:rPr lang="en-US" sz="1400" dirty="0"/>
+              <a:t>1.20.17 -&gt; x</a:t>
+            </a:r>
+          </a:p>
+          <a:p>
+            <a:r>
+              <a:rPr lang="en-US" sz="1400" dirty="0"/>
+              <a:t>1.20.18 </a:t>
+            </a:r>
+            <a:r>
+              <a:rPr lang="en-US" sz="1400"/>
+              <a:t>-&gt; x</a:t>
+            </a:r>
+            <a:endParaRPr lang="en-US" sz="1400" dirty="0"/>
+          </a:p>
+          <a:p>
+            <a:r>
+              <a:rPr lang="en-US" sz="1400" dirty="0"/>
+              <a:t>1.20.19 -&gt; x</a:t>
+            </a:r>
+          </a:p>
+          <a:p>
+            <a:r>
+              <a:rPr lang="en-US" sz="1400" dirty="0"/>
+              <a:t>1.20.20 -&gt; x</a:t>
+            </a:r>
+          </a:p>
+          <a:p>
+            <a:r>
+              <a:rPr lang="en-US" sz="1400" dirty="0"/>
+              <a:t>1.20.21 -&gt; x</a:t>
+            </a:r>
+          </a:p>
+          <a:p>
+            <a:r>
+              <a:rPr lang="en-US" sz="1400" dirty="0"/>
+              <a:t>1.20.22 -&gt; x</a:t>
+            </a:r>
+          </a:p>
+          <a:p>
+            <a:r>
+              <a:rPr lang="en-US" sz="1400" dirty="0"/>
+              <a:t>1.20.23 -&gt; x</a:t>
+            </a:r>
+          </a:p>
+          <a:p>
+            <a:r>
+              <a:rPr lang="en-US" sz="1400" dirty="0"/>
+              <a:t>1.20.24 -&gt; x</a:t>
+            </a:r>
+          </a:p>
+          <a:p>
+            <a:r>
+              <a:rPr lang="en-US" sz="1400" dirty="0"/>
+              <a:t>1.20.25 -&gt; 2.25.0</a:t>
+            </a:r>
+          </a:p>
+          <a:p>
+            <a:r>
+              <a:rPr lang="en-US" sz="1400" dirty="0"/>
+              <a:t>1.20.26 -&gt; 2.26.0</a:t>
+            </a:r>
+          </a:p>
+          <a:p>
+            <a:r>
+              <a:rPr lang="en-US" sz="1400" dirty="0"/>
+              <a:t>1.20.27 -&gt; 2.27.0</a:t>
+            </a:r>
+          </a:p>
+          <a:p>
+            <a:endParaRPr lang="en-US" sz="1400" dirty="0"/>
+          </a:p>
+          <a:p>
+            <a:r>
+              <a:rPr lang="en-US" sz="1400" dirty="0"/>
+              <a:t>1.22.x -&gt; 3.0.0-alpha.x</a:t>
+            </a:r>
+            <a:endParaRPr lang="de-AT" sz="1400" dirty="0"/>
+          </a:p>
+        </p:txBody>
+      </p:sp>
+    </p:spTree>
+    <p:extLst>
+      <p:ext uri="{BB962C8B-B14F-4D97-AF65-F5344CB8AC3E}">
+        <p14:creationId xmlns:p14="http://schemas.microsoft.com/office/powerpoint/2010/main" val="2329913322"/>
       </p:ext>
     </p:extLst>
   </p:cSld>
